--- a/讓讚美飛揚(崇拜版).pptx
+++ b/讓讚美飛揚(崇拜版).pptx
@@ -7,7 +7,7 @@
   <p:sldIdLst>
     <p:sldId id="256" r:id="rId2"/>
     <p:sldId id="259" r:id="rId3"/>
-    <p:sldId id="260" r:id="rId4"/>
+    <p:sldId id="267" r:id="rId4"/>
   </p:sldIdLst>
   <p:sldSz cx="9144000" cy="6858000" type="screen4x3"/>
   <p:notesSz cx="6858000" cy="9144000"/>
@@ -291,7 +291,7 @@
             <a:fld id="{43378F8F-BD94-40A7-8263-902CAD390152}" type="datetimeFigureOut">
               <a:rPr lang="zh-TW" altLang="en-US" smtClean="0"/>
               <a:pPr/>
-              <a:t>2018/5/12</a:t>
+              <a:t>2019/5/24</a:t>
             </a:fld>
             <a:endParaRPr lang="zh-TW" altLang="en-US"/>
           </a:p>
@@ -458,7 +458,7 @@
             <a:fld id="{43378F8F-BD94-40A7-8263-902CAD390152}" type="datetimeFigureOut">
               <a:rPr lang="zh-TW" altLang="en-US" smtClean="0"/>
               <a:pPr/>
-              <a:t>2018/5/12</a:t>
+              <a:t>2019/5/24</a:t>
             </a:fld>
             <a:endParaRPr lang="zh-TW" altLang="en-US"/>
           </a:p>
@@ -635,7 +635,7 @@
             <a:fld id="{43378F8F-BD94-40A7-8263-902CAD390152}" type="datetimeFigureOut">
               <a:rPr lang="zh-TW" altLang="en-US" smtClean="0"/>
               <a:pPr/>
-              <a:t>2018/5/12</a:t>
+              <a:t>2019/5/24</a:t>
             </a:fld>
             <a:endParaRPr lang="zh-TW" altLang="en-US"/>
           </a:p>
@@ -802,7 +802,7 @@
             <a:fld id="{43378F8F-BD94-40A7-8263-902CAD390152}" type="datetimeFigureOut">
               <a:rPr lang="zh-TW" altLang="en-US" smtClean="0"/>
               <a:pPr/>
-              <a:t>2018/5/12</a:t>
+              <a:t>2019/5/24</a:t>
             </a:fld>
             <a:endParaRPr lang="zh-TW" altLang="en-US"/>
           </a:p>
@@ -1045,7 +1045,7 @@
             <a:fld id="{43378F8F-BD94-40A7-8263-902CAD390152}" type="datetimeFigureOut">
               <a:rPr lang="zh-TW" altLang="en-US" smtClean="0"/>
               <a:pPr/>
-              <a:t>2018/5/12</a:t>
+              <a:t>2019/5/24</a:t>
             </a:fld>
             <a:endParaRPr lang="zh-TW" altLang="en-US"/>
           </a:p>
@@ -1330,7 +1330,7 @@
             <a:fld id="{43378F8F-BD94-40A7-8263-902CAD390152}" type="datetimeFigureOut">
               <a:rPr lang="zh-TW" altLang="en-US" smtClean="0"/>
               <a:pPr/>
-              <a:t>2018/5/12</a:t>
+              <a:t>2019/5/24</a:t>
             </a:fld>
             <a:endParaRPr lang="zh-TW" altLang="en-US"/>
           </a:p>
@@ -1749,7 +1749,7 @@
             <a:fld id="{43378F8F-BD94-40A7-8263-902CAD390152}" type="datetimeFigureOut">
               <a:rPr lang="zh-TW" altLang="en-US" smtClean="0"/>
               <a:pPr/>
-              <a:t>2018/5/12</a:t>
+              <a:t>2019/5/24</a:t>
             </a:fld>
             <a:endParaRPr lang="zh-TW" altLang="en-US"/>
           </a:p>
@@ -1864,7 +1864,7 @@
             <a:fld id="{43378F8F-BD94-40A7-8263-902CAD390152}" type="datetimeFigureOut">
               <a:rPr lang="zh-TW" altLang="en-US" smtClean="0"/>
               <a:pPr/>
-              <a:t>2018/5/12</a:t>
+              <a:t>2019/5/24</a:t>
             </a:fld>
             <a:endParaRPr lang="zh-TW" altLang="en-US"/>
           </a:p>
@@ -1956,7 +1956,7 @@
             <a:fld id="{43378F8F-BD94-40A7-8263-902CAD390152}" type="datetimeFigureOut">
               <a:rPr lang="zh-TW" altLang="en-US" smtClean="0"/>
               <a:pPr/>
-              <a:t>2018/5/12</a:t>
+              <a:t>2019/5/24</a:t>
             </a:fld>
             <a:endParaRPr lang="zh-TW" altLang="en-US"/>
           </a:p>
@@ -2230,7 +2230,7 @@
             <a:fld id="{43378F8F-BD94-40A7-8263-902CAD390152}" type="datetimeFigureOut">
               <a:rPr lang="zh-TW" altLang="en-US" smtClean="0"/>
               <a:pPr/>
-              <a:t>2018/5/12</a:t>
+              <a:t>2019/5/24</a:t>
             </a:fld>
             <a:endParaRPr lang="zh-TW" altLang="en-US"/>
           </a:p>
@@ -2484,7 +2484,7 @@
             <a:fld id="{43378F8F-BD94-40A7-8263-902CAD390152}" type="datetimeFigureOut">
               <a:rPr lang="zh-TW" altLang="en-US" smtClean="0"/>
               <a:pPr/>
-              <a:t>2018/5/12</a:t>
+              <a:t>2019/5/24</a:t>
             </a:fld>
             <a:endParaRPr lang="zh-TW" altLang="en-US"/>
           </a:p>
@@ -2699,7 +2699,7 @@
             <a:fld id="{43378F8F-BD94-40A7-8263-902CAD390152}" type="datetimeFigureOut">
               <a:rPr lang="zh-TW" altLang="en-US" smtClean="0"/>
               <a:pPr/>
-              <a:t>2018/5/12</a:t>
+              <a:t>2019/5/24</a:t>
             </a:fld>
             <a:endParaRPr lang="zh-TW" altLang="en-US"/>
           </a:p>
@@ -3216,6 +3216,13 @@
   <p:clrMapOvr>
     <a:masterClrMapping/>
   </p:clrMapOvr>
+  <p:timing>
+    <p:tnLst>
+      <p:par>
+        <p:cTn id="1" dur="indefinite" restart="never" nodeType="tmRoot"/>
+      </p:par>
+    </p:tnLst>
+  </p:timing>
 </p:sld>
 </file>
 
@@ -3382,6 +3389,13 @@
   <p:clrMapOvr>
     <a:masterClrMapping/>
   </p:clrMapOvr>
+  <p:timing>
+    <p:tnLst>
+      <p:par>
+        <p:cTn id="1" dur="indefinite" restart="never" nodeType="tmRoot"/>
+      </p:par>
+    </p:tnLst>
+  </p:timing>
 </p:sld>
 </file>
 
@@ -3526,6 +3540,13 @@
   <p:clrMapOvr>
     <a:masterClrMapping/>
   </p:clrMapOvr>
+  <p:timing>
+    <p:tnLst>
+      <p:par>
+        <p:cTn id="1" dur="indefinite" restart="never" nodeType="tmRoot"/>
+      </p:par>
+    </p:tnLst>
+  </p:timing>
 </p:sld>
 </file>
 

--- a/讓讚美飛揚(崇拜版).pptx
+++ b/讓讚美飛揚(崇拜版).pptx
@@ -7,7 +7,7 @@
   <p:sldIdLst>
     <p:sldId id="256" r:id="rId2"/>
     <p:sldId id="259" r:id="rId3"/>
-    <p:sldId id="267" r:id="rId4"/>
+    <p:sldId id="260" r:id="rId4"/>
   </p:sldIdLst>
   <p:sldSz cx="9144000" cy="6858000" type="screen4x3"/>
   <p:notesSz cx="6858000" cy="9144000"/>
@@ -291,7 +291,7 @@
             <a:fld id="{43378F8F-BD94-40A7-8263-902CAD390152}" type="datetimeFigureOut">
               <a:rPr lang="zh-TW" altLang="en-US" smtClean="0"/>
               <a:pPr/>
-              <a:t>2019/5/24</a:t>
+              <a:t>2018/5/12</a:t>
             </a:fld>
             <a:endParaRPr lang="zh-TW" altLang="en-US"/>
           </a:p>
@@ -458,7 +458,7 @@
             <a:fld id="{43378F8F-BD94-40A7-8263-902CAD390152}" type="datetimeFigureOut">
               <a:rPr lang="zh-TW" altLang="en-US" smtClean="0"/>
               <a:pPr/>
-              <a:t>2019/5/24</a:t>
+              <a:t>2018/5/12</a:t>
             </a:fld>
             <a:endParaRPr lang="zh-TW" altLang="en-US"/>
           </a:p>
@@ -635,7 +635,7 @@
             <a:fld id="{43378F8F-BD94-40A7-8263-902CAD390152}" type="datetimeFigureOut">
               <a:rPr lang="zh-TW" altLang="en-US" smtClean="0"/>
               <a:pPr/>
-              <a:t>2019/5/24</a:t>
+              <a:t>2018/5/12</a:t>
             </a:fld>
             <a:endParaRPr lang="zh-TW" altLang="en-US"/>
           </a:p>
@@ -802,7 +802,7 @@
             <a:fld id="{43378F8F-BD94-40A7-8263-902CAD390152}" type="datetimeFigureOut">
               <a:rPr lang="zh-TW" altLang="en-US" smtClean="0"/>
               <a:pPr/>
-              <a:t>2019/5/24</a:t>
+              <a:t>2018/5/12</a:t>
             </a:fld>
             <a:endParaRPr lang="zh-TW" altLang="en-US"/>
           </a:p>
@@ -1045,7 +1045,7 @@
             <a:fld id="{43378F8F-BD94-40A7-8263-902CAD390152}" type="datetimeFigureOut">
               <a:rPr lang="zh-TW" altLang="en-US" smtClean="0"/>
               <a:pPr/>
-              <a:t>2019/5/24</a:t>
+              <a:t>2018/5/12</a:t>
             </a:fld>
             <a:endParaRPr lang="zh-TW" altLang="en-US"/>
           </a:p>
@@ -1330,7 +1330,7 @@
             <a:fld id="{43378F8F-BD94-40A7-8263-902CAD390152}" type="datetimeFigureOut">
               <a:rPr lang="zh-TW" altLang="en-US" smtClean="0"/>
               <a:pPr/>
-              <a:t>2019/5/24</a:t>
+              <a:t>2018/5/12</a:t>
             </a:fld>
             <a:endParaRPr lang="zh-TW" altLang="en-US"/>
           </a:p>
@@ -1749,7 +1749,7 @@
             <a:fld id="{43378F8F-BD94-40A7-8263-902CAD390152}" type="datetimeFigureOut">
               <a:rPr lang="zh-TW" altLang="en-US" smtClean="0"/>
               <a:pPr/>
-              <a:t>2019/5/24</a:t>
+              <a:t>2018/5/12</a:t>
             </a:fld>
             <a:endParaRPr lang="zh-TW" altLang="en-US"/>
           </a:p>
@@ -1864,7 +1864,7 @@
             <a:fld id="{43378F8F-BD94-40A7-8263-902CAD390152}" type="datetimeFigureOut">
               <a:rPr lang="zh-TW" altLang="en-US" smtClean="0"/>
               <a:pPr/>
-              <a:t>2019/5/24</a:t>
+              <a:t>2018/5/12</a:t>
             </a:fld>
             <a:endParaRPr lang="zh-TW" altLang="en-US"/>
           </a:p>
@@ -1956,7 +1956,7 @@
             <a:fld id="{43378F8F-BD94-40A7-8263-902CAD390152}" type="datetimeFigureOut">
               <a:rPr lang="zh-TW" altLang="en-US" smtClean="0"/>
               <a:pPr/>
-              <a:t>2019/5/24</a:t>
+              <a:t>2018/5/12</a:t>
             </a:fld>
             <a:endParaRPr lang="zh-TW" altLang="en-US"/>
           </a:p>
@@ -2230,7 +2230,7 @@
             <a:fld id="{43378F8F-BD94-40A7-8263-902CAD390152}" type="datetimeFigureOut">
               <a:rPr lang="zh-TW" altLang="en-US" smtClean="0"/>
               <a:pPr/>
-              <a:t>2019/5/24</a:t>
+              <a:t>2018/5/12</a:t>
             </a:fld>
             <a:endParaRPr lang="zh-TW" altLang="en-US"/>
           </a:p>
@@ -2484,7 +2484,7 @@
             <a:fld id="{43378F8F-BD94-40A7-8263-902CAD390152}" type="datetimeFigureOut">
               <a:rPr lang="zh-TW" altLang="en-US" smtClean="0"/>
               <a:pPr/>
-              <a:t>2019/5/24</a:t>
+              <a:t>2018/5/12</a:t>
             </a:fld>
             <a:endParaRPr lang="zh-TW" altLang="en-US"/>
           </a:p>
@@ -2699,7 +2699,7 @@
             <a:fld id="{43378F8F-BD94-40A7-8263-902CAD390152}" type="datetimeFigureOut">
               <a:rPr lang="zh-TW" altLang="en-US" smtClean="0"/>
               <a:pPr/>
-              <a:t>2019/5/24</a:t>
+              <a:t>2018/5/12</a:t>
             </a:fld>
             <a:endParaRPr lang="zh-TW" altLang="en-US"/>
           </a:p>
@@ -3216,13 +3216,6 @@
   <p:clrMapOvr>
     <a:masterClrMapping/>
   </p:clrMapOvr>
-  <p:timing>
-    <p:tnLst>
-      <p:par>
-        <p:cTn id="1" dur="indefinite" restart="never" nodeType="tmRoot"/>
-      </p:par>
-    </p:tnLst>
-  </p:timing>
 </p:sld>
 </file>
 
@@ -3389,13 +3382,6 @@
   <p:clrMapOvr>
     <a:masterClrMapping/>
   </p:clrMapOvr>
-  <p:timing>
-    <p:tnLst>
-      <p:par>
-        <p:cTn id="1" dur="indefinite" restart="never" nodeType="tmRoot"/>
-      </p:par>
-    </p:tnLst>
-  </p:timing>
 </p:sld>
 </file>
 
@@ -3540,13 +3526,6 @@
   <p:clrMapOvr>
     <a:masterClrMapping/>
   </p:clrMapOvr>
-  <p:timing>
-    <p:tnLst>
-      <p:par>
-        <p:cTn id="1" dur="indefinite" restart="never" nodeType="tmRoot"/>
-      </p:par>
-    </p:tnLst>
-  </p:timing>
 </p:sld>
 </file>
 

--- a/讓讚美飛揚(崇拜版).pptx
+++ b/讓讚美飛揚(崇拜版).pptx
@@ -9,7 +9,7 @@
     <p:sldId id="259" r:id="rId3"/>
     <p:sldId id="260" r:id="rId4"/>
   </p:sldIdLst>
-  <p:sldSz cx="9144000" cy="6858000" type="screen4x3"/>
+  <p:sldSz cx="9144000" cy="5143500" type="screen16x9"/>
   <p:notesSz cx="6858000" cy="9144000"/>
   <p:defaultTextStyle>
     <a:defPPr>
@@ -138,8 +138,8 @@
         </p:nvSpPr>
         <p:spPr>
           <a:xfrm>
-            <a:off x="685800" y="2130425"/>
-            <a:ext cx="7772400" cy="1470025"/>
+            <a:off x="685800" y="1597819"/>
+            <a:ext cx="7772400" cy="1102519"/>
           </a:xfrm>
         </p:spPr>
         <p:txBody>
@@ -166,8 +166,8 @@
         </p:nvSpPr>
         <p:spPr>
           <a:xfrm>
-            <a:off x="1371600" y="3886200"/>
-            <a:ext cx="6400800" cy="1752600"/>
+            <a:off x="1371600" y="2914650"/>
+            <a:ext cx="6400800" cy="1314450"/>
           </a:xfrm>
         </p:spPr>
         <p:txBody>
@@ -291,7 +291,7 @@
             <a:fld id="{43378F8F-BD94-40A7-8263-902CAD390152}" type="datetimeFigureOut">
               <a:rPr lang="zh-TW" altLang="en-US" smtClean="0"/>
               <a:pPr/>
-              <a:t>2018/5/12</a:t>
+              <a:t>2019/10/12</a:t>
             </a:fld>
             <a:endParaRPr lang="zh-TW" altLang="en-US"/>
           </a:p>
@@ -458,7 +458,7 @@
             <a:fld id="{43378F8F-BD94-40A7-8263-902CAD390152}" type="datetimeFigureOut">
               <a:rPr lang="zh-TW" altLang="en-US" smtClean="0"/>
               <a:pPr/>
-              <a:t>2018/5/12</a:t>
+              <a:t>2019/10/12</a:t>
             </a:fld>
             <a:endParaRPr lang="zh-TW" altLang="en-US"/>
           </a:p>
@@ -544,8 +544,8 @@
         </p:nvSpPr>
         <p:spPr>
           <a:xfrm>
-            <a:off x="6629400" y="274638"/>
-            <a:ext cx="2057400" cy="5851525"/>
+            <a:off x="6629400" y="205979"/>
+            <a:ext cx="2057400" cy="4388644"/>
           </a:xfrm>
         </p:spPr>
         <p:txBody>
@@ -572,8 +572,8 @@
         </p:nvSpPr>
         <p:spPr>
           <a:xfrm>
-            <a:off x="457200" y="274638"/>
-            <a:ext cx="6019800" cy="5851525"/>
+            <a:off x="457200" y="205979"/>
+            <a:ext cx="6019800" cy="4388644"/>
           </a:xfrm>
         </p:spPr>
         <p:txBody>
@@ -635,7 +635,7 @@
             <a:fld id="{43378F8F-BD94-40A7-8263-902CAD390152}" type="datetimeFigureOut">
               <a:rPr lang="zh-TW" altLang="en-US" smtClean="0"/>
               <a:pPr/>
-              <a:t>2018/5/12</a:t>
+              <a:t>2019/10/12</a:t>
             </a:fld>
             <a:endParaRPr lang="zh-TW" altLang="en-US"/>
           </a:p>
@@ -802,7 +802,7 @@
             <a:fld id="{43378F8F-BD94-40A7-8263-902CAD390152}" type="datetimeFigureOut">
               <a:rPr lang="zh-TW" altLang="en-US" smtClean="0"/>
               <a:pPr/>
-              <a:t>2018/5/12</a:t>
+              <a:t>2019/10/12</a:t>
             </a:fld>
             <a:endParaRPr lang="zh-TW" altLang="en-US"/>
           </a:p>
@@ -888,8 +888,8 @@
         </p:nvSpPr>
         <p:spPr>
           <a:xfrm>
-            <a:off x="722313" y="4406900"/>
-            <a:ext cx="7772400" cy="1362075"/>
+            <a:off x="722313" y="3305176"/>
+            <a:ext cx="7772400" cy="1021556"/>
           </a:xfrm>
         </p:spPr>
         <p:txBody>
@@ -920,8 +920,8 @@
         </p:nvSpPr>
         <p:spPr>
           <a:xfrm>
-            <a:off x="722313" y="2906713"/>
-            <a:ext cx="7772400" cy="1500187"/>
+            <a:off x="722313" y="2180035"/>
+            <a:ext cx="7772400" cy="1125140"/>
           </a:xfrm>
         </p:spPr>
         <p:txBody>
@@ -1045,7 +1045,7 @@
             <a:fld id="{43378F8F-BD94-40A7-8263-902CAD390152}" type="datetimeFigureOut">
               <a:rPr lang="zh-TW" altLang="en-US" smtClean="0"/>
               <a:pPr/>
-              <a:t>2018/5/12</a:t>
+              <a:t>2019/10/12</a:t>
             </a:fld>
             <a:endParaRPr lang="zh-TW" altLang="en-US"/>
           </a:p>
@@ -1154,8 +1154,8 @@
         </p:nvSpPr>
         <p:spPr>
           <a:xfrm>
-            <a:off x="457200" y="1600200"/>
-            <a:ext cx="4038600" cy="4525963"/>
+            <a:off x="457200" y="1200151"/>
+            <a:ext cx="4038600" cy="3394472"/>
           </a:xfrm>
         </p:spPr>
         <p:txBody>
@@ -1239,8 +1239,8 @@
         </p:nvSpPr>
         <p:spPr>
           <a:xfrm>
-            <a:off x="4648200" y="1600200"/>
-            <a:ext cx="4038600" cy="4525963"/>
+            <a:off x="4648200" y="1200151"/>
+            <a:ext cx="4038600" cy="3394472"/>
           </a:xfrm>
         </p:spPr>
         <p:txBody>
@@ -1330,7 +1330,7 @@
             <a:fld id="{43378F8F-BD94-40A7-8263-902CAD390152}" type="datetimeFigureOut">
               <a:rPr lang="zh-TW" altLang="en-US" smtClean="0"/>
               <a:pPr/>
-              <a:t>2018/5/12</a:t>
+              <a:t>2019/10/12</a:t>
             </a:fld>
             <a:endParaRPr lang="zh-TW" altLang="en-US"/>
           </a:p>
@@ -1443,8 +1443,8 @@
         </p:nvSpPr>
         <p:spPr>
           <a:xfrm>
-            <a:off x="457200" y="1535113"/>
-            <a:ext cx="4040188" cy="639762"/>
+            <a:off x="457200" y="1151335"/>
+            <a:ext cx="4040188" cy="479822"/>
           </a:xfrm>
         </p:spPr>
         <p:txBody>
@@ -1508,8 +1508,8 @@
         </p:nvSpPr>
         <p:spPr>
           <a:xfrm>
-            <a:off x="457200" y="2174875"/>
-            <a:ext cx="4040188" cy="3951288"/>
+            <a:off x="457200" y="1631156"/>
+            <a:ext cx="4040188" cy="2963466"/>
           </a:xfrm>
         </p:spPr>
         <p:txBody>
@@ -1593,8 +1593,8 @@
         </p:nvSpPr>
         <p:spPr>
           <a:xfrm>
-            <a:off x="4645025" y="1535113"/>
-            <a:ext cx="4041775" cy="639762"/>
+            <a:off x="4645026" y="1151335"/>
+            <a:ext cx="4041775" cy="479822"/>
           </a:xfrm>
         </p:spPr>
         <p:txBody>
@@ -1658,8 +1658,8 @@
         </p:nvSpPr>
         <p:spPr>
           <a:xfrm>
-            <a:off x="4645025" y="2174875"/>
-            <a:ext cx="4041775" cy="3951288"/>
+            <a:off x="4645026" y="1631156"/>
+            <a:ext cx="4041775" cy="2963466"/>
           </a:xfrm>
         </p:spPr>
         <p:txBody>
@@ -1749,7 +1749,7 @@
             <a:fld id="{43378F8F-BD94-40A7-8263-902CAD390152}" type="datetimeFigureOut">
               <a:rPr lang="zh-TW" altLang="en-US" smtClean="0"/>
               <a:pPr/>
-              <a:t>2018/5/12</a:t>
+              <a:t>2019/10/12</a:t>
             </a:fld>
             <a:endParaRPr lang="zh-TW" altLang="en-US"/>
           </a:p>
@@ -1864,7 +1864,7 @@
             <a:fld id="{43378F8F-BD94-40A7-8263-902CAD390152}" type="datetimeFigureOut">
               <a:rPr lang="zh-TW" altLang="en-US" smtClean="0"/>
               <a:pPr/>
-              <a:t>2018/5/12</a:t>
+              <a:t>2019/10/12</a:t>
             </a:fld>
             <a:endParaRPr lang="zh-TW" altLang="en-US"/>
           </a:p>
@@ -1956,7 +1956,7 @@
             <a:fld id="{43378F8F-BD94-40A7-8263-902CAD390152}" type="datetimeFigureOut">
               <a:rPr lang="zh-TW" altLang="en-US" smtClean="0"/>
               <a:pPr/>
-              <a:t>2018/5/12</a:t>
+              <a:t>2019/10/12</a:t>
             </a:fld>
             <a:endParaRPr lang="zh-TW" altLang="en-US"/>
           </a:p>
@@ -2042,8 +2042,8 @@
         </p:nvSpPr>
         <p:spPr>
           <a:xfrm>
-            <a:off x="457200" y="273050"/>
-            <a:ext cx="3008313" cy="1162050"/>
+            <a:off x="457201" y="204787"/>
+            <a:ext cx="3008313" cy="871538"/>
           </a:xfrm>
         </p:spPr>
         <p:txBody>
@@ -2074,8 +2074,8 @@
         </p:nvSpPr>
         <p:spPr>
           <a:xfrm>
-            <a:off x="3575050" y="273050"/>
-            <a:ext cx="5111750" cy="5853113"/>
+            <a:off x="3575050" y="204788"/>
+            <a:ext cx="5111750" cy="4389835"/>
           </a:xfrm>
         </p:spPr>
         <p:txBody>
@@ -2159,8 +2159,8 @@
         </p:nvSpPr>
         <p:spPr>
           <a:xfrm>
-            <a:off x="457200" y="1435100"/>
-            <a:ext cx="3008313" cy="4691063"/>
+            <a:off x="457201" y="1076326"/>
+            <a:ext cx="3008313" cy="3518297"/>
           </a:xfrm>
         </p:spPr>
         <p:txBody>
@@ -2230,7 +2230,7 @@
             <a:fld id="{43378F8F-BD94-40A7-8263-902CAD390152}" type="datetimeFigureOut">
               <a:rPr lang="zh-TW" altLang="en-US" smtClean="0"/>
               <a:pPr/>
-              <a:t>2018/5/12</a:t>
+              <a:t>2019/10/12</a:t>
             </a:fld>
             <a:endParaRPr lang="zh-TW" altLang="en-US"/>
           </a:p>
@@ -2316,8 +2316,8 @@
         </p:nvSpPr>
         <p:spPr>
           <a:xfrm>
-            <a:off x="1792288" y="4800600"/>
-            <a:ext cx="5486400" cy="566738"/>
+            <a:off x="1792288" y="3600450"/>
+            <a:ext cx="5486400" cy="425054"/>
           </a:xfrm>
         </p:spPr>
         <p:txBody>
@@ -2348,8 +2348,8 @@
         </p:nvSpPr>
         <p:spPr>
           <a:xfrm>
-            <a:off x="1792288" y="612775"/>
-            <a:ext cx="5486400" cy="4114800"/>
+            <a:off x="1792288" y="459581"/>
+            <a:ext cx="5486400" cy="3086100"/>
           </a:xfrm>
         </p:spPr>
         <p:txBody>
@@ -2413,8 +2413,8 @@
         </p:nvSpPr>
         <p:spPr>
           <a:xfrm>
-            <a:off x="1792288" y="5367338"/>
-            <a:ext cx="5486400" cy="804862"/>
+            <a:off x="1792288" y="4025503"/>
+            <a:ext cx="5486400" cy="603647"/>
           </a:xfrm>
         </p:spPr>
         <p:txBody>
@@ -2484,7 +2484,7 @@
             <a:fld id="{43378F8F-BD94-40A7-8263-902CAD390152}" type="datetimeFigureOut">
               <a:rPr lang="zh-TW" altLang="en-US" smtClean="0"/>
               <a:pPr/>
-              <a:t>2018/5/12</a:t>
+              <a:t>2019/10/12</a:t>
             </a:fld>
             <a:endParaRPr lang="zh-TW" altLang="en-US"/>
           </a:p>
@@ -2580,8 +2580,8 @@
         </p:nvSpPr>
         <p:spPr>
           <a:xfrm>
-            <a:off x="457200" y="274638"/>
-            <a:ext cx="8229600" cy="1143000"/>
+            <a:off x="457200" y="205979"/>
+            <a:ext cx="8229600" cy="857250"/>
           </a:xfrm>
           <a:prstGeom prst="rect">
             <a:avLst/>
@@ -2613,8 +2613,8 @@
         </p:nvSpPr>
         <p:spPr>
           <a:xfrm>
-            <a:off x="457200" y="1600200"/>
-            <a:ext cx="8229600" cy="4525963"/>
+            <a:off x="457200" y="1200151"/>
+            <a:ext cx="8229600" cy="3394472"/>
           </a:xfrm>
           <a:prstGeom prst="rect">
             <a:avLst/>
@@ -2675,8 +2675,8 @@
         </p:nvSpPr>
         <p:spPr>
           <a:xfrm>
-            <a:off x="457200" y="6356350"/>
-            <a:ext cx="2133600" cy="365125"/>
+            <a:off x="457200" y="4767263"/>
+            <a:ext cx="2133600" cy="273844"/>
           </a:xfrm>
           <a:prstGeom prst="rect">
             <a:avLst/>
@@ -2699,7 +2699,7 @@
             <a:fld id="{43378F8F-BD94-40A7-8263-902CAD390152}" type="datetimeFigureOut">
               <a:rPr lang="zh-TW" altLang="en-US" smtClean="0"/>
               <a:pPr/>
-              <a:t>2018/5/12</a:t>
+              <a:t>2019/10/12</a:t>
             </a:fld>
             <a:endParaRPr lang="zh-TW" altLang="en-US"/>
           </a:p>
@@ -2717,8 +2717,8 @@
         </p:nvSpPr>
         <p:spPr>
           <a:xfrm>
-            <a:off x="3124200" y="6356350"/>
-            <a:ext cx="2895600" cy="365125"/>
+            <a:off x="3124200" y="4767263"/>
+            <a:ext cx="2895600" cy="273844"/>
           </a:xfrm>
           <a:prstGeom prst="rect">
             <a:avLst/>
@@ -2754,8 +2754,8 @@
         </p:nvSpPr>
         <p:spPr>
           <a:xfrm>
-            <a:off x="6553200" y="6356350"/>
-            <a:ext cx="2133600" cy="365125"/>
+            <a:off x="6553200" y="4767263"/>
+            <a:ext cx="2133600" cy="273844"/>
           </a:xfrm>
           <a:prstGeom prst="rect">
             <a:avLst/>
@@ -3082,11 +3082,13 @@
         </p:nvSpPr>
         <p:spPr/>
         <p:txBody>
-          <a:bodyPr/>
-          <a:lstStyle/>
-          <a:p>
-            <a:r>
-              <a:rPr lang="zh-CN" altLang="en-US" b="1" dirty="0" smtClean="0">
+          <a:bodyPr>
+            <a:normAutofit/>
+          </a:bodyPr>
+          <a:lstStyle/>
+          <a:p>
+            <a:r>
+              <a:rPr lang="zh-CN" altLang="en-US" sz="4000" b="1" dirty="0" smtClean="0">
                 <a:solidFill>
                   <a:srgbClr val="000066"/>
                 </a:solidFill>
@@ -3095,7 +3097,7 @@
               </a:rPr>
               <a:t>讓讚美飛揚</a:t>
             </a:r>
-            <a:endParaRPr lang="zh-TW" altLang="en-US" b="1" dirty="0">
+            <a:endParaRPr lang="zh-TW" altLang="en-US" sz="4000" b="1" dirty="0">
               <a:solidFill>
                 <a:srgbClr val="000066"/>
               </a:solidFill>
@@ -3118,7 +3120,7 @@
         <p:spPr/>
         <p:txBody>
           <a:bodyPr>
-            <a:normAutofit/>
+            <a:noAutofit/>
           </a:bodyPr>
           <a:lstStyle/>
           <a:p>
@@ -3126,7 +3128,7 @@
               <a:buNone/>
             </a:pPr>
             <a:r>
-              <a:rPr lang="zh-TW" altLang="en-US" sz="5400" b="1" dirty="0" smtClean="0">
+              <a:rPr lang="zh-TW" altLang="en-US" sz="4800" b="1" dirty="0" smtClean="0">
                 <a:solidFill>
                   <a:srgbClr val="000066"/>
                 </a:solidFill>
@@ -3135,7 +3137,7 @@
               </a:rPr>
               <a:t>在這美麗的時刻</a:t>
             </a:r>
-            <a:endParaRPr lang="en-US" altLang="zh-TW" sz="5400" b="1" dirty="0" smtClean="0">
+            <a:endParaRPr lang="en-US" altLang="zh-TW" sz="4800" b="1" dirty="0" smtClean="0">
               <a:solidFill>
                 <a:srgbClr val="000066"/>
               </a:solidFill>
@@ -3148,7 +3150,7 @@
               <a:buNone/>
             </a:pPr>
             <a:r>
-              <a:rPr lang="zh-TW" altLang="en-US" sz="5400" b="1" dirty="0" smtClean="0">
+              <a:rPr lang="zh-TW" altLang="en-US" sz="4800" b="1" dirty="0" smtClean="0">
                 <a:solidFill>
                   <a:srgbClr val="000066"/>
                 </a:solidFill>
@@ -3157,7 +3159,7 @@
               </a:rPr>
               <a:t>我們相聚在一起</a:t>
             </a:r>
-            <a:endParaRPr lang="en-US" altLang="zh-TW" sz="5400" b="1" dirty="0" smtClean="0">
+            <a:endParaRPr lang="en-US" altLang="zh-TW" sz="4800" b="1" dirty="0" smtClean="0">
               <a:solidFill>
                 <a:srgbClr val="000066"/>
               </a:solidFill>
@@ -3170,7 +3172,7 @@
               <a:buNone/>
             </a:pPr>
             <a:r>
-              <a:rPr lang="zh-TW" altLang="en-US" sz="5400" b="1" dirty="0" smtClean="0">
+              <a:rPr lang="zh-TW" altLang="en-US" sz="4800" b="1" dirty="0" smtClean="0">
                 <a:solidFill>
                   <a:srgbClr val="000066"/>
                 </a:solidFill>
@@ -3179,7 +3181,7 @@
               </a:rPr>
               <a:t>神的愛擁抱著我們</a:t>
             </a:r>
-            <a:endParaRPr lang="en-US" altLang="zh-TW" sz="5400" b="1" dirty="0" smtClean="0">
+            <a:endParaRPr lang="en-US" altLang="zh-TW" sz="4800" b="1" dirty="0" smtClean="0">
               <a:solidFill>
                 <a:srgbClr val="000066"/>
               </a:solidFill>
@@ -3192,7 +3194,7 @@
               <a:buNone/>
             </a:pPr>
             <a:r>
-              <a:rPr lang="zh-TW" altLang="en-US" sz="5400" b="1" dirty="0" smtClean="0">
+              <a:rPr lang="zh-TW" altLang="en-US" sz="4800" b="1" dirty="0" smtClean="0">
                 <a:solidFill>
                   <a:srgbClr val="000066"/>
                 </a:solidFill>
@@ -3201,7 +3203,7 @@
               </a:rPr>
               <a:t>神的靈充滿這地</a:t>
             </a:r>
-            <a:endParaRPr lang="zh-TW" altLang="en-US" sz="5400" b="1" dirty="0">
+            <a:endParaRPr lang="zh-TW" altLang="en-US" sz="4800" b="1" dirty="0">
               <a:solidFill>
                 <a:srgbClr val="000066"/>
               </a:solidFill>
@@ -3248,11 +3250,13 @@
         </p:nvSpPr>
         <p:spPr/>
         <p:txBody>
-          <a:bodyPr/>
-          <a:lstStyle/>
-          <a:p>
-            <a:r>
-              <a:rPr lang="zh-CN" altLang="en-US" b="1" dirty="0" smtClean="0">
+          <a:bodyPr>
+            <a:normAutofit/>
+          </a:bodyPr>
+          <a:lstStyle/>
+          <a:p>
+            <a:r>
+              <a:rPr lang="zh-CN" altLang="en-US" sz="4000" b="1" dirty="0">
                 <a:solidFill>
                   <a:srgbClr val="000066"/>
                 </a:solidFill>
@@ -3261,7 +3265,7 @@
               </a:rPr>
               <a:t>讓讚美飛揚</a:t>
             </a:r>
-            <a:endParaRPr lang="zh-TW" altLang="en-US" b="1" dirty="0">
+            <a:endParaRPr lang="zh-TW" altLang="en-US" sz="4000" b="1" dirty="0">
               <a:solidFill>
                 <a:srgbClr val="000066"/>
               </a:solidFill>
@@ -3284,7 +3288,7 @@
         <p:spPr/>
         <p:txBody>
           <a:bodyPr>
-            <a:normAutofit/>
+            <a:noAutofit/>
           </a:bodyPr>
           <a:lstStyle/>
           <a:p>
@@ -3292,7 +3296,7 @@
               <a:buNone/>
             </a:pPr>
             <a:r>
-              <a:rPr lang="zh-TW" altLang="en-US" sz="5400" b="1" dirty="0" smtClean="0">
+              <a:rPr lang="zh-TW" altLang="en-US" sz="4800" b="1" dirty="0">
                 <a:solidFill>
                   <a:srgbClr val="000066"/>
                 </a:solidFill>
@@ -3301,7 +3305,7 @@
               </a:rPr>
               <a:t>當稱謝進入祂的門</a:t>
             </a:r>
-            <a:endParaRPr lang="en-US" altLang="zh-TW" sz="5400" b="1" dirty="0" smtClean="0">
+            <a:endParaRPr lang="en-US" altLang="zh-TW" sz="4800" b="1" dirty="0">
               <a:solidFill>
                 <a:srgbClr val="000066"/>
               </a:solidFill>
@@ -3314,7 +3318,7 @@
               <a:buNone/>
             </a:pPr>
             <a:r>
-              <a:rPr lang="zh-TW" altLang="en-US" sz="5400" b="1" dirty="0" smtClean="0">
+              <a:rPr lang="zh-TW" altLang="en-US" sz="4800" b="1" dirty="0">
                 <a:solidFill>
                   <a:srgbClr val="000066"/>
                 </a:solidFill>
@@ -3323,7 +3327,7 @@
               </a:rPr>
               <a:t>當讚美進入祂的院</a:t>
             </a:r>
-            <a:endParaRPr lang="en-US" altLang="zh-TW" sz="5400" b="1" dirty="0" smtClean="0">
+            <a:endParaRPr lang="en-US" altLang="zh-TW" sz="4800" b="1" dirty="0">
               <a:solidFill>
                 <a:srgbClr val="000066"/>
               </a:solidFill>
@@ -3336,7 +3340,7 @@
               <a:buNone/>
             </a:pPr>
             <a:r>
-              <a:rPr lang="zh-TW" altLang="en-US" sz="5400" b="1" dirty="0" smtClean="0">
+              <a:rPr lang="zh-TW" altLang="en-US" sz="4800" b="1" dirty="0">
                 <a:solidFill>
                   <a:srgbClr val="000066"/>
                 </a:solidFill>
@@ -3345,7 +3349,7 @@
               </a:rPr>
               <a:t>擊鼓跳舞揚聲歡呼</a:t>
             </a:r>
-            <a:endParaRPr lang="en-US" altLang="zh-TW" sz="5400" b="1" dirty="0" smtClean="0">
+            <a:endParaRPr lang="en-US" altLang="zh-TW" sz="4800" b="1" dirty="0">
               <a:solidFill>
                 <a:srgbClr val="000066"/>
               </a:solidFill>
@@ -3358,7 +3362,7 @@
               <a:buNone/>
             </a:pPr>
             <a:r>
-              <a:rPr lang="zh-TW" altLang="en-US" sz="5400" b="1" dirty="0" smtClean="0">
+              <a:rPr lang="zh-TW" altLang="en-US" sz="4800" b="1" dirty="0">
                 <a:solidFill>
                   <a:srgbClr val="000066"/>
                 </a:solidFill>
@@ -3367,7 +3371,7 @@
               </a:rPr>
               <a:t>凡有氣息都要讚美祂</a:t>
             </a:r>
-            <a:endParaRPr lang="zh-TW" altLang="en-US" sz="5400" b="1" dirty="0">
+            <a:endParaRPr lang="zh-TW" altLang="en-US" sz="4800" b="1" dirty="0">
               <a:solidFill>
                 <a:srgbClr val="000066"/>
               </a:solidFill>
@@ -3414,11 +3418,13 @@
         </p:nvSpPr>
         <p:spPr/>
         <p:txBody>
-          <a:bodyPr/>
-          <a:lstStyle/>
-          <a:p>
-            <a:r>
-              <a:rPr lang="zh-CN" altLang="en-US" b="1" dirty="0" smtClean="0">
+          <a:bodyPr>
+            <a:normAutofit/>
+          </a:bodyPr>
+          <a:lstStyle/>
+          <a:p>
+            <a:r>
+              <a:rPr lang="zh-CN" altLang="en-US" sz="4000" b="1" dirty="0">
                 <a:solidFill>
                   <a:srgbClr val="000066"/>
                 </a:solidFill>
@@ -3427,7 +3433,7 @@
               </a:rPr>
               <a:t>讓讚美飛揚</a:t>
             </a:r>
-            <a:endParaRPr lang="zh-TW" altLang="en-US" b="1" dirty="0">
+            <a:endParaRPr lang="zh-TW" altLang="en-US" sz="4000" b="1" dirty="0">
               <a:solidFill>
                 <a:srgbClr val="000066"/>
               </a:solidFill>
@@ -3458,7 +3464,7 @@
               <a:buNone/>
             </a:pPr>
             <a:r>
-              <a:rPr lang="zh-TW" altLang="en-US" sz="5400" b="1" dirty="0" smtClean="0">
+              <a:rPr lang="zh-TW" altLang="en-US" sz="4800" b="1" dirty="0">
                 <a:solidFill>
                   <a:srgbClr val="000066"/>
                 </a:solidFill>
@@ -3467,7 +3473,7 @@
               </a:rPr>
               <a:t>讓讚美從四處響起</a:t>
             </a:r>
-            <a:endParaRPr lang="en-US" altLang="zh-TW" sz="5400" b="1" dirty="0" smtClean="0">
+            <a:endParaRPr lang="en-US" altLang="zh-TW" sz="4800" b="1" dirty="0">
               <a:solidFill>
                 <a:srgbClr val="000066"/>
               </a:solidFill>
@@ -3480,7 +3486,7 @@
               <a:buNone/>
             </a:pPr>
             <a:r>
-              <a:rPr lang="zh-TW" altLang="en-US" sz="5400" b="1" dirty="0" smtClean="0">
+              <a:rPr lang="zh-TW" altLang="en-US" sz="4800" b="1" dirty="0">
                 <a:solidFill>
                   <a:srgbClr val="000066"/>
                 </a:solidFill>
@@ -3489,7 +3495,7 @@
               </a:rPr>
               <a:t>讓音符在空中飛舞</a:t>
             </a:r>
-            <a:endParaRPr lang="en-US" altLang="zh-TW" sz="5400" b="1" dirty="0" smtClean="0">
+            <a:endParaRPr lang="en-US" altLang="zh-TW" sz="4800" b="1" dirty="0">
               <a:solidFill>
                 <a:srgbClr val="000066"/>
               </a:solidFill>
@@ -3502,7 +3508,7 @@
               <a:buNone/>
             </a:pPr>
             <a:r>
-              <a:rPr lang="zh-TW" altLang="en-US" sz="5400" b="1" dirty="0" smtClean="0">
+              <a:rPr lang="zh-TW" altLang="en-US" sz="4800" b="1" dirty="0">
                 <a:solidFill>
                   <a:srgbClr val="000066"/>
                 </a:solidFill>
@@ -3511,7 +3517,7 @@
               </a:rPr>
               <a:t>讓我們的心向神敞開</a:t>
             </a:r>
-            <a:endParaRPr lang="en-US" altLang="zh-TW" sz="5400" b="1" dirty="0" smtClean="0">
+            <a:endParaRPr lang="en-US" altLang="zh-TW" sz="4800" b="1" dirty="0">
               <a:solidFill>
                 <a:srgbClr val="000066"/>
               </a:solidFill>

--- a/讓讚美飛揚(崇拜版).pptx
+++ b/讓讚美飛揚(崇拜版).pptx
@@ -5,9 +5,15 @@
     <p:sldMasterId id="2147483660" r:id="rId1"/>
   </p:sldMasterIdLst>
   <p:sldIdLst>
-    <p:sldId id="256" r:id="rId2"/>
-    <p:sldId id="259" r:id="rId3"/>
-    <p:sldId id="260" r:id="rId4"/>
+    <p:sldId id="261" r:id="rId2"/>
+    <p:sldId id="262" r:id="rId3"/>
+    <p:sldId id="263" r:id="rId4"/>
+    <p:sldId id="264" r:id="rId5"/>
+    <p:sldId id="265" r:id="rId6"/>
+    <p:sldId id="266" r:id="rId7"/>
+    <p:sldId id="267" r:id="rId8"/>
+    <p:sldId id="268" r:id="rId9"/>
+    <p:sldId id="269" r:id="rId10"/>
   </p:sldIdLst>
   <p:sldSz cx="9144000" cy="5143500" type="screen16x9"/>
   <p:notesSz cx="6858000" cy="9144000"/>
@@ -106,6 +112,22 @@
       </a:defRPr>
     </a:lvl9pPr>
   </p:defaultTextStyle>
+  <p:extLst>
+    <p:ext uri="{EFAFB233-063F-42B5-8137-9DF3F51BA10A}">
+      <p15:sldGuideLst xmlns:p15="http://schemas.microsoft.com/office/powerpoint/2012/main">
+        <p15:guide id="1" orient="horz" pos="1620">
+          <p15:clr>
+            <a:srgbClr val="A4A3A4"/>
+          </p15:clr>
+        </p15:guide>
+        <p15:guide id="2" pos="2880">
+          <p15:clr>
+            <a:srgbClr val="A4A3A4"/>
+          </p15:clr>
+        </p15:guide>
+      </p15:sldGuideLst>
+    </p:ext>
+  </p:extLst>
 </p:presentation>
 </file>
 
@@ -291,7 +313,7 @@
             <a:fld id="{43378F8F-BD94-40A7-8263-902CAD390152}" type="datetimeFigureOut">
               <a:rPr lang="zh-TW" altLang="en-US" smtClean="0"/>
               <a:pPr/>
-              <a:t>2019/10/12</a:t>
+              <a:t>2020/12/26</a:t>
             </a:fld>
             <a:endParaRPr lang="zh-TW" altLang="en-US"/>
           </a:p>
@@ -458,7 +480,7 @@
             <a:fld id="{43378F8F-BD94-40A7-8263-902CAD390152}" type="datetimeFigureOut">
               <a:rPr lang="zh-TW" altLang="en-US" smtClean="0"/>
               <a:pPr/>
-              <a:t>2019/10/12</a:t>
+              <a:t>2020/12/26</a:t>
             </a:fld>
             <a:endParaRPr lang="zh-TW" altLang="en-US"/>
           </a:p>
@@ -635,7 +657,7 @@
             <a:fld id="{43378F8F-BD94-40A7-8263-902CAD390152}" type="datetimeFigureOut">
               <a:rPr lang="zh-TW" altLang="en-US" smtClean="0"/>
               <a:pPr/>
-              <a:t>2019/10/12</a:t>
+              <a:t>2020/12/26</a:t>
             </a:fld>
             <a:endParaRPr lang="zh-TW" altLang="en-US"/>
           </a:p>
@@ -802,7 +824,7 @@
             <a:fld id="{43378F8F-BD94-40A7-8263-902CAD390152}" type="datetimeFigureOut">
               <a:rPr lang="zh-TW" altLang="en-US" smtClean="0"/>
               <a:pPr/>
-              <a:t>2019/10/12</a:t>
+              <a:t>2020/12/26</a:t>
             </a:fld>
             <a:endParaRPr lang="zh-TW" altLang="en-US"/>
           </a:p>
@@ -1045,7 +1067,7 @@
             <a:fld id="{43378F8F-BD94-40A7-8263-902CAD390152}" type="datetimeFigureOut">
               <a:rPr lang="zh-TW" altLang="en-US" smtClean="0"/>
               <a:pPr/>
-              <a:t>2019/10/12</a:t>
+              <a:t>2020/12/26</a:t>
             </a:fld>
             <a:endParaRPr lang="zh-TW" altLang="en-US"/>
           </a:p>
@@ -1330,7 +1352,7 @@
             <a:fld id="{43378F8F-BD94-40A7-8263-902CAD390152}" type="datetimeFigureOut">
               <a:rPr lang="zh-TW" altLang="en-US" smtClean="0"/>
               <a:pPr/>
-              <a:t>2019/10/12</a:t>
+              <a:t>2020/12/26</a:t>
             </a:fld>
             <a:endParaRPr lang="zh-TW" altLang="en-US"/>
           </a:p>
@@ -1749,7 +1771,7 @@
             <a:fld id="{43378F8F-BD94-40A7-8263-902CAD390152}" type="datetimeFigureOut">
               <a:rPr lang="zh-TW" altLang="en-US" smtClean="0"/>
               <a:pPr/>
-              <a:t>2019/10/12</a:t>
+              <a:t>2020/12/26</a:t>
             </a:fld>
             <a:endParaRPr lang="zh-TW" altLang="en-US"/>
           </a:p>
@@ -1864,7 +1886,7 @@
             <a:fld id="{43378F8F-BD94-40A7-8263-902CAD390152}" type="datetimeFigureOut">
               <a:rPr lang="zh-TW" altLang="en-US" smtClean="0"/>
               <a:pPr/>
-              <a:t>2019/10/12</a:t>
+              <a:t>2020/12/26</a:t>
             </a:fld>
             <a:endParaRPr lang="zh-TW" altLang="en-US"/>
           </a:p>
@@ -1956,7 +1978,7 @@
             <a:fld id="{43378F8F-BD94-40A7-8263-902CAD390152}" type="datetimeFigureOut">
               <a:rPr lang="zh-TW" altLang="en-US" smtClean="0"/>
               <a:pPr/>
-              <a:t>2019/10/12</a:t>
+              <a:t>2020/12/26</a:t>
             </a:fld>
             <a:endParaRPr lang="zh-TW" altLang="en-US"/>
           </a:p>
@@ -2230,7 +2252,7 @@
             <a:fld id="{43378F8F-BD94-40A7-8263-902CAD390152}" type="datetimeFigureOut">
               <a:rPr lang="zh-TW" altLang="en-US" smtClean="0"/>
               <a:pPr/>
-              <a:t>2019/10/12</a:t>
+              <a:t>2020/12/26</a:t>
             </a:fld>
             <a:endParaRPr lang="zh-TW" altLang="en-US"/>
           </a:p>
@@ -2484,7 +2506,7 @@
             <a:fld id="{43378F8F-BD94-40A7-8263-902CAD390152}" type="datetimeFigureOut">
               <a:rPr lang="zh-TW" altLang="en-US" smtClean="0"/>
               <a:pPr/>
-              <a:t>2019/10/12</a:t>
+              <a:t>2020/12/26</a:t>
             </a:fld>
             <a:endParaRPr lang="zh-TW" altLang="en-US"/>
           </a:p>
@@ -2699,7 +2721,7 @@
             <a:fld id="{43378F8F-BD94-40A7-8263-902CAD390152}" type="datetimeFigureOut">
               <a:rPr lang="zh-TW" altLang="en-US" smtClean="0"/>
               <a:pPr/>
-              <a:t>2019/10/12</a:t>
+              <a:t>2020/12/26</a:t>
             </a:fld>
             <a:endParaRPr lang="zh-TW" altLang="en-US"/>
           </a:p>
@@ -3080,140 +3102,75 @@
             <p:ph type="title"/>
           </p:nvPr>
         </p:nvSpPr>
-        <p:spPr/>
+        <p:spPr>
+          <a:xfrm>
+            <a:off x="0" y="2143135"/>
+            <a:ext cx="9144000" cy="857250"/>
+          </a:xfrm>
+        </p:spPr>
         <p:txBody>
           <a:bodyPr>
-            <a:normAutofit/>
+            <a:noAutofit/>
           </a:bodyPr>
           <a:lstStyle/>
           <a:p>
             <a:r>
-              <a:rPr lang="zh-CN" altLang="en-US" sz="4000" b="1" dirty="0" smtClean="0">
+              <a:rPr lang="zh-CN" altLang="en-US" sz="5400" b="1" i="1" dirty="0" smtClean="0">
                 <a:solidFill>
                   <a:srgbClr val="000066"/>
                 </a:solidFill>
+                <a:effectLst>
+                  <a:outerShdw blurRad="38100" dist="38100" dir="2700000" algn="tl">
+                    <a:srgbClr val="000000">
+                      <a:alpha val="43137"/>
+                    </a:srgbClr>
+                  </a:outerShdw>
+                </a:effectLst>
                 <a:latin typeface="微軟正黑體" pitchFamily="34" charset="-120"/>
                 <a:ea typeface="微軟正黑體" pitchFamily="34" charset="-120"/>
               </a:rPr>
-              <a:t>讓讚美飛揚</a:t>
-            </a:r>
-            <a:endParaRPr lang="zh-TW" altLang="en-US" sz="4000" b="1" dirty="0">
+              <a:t>讓</a:t>
+            </a:r>
+            <a:r>
+              <a:rPr lang="zh-CN" altLang="en-US" sz="5400" b="1" i="1" dirty="0">
+                <a:solidFill>
+                  <a:srgbClr val="000066"/>
+                </a:solidFill>
+                <a:effectLst>
+                  <a:outerShdw blurRad="38100" dist="38100" dir="2700000" algn="tl">
+                    <a:srgbClr val="000000">
+                      <a:alpha val="43137"/>
+                    </a:srgbClr>
+                  </a:outerShdw>
+                </a:effectLst>
+                <a:latin typeface="微軟正黑體" pitchFamily="34" charset="-120"/>
+                <a:ea typeface="微軟正黑體" pitchFamily="34" charset="-120"/>
+              </a:rPr>
+              <a:t>讚美飛揚</a:t>
+            </a:r>
+            <a:endParaRPr lang="zh-TW" altLang="en-US" sz="5400" b="1" i="1" dirty="0">
               <a:solidFill>
                 <a:srgbClr val="000066"/>
               </a:solidFill>
+              <a:effectLst>
+                <a:outerShdw blurRad="38100" dist="38100" dir="2700000" algn="tl">
+                  <a:srgbClr val="000000">
+                    <a:alpha val="43137"/>
+                  </a:srgbClr>
+                </a:outerShdw>
+              </a:effectLst>
               <a:latin typeface="微軟正黑體" pitchFamily="34" charset="-120"/>
               <a:ea typeface="微軟正黑體" pitchFamily="34" charset="-120"/>
             </a:endParaRPr>
           </a:p>
         </p:txBody>
       </p:sp>
-      <p:sp>
-        <p:nvSpPr>
-          <p:cNvPr id="5" name="內容版面配置區 4"/>
-          <p:cNvSpPr>
-            <a:spLocks noGrp="1"/>
-          </p:cNvSpPr>
-          <p:nvPr>
-            <p:ph idx="1"/>
-          </p:nvPr>
-        </p:nvSpPr>
-        <p:spPr/>
-        <p:txBody>
-          <a:bodyPr>
-            <a:noAutofit/>
-          </a:bodyPr>
-          <a:lstStyle/>
-          <a:p>
-            <a:pPr algn="ctr">
-              <a:buNone/>
-            </a:pPr>
-            <a:r>
-              <a:rPr lang="zh-TW" altLang="en-US" sz="4800" b="1" dirty="0" smtClean="0">
-                <a:solidFill>
-                  <a:srgbClr val="000066"/>
-                </a:solidFill>
-                <a:latin typeface="微軟正黑體" pitchFamily="34" charset="-120"/>
-                <a:ea typeface="微軟正黑體" pitchFamily="34" charset="-120"/>
-              </a:rPr>
-              <a:t>在這美麗的時刻</a:t>
-            </a:r>
-            <a:endParaRPr lang="en-US" altLang="zh-TW" sz="4800" b="1" dirty="0" smtClean="0">
-              <a:solidFill>
-                <a:srgbClr val="000066"/>
-              </a:solidFill>
-              <a:latin typeface="微軟正黑體" pitchFamily="34" charset="-120"/>
-              <a:ea typeface="微軟正黑體" pitchFamily="34" charset="-120"/>
-            </a:endParaRPr>
-          </a:p>
-          <a:p>
-            <a:pPr algn="ctr">
-              <a:buNone/>
-            </a:pPr>
-            <a:r>
-              <a:rPr lang="zh-TW" altLang="en-US" sz="4800" b="1" dirty="0" smtClean="0">
-                <a:solidFill>
-                  <a:srgbClr val="000066"/>
-                </a:solidFill>
-                <a:latin typeface="微軟正黑體" pitchFamily="34" charset="-120"/>
-                <a:ea typeface="微軟正黑體" pitchFamily="34" charset="-120"/>
-              </a:rPr>
-              <a:t>我們相聚在一起</a:t>
-            </a:r>
-            <a:endParaRPr lang="en-US" altLang="zh-TW" sz="4800" b="1" dirty="0" smtClean="0">
-              <a:solidFill>
-                <a:srgbClr val="000066"/>
-              </a:solidFill>
-              <a:latin typeface="微軟正黑體" pitchFamily="34" charset="-120"/>
-              <a:ea typeface="微軟正黑體" pitchFamily="34" charset="-120"/>
-            </a:endParaRPr>
-          </a:p>
-          <a:p>
-            <a:pPr algn="ctr">
-              <a:buNone/>
-            </a:pPr>
-            <a:r>
-              <a:rPr lang="zh-TW" altLang="en-US" sz="4800" b="1" dirty="0" smtClean="0">
-                <a:solidFill>
-                  <a:srgbClr val="000066"/>
-                </a:solidFill>
-                <a:latin typeface="微軟正黑體" pitchFamily="34" charset="-120"/>
-                <a:ea typeface="微軟正黑體" pitchFamily="34" charset="-120"/>
-              </a:rPr>
-              <a:t>神的愛擁抱著我們</a:t>
-            </a:r>
-            <a:endParaRPr lang="en-US" altLang="zh-TW" sz="4800" b="1" dirty="0" smtClean="0">
-              <a:solidFill>
-                <a:srgbClr val="000066"/>
-              </a:solidFill>
-              <a:latin typeface="微軟正黑體" pitchFamily="34" charset="-120"/>
-              <a:ea typeface="微軟正黑體" pitchFamily="34" charset="-120"/>
-            </a:endParaRPr>
-          </a:p>
-          <a:p>
-            <a:pPr algn="ctr">
-              <a:buNone/>
-            </a:pPr>
-            <a:r>
-              <a:rPr lang="zh-TW" altLang="en-US" sz="4800" b="1" dirty="0" smtClean="0">
-                <a:solidFill>
-                  <a:srgbClr val="000066"/>
-                </a:solidFill>
-                <a:latin typeface="微軟正黑體" pitchFamily="34" charset="-120"/>
-                <a:ea typeface="微軟正黑體" pitchFamily="34" charset="-120"/>
-              </a:rPr>
-              <a:t>神的靈充滿這地</a:t>
-            </a:r>
-            <a:endParaRPr lang="zh-TW" altLang="en-US" sz="4800" b="1" dirty="0">
-              <a:solidFill>
-                <a:srgbClr val="000066"/>
-              </a:solidFill>
-              <a:latin typeface="微軟正黑體" pitchFamily="34" charset="-120"/>
-              <a:ea typeface="微軟正黑體" pitchFamily="34" charset="-120"/>
-            </a:endParaRPr>
-          </a:p>
-        </p:txBody>
-      </p:sp>
     </p:spTree>
+    <p:extLst>
+      <p:ext uri="{BB962C8B-B14F-4D97-AF65-F5344CB8AC3E}">
+        <p14:creationId xmlns:p14="http://schemas.microsoft.com/office/powerpoint/2010/main" val="920810360"/>
+      </p:ext>
+    </p:extLst>
   </p:cSld>
   <p:clrMapOvr>
     <a:masterClrMapping/>
@@ -3240,55 +3197,23 @@
       </p:grpSpPr>
       <p:sp>
         <p:nvSpPr>
-          <p:cNvPr id="4" name="標題 3"/>
-          <p:cNvSpPr>
-            <a:spLocks noGrp="1"/>
-          </p:cNvSpPr>
-          <p:nvPr>
-            <p:ph type="title"/>
-          </p:nvPr>
-        </p:nvSpPr>
-        <p:spPr/>
-        <p:txBody>
-          <a:bodyPr>
+          <p:cNvPr id="5" name="內容版面配置區 4"/>
+          <p:cNvSpPr>
+            <a:spLocks noGrp="1"/>
+          </p:cNvSpPr>
+          <p:nvPr>
+            <p:ph idx="1"/>
+          </p:nvPr>
+        </p:nvSpPr>
+        <p:spPr>
+          <a:xfrm>
+            <a:off x="0" y="1563638"/>
+            <a:ext cx="9144000" cy="1803647"/>
+          </a:xfrm>
+        </p:spPr>
+        <p:txBody>
+          <a:bodyPr anchor="ctr">
             <a:normAutofit/>
-          </a:bodyPr>
-          <a:lstStyle/>
-          <a:p>
-            <a:r>
-              <a:rPr lang="zh-CN" altLang="en-US" sz="4000" b="1" dirty="0">
-                <a:solidFill>
-                  <a:srgbClr val="000066"/>
-                </a:solidFill>
-                <a:latin typeface="微軟正黑體" pitchFamily="34" charset="-120"/>
-                <a:ea typeface="微軟正黑體" pitchFamily="34" charset="-120"/>
-              </a:rPr>
-              <a:t>讓讚美飛揚</a:t>
-            </a:r>
-            <a:endParaRPr lang="zh-TW" altLang="en-US" sz="4000" b="1" dirty="0">
-              <a:solidFill>
-                <a:srgbClr val="000066"/>
-              </a:solidFill>
-              <a:latin typeface="微軟正黑體" pitchFamily="34" charset="-120"/>
-              <a:ea typeface="微軟正黑體" pitchFamily="34" charset="-120"/>
-            </a:endParaRPr>
-          </a:p>
-        </p:txBody>
-      </p:sp>
-      <p:sp>
-        <p:nvSpPr>
-          <p:cNvPr id="5" name="內容版面配置區 4"/>
-          <p:cNvSpPr>
-            <a:spLocks noGrp="1"/>
-          </p:cNvSpPr>
-          <p:nvPr>
-            <p:ph idx="1"/>
-          </p:nvPr>
-        </p:nvSpPr>
-        <p:spPr/>
-        <p:txBody>
-          <a:bodyPr>
-            <a:noAutofit/>
           </a:bodyPr>
           <a:lstStyle/>
           <a:p>
@@ -3303,7 +3228,7 @@
                 <a:latin typeface="微軟正黑體" pitchFamily="34" charset="-120"/>
                 <a:ea typeface="微軟正黑體" pitchFamily="34" charset="-120"/>
               </a:rPr>
-              <a:t>當稱謝進入祂的門</a:t>
+              <a:t>在這美麗的時刻</a:t>
             </a:r>
             <a:endParaRPr lang="en-US" altLang="zh-TW" sz="4800" b="1" dirty="0">
               <a:solidFill>
@@ -3325,7 +3250,7 @@
                 <a:latin typeface="微軟正黑體" pitchFamily="34" charset="-120"/>
                 <a:ea typeface="微軟正黑體" pitchFamily="34" charset="-120"/>
               </a:rPr>
-              <a:t>當讚美進入祂的院</a:t>
+              <a:t>我們相聚在一起</a:t>
             </a:r>
             <a:endParaRPr lang="en-US" altLang="zh-TW" sz="4800" b="1" dirty="0">
               <a:solidFill>
@@ -3335,53 +3260,14 @@
               <a:ea typeface="微軟正黑體" pitchFamily="34" charset="-120"/>
             </a:endParaRPr>
           </a:p>
-          <a:p>
-            <a:pPr algn="ctr">
-              <a:buNone/>
-            </a:pPr>
-            <a:r>
-              <a:rPr lang="zh-TW" altLang="en-US" sz="4800" b="1" dirty="0">
-                <a:solidFill>
-                  <a:srgbClr val="000066"/>
-                </a:solidFill>
-                <a:latin typeface="微軟正黑體" pitchFamily="34" charset="-120"/>
-                <a:ea typeface="微軟正黑體" pitchFamily="34" charset="-120"/>
-              </a:rPr>
-              <a:t>擊鼓跳舞揚聲歡呼</a:t>
-            </a:r>
-            <a:endParaRPr lang="en-US" altLang="zh-TW" sz="4800" b="1" dirty="0">
-              <a:solidFill>
-                <a:srgbClr val="000066"/>
-              </a:solidFill>
-              <a:latin typeface="微軟正黑體" pitchFamily="34" charset="-120"/>
-              <a:ea typeface="微軟正黑體" pitchFamily="34" charset="-120"/>
-            </a:endParaRPr>
-          </a:p>
-          <a:p>
-            <a:pPr algn="ctr">
-              <a:buNone/>
-            </a:pPr>
-            <a:r>
-              <a:rPr lang="zh-TW" altLang="en-US" sz="4800" b="1" dirty="0">
-                <a:solidFill>
-                  <a:srgbClr val="000066"/>
-                </a:solidFill>
-                <a:latin typeface="微軟正黑體" pitchFamily="34" charset="-120"/>
-                <a:ea typeface="微軟正黑體" pitchFamily="34" charset="-120"/>
-              </a:rPr>
-              <a:t>凡有氣息都要讚美祂</a:t>
-            </a:r>
-            <a:endParaRPr lang="zh-TW" altLang="en-US" sz="4800" b="1" dirty="0">
-              <a:solidFill>
-                <a:srgbClr val="000066"/>
-              </a:solidFill>
-              <a:latin typeface="微軟正黑體" pitchFamily="34" charset="-120"/>
-              <a:ea typeface="微軟正黑體" pitchFamily="34" charset="-120"/>
-            </a:endParaRPr>
-          </a:p>
         </p:txBody>
       </p:sp>
     </p:spTree>
+    <p:extLst>
+      <p:ext uri="{BB962C8B-B14F-4D97-AF65-F5344CB8AC3E}">
+        <p14:creationId xmlns:p14="http://schemas.microsoft.com/office/powerpoint/2010/main" val="2438516563"/>
+      </p:ext>
+    </p:extLst>
   </p:cSld>
   <p:clrMapOvr>
     <a:masterClrMapping/>
@@ -3408,32 +3294,40 @@
       </p:grpSpPr>
       <p:sp>
         <p:nvSpPr>
-          <p:cNvPr id="4" name="標題 3"/>
-          <p:cNvSpPr>
-            <a:spLocks noGrp="1"/>
-          </p:cNvSpPr>
-          <p:nvPr>
-            <p:ph type="title"/>
-          </p:nvPr>
-        </p:nvSpPr>
-        <p:spPr/>
-        <p:txBody>
-          <a:bodyPr>
+          <p:cNvPr id="5" name="內容版面配置區 4"/>
+          <p:cNvSpPr>
+            <a:spLocks noGrp="1"/>
+          </p:cNvSpPr>
+          <p:nvPr>
+            <p:ph idx="1"/>
+          </p:nvPr>
+        </p:nvSpPr>
+        <p:spPr>
+          <a:xfrm>
+            <a:off x="0" y="1563638"/>
+            <a:ext cx="9144000" cy="1803647"/>
+          </a:xfrm>
+        </p:spPr>
+        <p:txBody>
+          <a:bodyPr anchor="ctr">
             <a:normAutofit/>
           </a:bodyPr>
           <a:lstStyle/>
           <a:p>
-            <a:r>
-              <a:rPr lang="zh-CN" altLang="en-US" sz="4000" b="1" dirty="0">
+            <a:pPr algn="ctr">
+              <a:buNone/>
+            </a:pPr>
+            <a:r>
+              <a:rPr lang="zh-TW" altLang="en-US" sz="4800" b="1" dirty="0">
                 <a:solidFill>
                   <a:srgbClr val="000066"/>
                 </a:solidFill>
                 <a:latin typeface="微軟正黑體" pitchFamily="34" charset="-120"/>
                 <a:ea typeface="微軟正黑體" pitchFamily="34" charset="-120"/>
               </a:rPr>
-              <a:t>讓讚美飛揚</a:t>
-            </a:r>
-            <a:endParaRPr lang="zh-TW" altLang="en-US" sz="4000" b="1" dirty="0">
+              <a:t>神的愛擁抱著我們</a:t>
+            </a:r>
+            <a:endParaRPr lang="en-US" altLang="zh-TW" sz="4800" b="1" dirty="0">
               <a:solidFill>
                 <a:srgbClr val="000066"/>
               </a:solidFill>
@@ -3441,8 +3335,60 @@
               <a:ea typeface="微軟正黑體" pitchFamily="34" charset="-120"/>
             </a:endParaRPr>
           </a:p>
-        </p:txBody>
-      </p:sp>
+          <a:p>
+            <a:pPr algn="ctr">
+              <a:buNone/>
+            </a:pPr>
+            <a:r>
+              <a:rPr lang="zh-TW" altLang="en-US" sz="4800" b="1" dirty="0">
+                <a:solidFill>
+                  <a:srgbClr val="000066"/>
+                </a:solidFill>
+                <a:latin typeface="微軟正黑體" pitchFamily="34" charset="-120"/>
+                <a:ea typeface="微軟正黑體" pitchFamily="34" charset="-120"/>
+              </a:rPr>
+              <a:t>神的靈充滿這地</a:t>
+            </a:r>
+            <a:endParaRPr lang="zh-TW" altLang="en-US" sz="4800" b="1" dirty="0">
+              <a:solidFill>
+                <a:srgbClr val="000066"/>
+              </a:solidFill>
+              <a:latin typeface="微軟正黑體" pitchFamily="34" charset="-120"/>
+              <a:ea typeface="微軟正黑體" pitchFamily="34" charset="-120"/>
+            </a:endParaRPr>
+          </a:p>
+        </p:txBody>
+      </p:sp>
+    </p:spTree>
+    <p:extLst>
+      <p:ext uri="{BB962C8B-B14F-4D97-AF65-F5344CB8AC3E}">
+        <p14:creationId xmlns:p14="http://schemas.microsoft.com/office/powerpoint/2010/main" val="2837122969"/>
+      </p:ext>
+    </p:extLst>
+  </p:cSld>
+  <p:clrMapOvr>
+    <a:masterClrMapping/>
+  </p:clrMapOvr>
+</p:sld>
+</file>
+
+<file path=ppt/slides/slide4.xml><?xml version="1.0" encoding="utf-8"?>
+<p:sld xmlns:a="http://schemas.openxmlformats.org/drawingml/2006/main" xmlns:r="http://schemas.openxmlformats.org/officeDocument/2006/relationships" xmlns:p="http://schemas.openxmlformats.org/presentationml/2006/main">
+  <p:cSld>
+    <p:spTree>
+      <p:nvGrpSpPr>
+        <p:cNvPr id="1" name=""/>
+        <p:cNvGrpSpPr/>
+        <p:nvPr/>
+      </p:nvGrpSpPr>
+      <p:grpSpPr>
+        <a:xfrm>
+          <a:off x="0" y="0"/>
+          <a:ext cx="0" cy="0"/>
+          <a:chOff x="0" y="0"/>
+          <a:chExt cx="0" cy="0"/>
+        </a:xfrm>
+      </p:grpSpPr>
       <p:sp>
         <p:nvSpPr>
           <p:cNvPr id="5" name="內容版面配置區 4"/>
@@ -3453,9 +3399,208 @@
             <p:ph idx="1"/>
           </p:nvPr>
         </p:nvSpPr>
-        <p:spPr/>
-        <p:txBody>
-          <a:bodyPr>
+        <p:spPr>
+          <a:xfrm>
+            <a:off x="0" y="1563638"/>
+            <a:ext cx="9144000" cy="1803647"/>
+          </a:xfrm>
+        </p:spPr>
+        <p:txBody>
+          <a:bodyPr anchor="ctr">
+            <a:normAutofit/>
+          </a:bodyPr>
+          <a:lstStyle/>
+          <a:p>
+            <a:pPr algn="ctr">
+              <a:buNone/>
+            </a:pPr>
+            <a:r>
+              <a:rPr lang="zh-TW" altLang="en-US" sz="4800" b="1" dirty="0">
+                <a:solidFill>
+                  <a:srgbClr val="000066"/>
+                </a:solidFill>
+                <a:latin typeface="微軟正黑體" pitchFamily="34" charset="-120"/>
+                <a:ea typeface="微軟正黑體" pitchFamily="34" charset="-120"/>
+              </a:rPr>
+              <a:t>當稱謝進入祂的門</a:t>
+            </a:r>
+            <a:endParaRPr lang="en-US" altLang="zh-TW" sz="4800" b="1" dirty="0">
+              <a:solidFill>
+                <a:srgbClr val="000066"/>
+              </a:solidFill>
+              <a:latin typeface="微軟正黑體" pitchFamily="34" charset="-120"/>
+              <a:ea typeface="微軟正黑體" pitchFamily="34" charset="-120"/>
+            </a:endParaRPr>
+          </a:p>
+          <a:p>
+            <a:pPr algn="ctr">
+              <a:buNone/>
+            </a:pPr>
+            <a:r>
+              <a:rPr lang="zh-TW" altLang="en-US" sz="4800" b="1" dirty="0">
+                <a:solidFill>
+                  <a:srgbClr val="000066"/>
+                </a:solidFill>
+                <a:latin typeface="微軟正黑體" pitchFamily="34" charset="-120"/>
+                <a:ea typeface="微軟正黑體" pitchFamily="34" charset="-120"/>
+              </a:rPr>
+              <a:t>當讚美進入祂的院</a:t>
+            </a:r>
+            <a:endParaRPr lang="en-US" altLang="zh-TW" sz="4800" b="1" dirty="0">
+              <a:solidFill>
+                <a:srgbClr val="000066"/>
+              </a:solidFill>
+              <a:latin typeface="微軟正黑體" pitchFamily="34" charset="-120"/>
+              <a:ea typeface="微軟正黑體" pitchFamily="34" charset="-120"/>
+            </a:endParaRPr>
+          </a:p>
+        </p:txBody>
+      </p:sp>
+    </p:spTree>
+    <p:extLst>
+      <p:ext uri="{BB962C8B-B14F-4D97-AF65-F5344CB8AC3E}">
+        <p14:creationId xmlns:p14="http://schemas.microsoft.com/office/powerpoint/2010/main" val="728952996"/>
+      </p:ext>
+    </p:extLst>
+  </p:cSld>
+  <p:clrMapOvr>
+    <a:masterClrMapping/>
+  </p:clrMapOvr>
+</p:sld>
+</file>
+
+<file path=ppt/slides/slide5.xml><?xml version="1.0" encoding="utf-8"?>
+<p:sld xmlns:a="http://schemas.openxmlformats.org/drawingml/2006/main" xmlns:r="http://schemas.openxmlformats.org/officeDocument/2006/relationships" xmlns:p="http://schemas.openxmlformats.org/presentationml/2006/main">
+  <p:cSld>
+    <p:spTree>
+      <p:nvGrpSpPr>
+        <p:cNvPr id="1" name=""/>
+        <p:cNvGrpSpPr/>
+        <p:nvPr/>
+      </p:nvGrpSpPr>
+      <p:grpSpPr>
+        <a:xfrm>
+          <a:off x="0" y="0"/>
+          <a:ext cx="0" cy="0"/>
+          <a:chOff x="0" y="0"/>
+          <a:chExt cx="0" cy="0"/>
+        </a:xfrm>
+      </p:grpSpPr>
+      <p:sp>
+        <p:nvSpPr>
+          <p:cNvPr id="5" name="內容版面配置區 4"/>
+          <p:cNvSpPr>
+            <a:spLocks noGrp="1"/>
+          </p:cNvSpPr>
+          <p:nvPr>
+            <p:ph idx="1"/>
+          </p:nvPr>
+        </p:nvSpPr>
+        <p:spPr>
+          <a:xfrm>
+            <a:off x="0" y="1563638"/>
+            <a:ext cx="9144000" cy="1803647"/>
+          </a:xfrm>
+        </p:spPr>
+        <p:txBody>
+          <a:bodyPr anchor="ctr">
+            <a:normAutofit/>
+          </a:bodyPr>
+          <a:lstStyle/>
+          <a:p>
+            <a:pPr algn="ctr">
+              <a:buNone/>
+            </a:pPr>
+            <a:r>
+              <a:rPr lang="zh-TW" altLang="en-US" sz="4800" b="1" dirty="0">
+                <a:solidFill>
+                  <a:srgbClr val="000066"/>
+                </a:solidFill>
+                <a:latin typeface="微軟正黑體" pitchFamily="34" charset="-120"/>
+                <a:ea typeface="微軟正黑體" pitchFamily="34" charset="-120"/>
+              </a:rPr>
+              <a:t>擊鼓跳舞揚聲歡呼</a:t>
+            </a:r>
+            <a:endParaRPr lang="en-US" altLang="zh-TW" sz="4800" b="1" dirty="0">
+              <a:solidFill>
+                <a:srgbClr val="000066"/>
+              </a:solidFill>
+              <a:latin typeface="微軟正黑體" pitchFamily="34" charset="-120"/>
+              <a:ea typeface="微軟正黑體" pitchFamily="34" charset="-120"/>
+            </a:endParaRPr>
+          </a:p>
+          <a:p>
+            <a:pPr algn="ctr">
+              <a:buNone/>
+            </a:pPr>
+            <a:r>
+              <a:rPr lang="zh-TW" altLang="en-US" sz="4800" b="1" dirty="0">
+                <a:solidFill>
+                  <a:srgbClr val="000066"/>
+                </a:solidFill>
+                <a:latin typeface="微軟正黑體" pitchFamily="34" charset="-120"/>
+                <a:ea typeface="微軟正黑體" pitchFamily="34" charset="-120"/>
+              </a:rPr>
+              <a:t>凡有氣息都要讚美祂</a:t>
+            </a:r>
+            <a:endParaRPr lang="zh-TW" altLang="en-US" sz="4800" b="1" dirty="0">
+              <a:solidFill>
+                <a:srgbClr val="000066"/>
+              </a:solidFill>
+              <a:latin typeface="微軟正黑體" pitchFamily="34" charset="-120"/>
+              <a:ea typeface="微軟正黑體" pitchFamily="34" charset="-120"/>
+            </a:endParaRPr>
+          </a:p>
+        </p:txBody>
+      </p:sp>
+    </p:spTree>
+    <p:extLst>
+      <p:ext uri="{BB962C8B-B14F-4D97-AF65-F5344CB8AC3E}">
+        <p14:creationId xmlns:p14="http://schemas.microsoft.com/office/powerpoint/2010/main" val="783601854"/>
+      </p:ext>
+    </p:extLst>
+  </p:cSld>
+  <p:clrMapOvr>
+    <a:masterClrMapping/>
+  </p:clrMapOvr>
+</p:sld>
+</file>
+
+<file path=ppt/slides/slide6.xml><?xml version="1.0" encoding="utf-8"?>
+<p:sld xmlns:a="http://schemas.openxmlformats.org/drawingml/2006/main" xmlns:r="http://schemas.openxmlformats.org/officeDocument/2006/relationships" xmlns:p="http://schemas.openxmlformats.org/presentationml/2006/main">
+  <p:cSld>
+    <p:spTree>
+      <p:nvGrpSpPr>
+        <p:cNvPr id="1" name=""/>
+        <p:cNvGrpSpPr/>
+        <p:nvPr/>
+      </p:nvGrpSpPr>
+      <p:grpSpPr>
+        <a:xfrm>
+          <a:off x="0" y="0"/>
+          <a:ext cx="0" cy="0"/>
+          <a:chOff x="0" y="0"/>
+          <a:chExt cx="0" cy="0"/>
+        </a:xfrm>
+      </p:grpSpPr>
+      <p:sp>
+        <p:nvSpPr>
+          <p:cNvPr id="5" name="內容版面配置區 4"/>
+          <p:cNvSpPr>
+            <a:spLocks noGrp="1"/>
+          </p:cNvSpPr>
+          <p:nvPr>
+            <p:ph idx="1"/>
+          </p:nvPr>
+        </p:nvSpPr>
+        <p:spPr>
+          <a:xfrm>
+            <a:off x="0" y="1563638"/>
+            <a:ext cx="9144000" cy="1803647"/>
+          </a:xfrm>
+        </p:spPr>
+        <p:txBody>
+          <a:bodyPr anchor="ctr">
             <a:normAutofit/>
           </a:bodyPr>
           <a:lstStyle/>
@@ -3503,6 +3648,59 @@
               <a:ea typeface="微軟正黑體" pitchFamily="34" charset="-120"/>
             </a:endParaRPr>
           </a:p>
+        </p:txBody>
+      </p:sp>
+    </p:spTree>
+    <p:extLst>
+      <p:ext uri="{BB962C8B-B14F-4D97-AF65-F5344CB8AC3E}">
+        <p14:creationId xmlns:p14="http://schemas.microsoft.com/office/powerpoint/2010/main" val="1386078957"/>
+      </p:ext>
+    </p:extLst>
+  </p:cSld>
+  <p:clrMapOvr>
+    <a:masterClrMapping/>
+  </p:clrMapOvr>
+</p:sld>
+</file>
+
+<file path=ppt/slides/slide7.xml><?xml version="1.0" encoding="utf-8"?>
+<p:sld xmlns:a="http://schemas.openxmlformats.org/drawingml/2006/main" xmlns:r="http://schemas.openxmlformats.org/officeDocument/2006/relationships" xmlns:p="http://schemas.openxmlformats.org/presentationml/2006/main">
+  <p:cSld>
+    <p:spTree>
+      <p:nvGrpSpPr>
+        <p:cNvPr id="1" name=""/>
+        <p:cNvGrpSpPr/>
+        <p:nvPr/>
+      </p:nvGrpSpPr>
+      <p:grpSpPr>
+        <a:xfrm>
+          <a:off x="0" y="0"/>
+          <a:ext cx="0" cy="0"/>
+          <a:chOff x="0" y="0"/>
+          <a:chExt cx="0" cy="0"/>
+        </a:xfrm>
+      </p:grpSpPr>
+      <p:sp>
+        <p:nvSpPr>
+          <p:cNvPr id="5" name="內容版面配置區 4"/>
+          <p:cNvSpPr>
+            <a:spLocks noGrp="1"/>
+          </p:cNvSpPr>
+          <p:nvPr>
+            <p:ph idx="1"/>
+          </p:nvPr>
+        </p:nvSpPr>
+        <p:spPr>
+          <a:xfrm>
+            <a:off x="0" y="1563638"/>
+            <a:ext cx="9144000" cy="1803647"/>
+          </a:xfrm>
+        </p:spPr>
+        <p:txBody>
+          <a:bodyPr anchor="ctr">
+            <a:normAutofit/>
+          </a:bodyPr>
+          <a:lstStyle/>
           <a:p>
             <a:pPr algn="ctr">
               <a:buNone/>
@@ -3528,6 +3726,183 @@
         </p:txBody>
       </p:sp>
     </p:spTree>
+    <p:extLst>
+      <p:ext uri="{BB962C8B-B14F-4D97-AF65-F5344CB8AC3E}">
+        <p14:creationId xmlns:p14="http://schemas.microsoft.com/office/powerpoint/2010/main" val="1101409115"/>
+      </p:ext>
+    </p:extLst>
+  </p:cSld>
+  <p:clrMapOvr>
+    <a:masterClrMapping/>
+  </p:clrMapOvr>
+</p:sld>
+</file>
+
+<file path=ppt/slides/slide8.xml><?xml version="1.0" encoding="utf-8"?>
+<p:sld xmlns:a="http://schemas.openxmlformats.org/drawingml/2006/main" xmlns:r="http://schemas.openxmlformats.org/officeDocument/2006/relationships" xmlns:p="http://schemas.openxmlformats.org/presentationml/2006/main">
+  <p:cSld>
+    <p:spTree>
+      <p:nvGrpSpPr>
+        <p:cNvPr id="1" name=""/>
+        <p:cNvGrpSpPr/>
+        <p:nvPr/>
+      </p:nvGrpSpPr>
+      <p:grpSpPr>
+        <a:xfrm>
+          <a:off x="0" y="0"/>
+          <a:ext cx="0" cy="0"/>
+          <a:chOff x="0" y="0"/>
+          <a:chExt cx="0" cy="0"/>
+        </a:xfrm>
+      </p:grpSpPr>
+      <p:sp>
+        <p:nvSpPr>
+          <p:cNvPr id="5" name="內容版面配置區 4"/>
+          <p:cNvSpPr>
+            <a:spLocks noGrp="1"/>
+          </p:cNvSpPr>
+          <p:nvPr>
+            <p:ph idx="1"/>
+          </p:nvPr>
+        </p:nvSpPr>
+        <p:spPr>
+          <a:xfrm>
+            <a:off x="0" y="1563638"/>
+            <a:ext cx="9144000" cy="1803647"/>
+          </a:xfrm>
+        </p:spPr>
+        <p:txBody>
+          <a:bodyPr anchor="ctr">
+            <a:normAutofit/>
+          </a:bodyPr>
+          <a:lstStyle/>
+          <a:p>
+            <a:pPr algn="ctr">
+              <a:buNone/>
+            </a:pPr>
+            <a:r>
+              <a:rPr lang="zh-TW" altLang="en-US" sz="4800" b="1" dirty="0">
+                <a:solidFill>
+                  <a:srgbClr val="000066"/>
+                </a:solidFill>
+                <a:latin typeface="微軟正黑體" pitchFamily="34" charset="-120"/>
+                <a:ea typeface="微軟正黑體" pitchFamily="34" charset="-120"/>
+              </a:rPr>
+              <a:t>讓讚美從四處響起</a:t>
+            </a:r>
+            <a:endParaRPr lang="en-US" altLang="zh-TW" sz="4800" b="1" dirty="0">
+              <a:solidFill>
+                <a:srgbClr val="000066"/>
+              </a:solidFill>
+              <a:latin typeface="微軟正黑體" pitchFamily="34" charset="-120"/>
+              <a:ea typeface="微軟正黑體" pitchFamily="34" charset="-120"/>
+            </a:endParaRPr>
+          </a:p>
+          <a:p>
+            <a:pPr algn="ctr">
+              <a:buNone/>
+            </a:pPr>
+            <a:r>
+              <a:rPr lang="zh-TW" altLang="en-US" sz="4800" b="1" dirty="0">
+                <a:solidFill>
+                  <a:srgbClr val="000066"/>
+                </a:solidFill>
+                <a:latin typeface="微軟正黑體" pitchFamily="34" charset="-120"/>
+                <a:ea typeface="微軟正黑體" pitchFamily="34" charset="-120"/>
+              </a:rPr>
+              <a:t>讓音符在空中飛舞</a:t>
+            </a:r>
+            <a:endParaRPr lang="en-US" altLang="zh-TW" sz="4800" b="1" dirty="0">
+              <a:solidFill>
+                <a:srgbClr val="000066"/>
+              </a:solidFill>
+              <a:latin typeface="微軟正黑體" pitchFamily="34" charset="-120"/>
+              <a:ea typeface="微軟正黑體" pitchFamily="34" charset="-120"/>
+            </a:endParaRPr>
+          </a:p>
+        </p:txBody>
+      </p:sp>
+    </p:spTree>
+    <p:extLst>
+      <p:ext uri="{BB962C8B-B14F-4D97-AF65-F5344CB8AC3E}">
+        <p14:creationId xmlns:p14="http://schemas.microsoft.com/office/powerpoint/2010/main" val="505638012"/>
+      </p:ext>
+    </p:extLst>
+  </p:cSld>
+  <p:clrMapOvr>
+    <a:masterClrMapping/>
+  </p:clrMapOvr>
+</p:sld>
+</file>
+
+<file path=ppt/slides/slide9.xml><?xml version="1.0" encoding="utf-8"?>
+<p:sld xmlns:a="http://schemas.openxmlformats.org/drawingml/2006/main" xmlns:r="http://schemas.openxmlformats.org/officeDocument/2006/relationships" xmlns:p="http://schemas.openxmlformats.org/presentationml/2006/main">
+  <p:cSld>
+    <p:spTree>
+      <p:nvGrpSpPr>
+        <p:cNvPr id="1" name=""/>
+        <p:cNvGrpSpPr/>
+        <p:nvPr/>
+      </p:nvGrpSpPr>
+      <p:grpSpPr>
+        <a:xfrm>
+          <a:off x="0" y="0"/>
+          <a:ext cx="0" cy="0"/>
+          <a:chOff x="0" y="0"/>
+          <a:chExt cx="0" cy="0"/>
+        </a:xfrm>
+      </p:grpSpPr>
+      <p:sp>
+        <p:nvSpPr>
+          <p:cNvPr id="5" name="內容版面配置區 4"/>
+          <p:cNvSpPr>
+            <a:spLocks noGrp="1"/>
+          </p:cNvSpPr>
+          <p:nvPr>
+            <p:ph idx="1"/>
+          </p:nvPr>
+        </p:nvSpPr>
+        <p:spPr>
+          <a:xfrm>
+            <a:off x="0" y="1563638"/>
+            <a:ext cx="9144000" cy="1803647"/>
+          </a:xfrm>
+        </p:spPr>
+        <p:txBody>
+          <a:bodyPr anchor="ctr">
+            <a:normAutofit/>
+          </a:bodyPr>
+          <a:lstStyle/>
+          <a:p>
+            <a:pPr algn="ctr">
+              <a:buNone/>
+            </a:pPr>
+            <a:r>
+              <a:rPr lang="zh-TW" altLang="en-US" sz="4800" b="1" dirty="0">
+                <a:solidFill>
+                  <a:srgbClr val="000066"/>
+                </a:solidFill>
+                <a:latin typeface="微軟正黑體" pitchFamily="34" charset="-120"/>
+                <a:ea typeface="微軟正黑體" pitchFamily="34" charset="-120"/>
+              </a:rPr>
+              <a:t>讓我們的心向神敞開</a:t>
+            </a:r>
+            <a:endParaRPr lang="en-US" altLang="zh-TW" sz="4800" b="1" dirty="0">
+              <a:solidFill>
+                <a:srgbClr val="000066"/>
+              </a:solidFill>
+              <a:latin typeface="微軟正黑體" pitchFamily="34" charset="-120"/>
+              <a:ea typeface="微軟正黑體" pitchFamily="34" charset="-120"/>
+            </a:endParaRPr>
+          </a:p>
+        </p:txBody>
+      </p:sp>
+    </p:spTree>
+    <p:extLst>
+      <p:ext uri="{BB962C8B-B14F-4D97-AF65-F5344CB8AC3E}">
+        <p14:creationId xmlns:p14="http://schemas.microsoft.com/office/powerpoint/2010/main" val="3573239987"/>
+      </p:ext>
+    </p:extLst>
   </p:cSld>
   <p:clrMapOvr>
     <a:masterClrMapping/>

--- a/讓讚美飛揚(崇拜版).pptx
+++ b/讓讚美飛揚(崇拜版).pptx
@@ -7,13 +7,9 @@
   <p:sldIdLst>
     <p:sldId id="261" r:id="rId2"/>
     <p:sldId id="262" r:id="rId3"/>
-    <p:sldId id="263" r:id="rId4"/>
-    <p:sldId id="264" r:id="rId5"/>
-    <p:sldId id="265" r:id="rId6"/>
-    <p:sldId id="266" r:id="rId7"/>
-    <p:sldId id="267" r:id="rId8"/>
-    <p:sldId id="268" r:id="rId9"/>
-    <p:sldId id="269" r:id="rId10"/>
+    <p:sldId id="264" r:id="rId4"/>
+    <p:sldId id="266" r:id="rId5"/>
+    <p:sldId id="268" r:id="rId6"/>
   </p:sldIdLst>
   <p:sldSz cx="9144000" cy="5143500" type="screen16x9"/>
   <p:notesSz cx="6858000" cy="9144000"/>
@@ -114,7 +110,7 @@
   </p:defaultTextStyle>
   <p:extLst>
     <p:ext uri="{EFAFB233-063F-42B5-8137-9DF3F51BA10A}">
-      <p15:sldGuideLst xmlns:p15="http://schemas.microsoft.com/office/powerpoint/2012/main">
+      <p15:sldGuideLst xmlns:p15="http://schemas.microsoft.com/office/powerpoint/2012/main" xmlns="">
         <p15:guide id="1" orient="horz" pos="1620">
           <p15:clr>
             <a:srgbClr val="A4A3A4"/>
@@ -313,7 +309,7 @@
             <a:fld id="{43378F8F-BD94-40A7-8263-902CAD390152}" type="datetimeFigureOut">
               <a:rPr lang="zh-TW" altLang="en-US" smtClean="0"/>
               <a:pPr/>
-              <a:t>2020/12/26</a:t>
+              <a:t>2021/4/27</a:t>
             </a:fld>
             <a:endParaRPr lang="zh-TW" altLang="en-US"/>
           </a:p>
@@ -480,7 +476,7 @@
             <a:fld id="{43378F8F-BD94-40A7-8263-902CAD390152}" type="datetimeFigureOut">
               <a:rPr lang="zh-TW" altLang="en-US" smtClean="0"/>
               <a:pPr/>
-              <a:t>2020/12/26</a:t>
+              <a:t>2021/4/27</a:t>
             </a:fld>
             <a:endParaRPr lang="zh-TW" altLang="en-US"/>
           </a:p>
@@ -657,7 +653,7 @@
             <a:fld id="{43378F8F-BD94-40A7-8263-902CAD390152}" type="datetimeFigureOut">
               <a:rPr lang="zh-TW" altLang="en-US" smtClean="0"/>
               <a:pPr/>
-              <a:t>2020/12/26</a:t>
+              <a:t>2021/4/27</a:t>
             </a:fld>
             <a:endParaRPr lang="zh-TW" altLang="en-US"/>
           </a:p>
@@ -824,7 +820,7 @@
             <a:fld id="{43378F8F-BD94-40A7-8263-902CAD390152}" type="datetimeFigureOut">
               <a:rPr lang="zh-TW" altLang="en-US" smtClean="0"/>
               <a:pPr/>
-              <a:t>2020/12/26</a:t>
+              <a:t>2021/4/27</a:t>
             </a:fld>
             <a:endParaRPr lang="zh-TW" altLang="en-US"/>
           </a:p>
@@ -1067,7 +1063,7 @@
             <a:fld id="{43378F8F-BD94-40A7-8263-902CAD390152}" type="datetimeFigureOut">
               <a:rPr lang="zh-TW" altLang="en-US" smtClean="0"/>
               <a:pPr/>
-              <a:t>2020/12/26</a:t>
+              <a:t>2021/4/27</a:t>
             </a:fld>
             <a:endParaRPr lang="zh-TW" altLang="en-US"/>
           </a:p>
@@ -1352,7 +1348,7 @@
             <a:fld id="{43378F8F-BD94-40A7-8263-902CAD390152}" type="datetimeFigureOut">
               <a:rPr lang="zh-TW" altLang="en-US" smtClean="0"/>
               <a:pPr/>
-              <a:t>2020/12/26</a:t>
+              <a:t>2021/4/27</a:t>
             </a:fld>
             <a:endParaRPr lang="zh-TW" altLang="en-US"/>
           </a:p>
@@ -1771,7 +1767,7 @@
             <a:fld id="{43378F8F-BD94-40A7-8263-902CAD390152}" type="datetimeFigureOut">
               <a:rPr lang="zh-TW" altLang="en-US" smtClean="0"/>
               <a:pPr/>
-              <a:t>2020/12/26</a:t>
+              <a:t>2021/4/27</a:t>
             </a:fld>
             <a:endParaRPr lang="zh-TW" altLang="en-US"/>
           </a:p>
@@ -1886,7 +1882,7 @@
             <a:fld id="{43378F8F-BD94-40A7-8263-902CAD390152}" type="datetimeFigureOut">
               <a:rPr lang="zh-TW" altLang="en-US" smtClean="0"/>
               <a:pPr/>
-              <a:t>2020/12/26</a:t>
+              <a:t>2021/4/27</a:t>
             </a:fld>
             <a:endParaRPr lang="zh-TW" altLang="en-US"/>
           </a:p>
@@ -1978,7 +1974,7 @@
             <a:fld id="{43378F8F-BD94-40A7-8263-902CAD390152}" type="datetimeFigureOut">
               <a:rPr lang="zh-TW" altLang="en-US" smtClean="0"/>
               <a:pPr/>
-              <a:t>2020/12/26</a:t>
+              <a:t>2021/4/27</a:t>
             </a:fld>
             <a:endParaRPr lang="zh-TW" altLang="en-US"/>
           </a:p>
@@ -2252,7 +2248,7 @@
             <a:fld id="{43378F8F-BD94-40A7-8263-902CAD390152}" type="datetimeFigureOut">
               <a:rPr lang="zh-TW" altLang="en-US" smtClean="0"/>
               <a:pPr/>
-              <a:t>2020/12/26</a:t>
+              <a:t>2021/4/27</a:t>
             </a:fld>
             <a:endParaRPr lang="zh-TW" altLang="en-US"/>
           </a:p>
@@ -2506,7 +2502,7 @@
             <a:fld id="{43378F8F-BD94-40A7-8263-902CAD390152}" type="datetimeFigureOut">
               <a:rPr lang="zh-TW" altLang="en-US" smtClean="0"/>
               <a:pPr/>
-              <a:t>2020/12/26</a:t>
+              <a:t>2021/4/27</a:t>
             </a:fld>
             <a:endParaRPr lang="zh-TW" altLang="en-US"/>
           </a:p>
@@ -2721,7 +2717,7 @@
             <a:fld id="{43378F8F-BD94-40A7-8263-902CAD390152}" type="datetimeFigureOut">
               <a:rPr lang="zh-TW" altLang="en-US" smtClean="0"/>
               <a:pPr/>
-              <a:t>2020/12/26</a:t>
+              <a:t>2021/4/27</a:t>
             </a:fld>
             <a:endParaRPr lang="zh-TW" altLang="en-US"/>
           </a:p>
@@ -3168,7 +3164,7 @@
     </p:spTree>
     <p:extLst>
       <p:ext uri="{BB962C8B-B14F-4D97-AF65-F5344CB8AC3E}">
-        <p14:creationId xmlns:p14="http://schemas.microsoft.com/office/powerpoint/2010/main" val="920810360"/>
+        <p14:creationId xmlns:p14="http://schemas.microsoft.com/office/powerpoint/2010/main" xmlns="" val="920810360"/>
       </p:ext>
     </p:extLst>
   </p:cSld>
@@ -3207,8 +3203,8 @@
         </p:nvSpPr>
         <p:spPr>
           <a:xfrm>
-            <a:off x="0" y="1563638"/>
-            <a:ext cx="9144000" cy="1803647"/>
+            <a:off x="0" y="857238"/>
+            <a:ext cx="9144000" cy="3857652"/>
           </a:xfrm>
         </p:spPr>
         <p:txBody>
@@ -3250,8 +3246,67 @@
                 <a:latin typeface="微軟正黑體" pitchFamily="34" charset="-120"/>
                 <a:ea typeface="微軟正黑體" pitchFamily="34" charset="-120"/>
               </a:rPr>
-              <a:t>我們相聚在一起</a:t>
-            </a:r>
+              <a:t>我們相</a:t>
+            </a:r>
+            <a:r>
+              <a:rPr lang="zh-TW" altLang="en-US" sz="4800" b="1" dirty="0" smtClean="0">
+                <a:solidFill>
+                  <a:srgbClr val="000066"/>
+                </a:solidFill>
+                <a:latin typeface="微軟正黑體" pitchFamily="34" charset="-120"/>
+                <a:ea typeface="微軟正黑體" pitchFamily="34" charset="-120"/>
+              </a:rPr>
+              <a:t>聚在一起</a:t>
+            </a:r>
+            <a:endParaRPr lang="en-US" altLang="zh-TW" sz="4800" b="1" dirty="0" smtClean="0">
+              <a:solidFill>
+                <a:srgbClr val="000066"/>
+              </a:solidFill>
+              <a:latin typeface="微軟正黑體" pitchFamily="34" charset="-120"/>
+              <a:ea typeface="微軟正黑體" pitchFamily="34" charset="-120"/>
+            </a:endParaRPr>
+          </a:p>
+          <a:p>
+            <a:pPr algn="ctr">
+              <a:buNone/>
+            </a:pPr>
+            <a:r>
+              <a:rPr lang="zh-TW" altLang="en-US" sz="4800" b="1" dirty="0" smtClean="0">
+                <a:solidFill>
+                  <a:srgbClr val="000066"/>
+                </a:solidFill>
+                <a:latin typeface="微軟正黑體" pitchFamily="34" charset="-120"/>
+                <a:ea typeface="微軟正黑體" pitchFamily="34" charset="-120"/>
+              </a:rPr>
+              <a:t>神的愛擁抱著我們</a:t>
+            </a:r>
+            <a:endParaRPr lang="en-US" altLang="zh-TW" sz="4800" b="1" dirty="0" smtClean="0">
+              <a:solidFill>
+                <a:srgbClr val="000066"/>
+              </a:solidFill>
+              <a:latin typeface="微軟正黑體" pitchFamily="34" charset="-120"/>
+              <a:ea typeface="微軟正黑體" pitchFamily="34" charset="-120"/>
+            </a:endParaRPr>
+          </a:p>
+          <a:p>
+            <a:pPr algn="ctr">
+              <a:buNone/>
+            </a:pPr>
+            <a:r>
+              <a:rPr lang="zh-TW" altLang="en-US" sz="4800" b="1" dirty="0" smtClean="0">
+                <a:solidFill>
+                  <a:srgbClr val="000066"/>
+                </a:solidFill>
+                <a:latin typeface="微軟正黑體" pitchFamily="34" charset="-120"/>
+                <a:ea typeface="微軟正黑體" pitchFamily="34" charset="-120"/>
+              </a:rPr>
+              <a:t>神的靈充滿這地</a:t>
+            </a:r>
+          </a:p>
+          <a:p>
+            <a:pPr algn="ctr">
+              <a:buNone/>
+            </a:pPr>
             <a:endParaRPr lang="en-US" altLang="zh-TW" sz="4800" b="1" dirty="0">
               <a:solidFill>
                 <a:srgbClr val="000066"/>
@@ -3265,7 +3320,7 @@
     </p:spTree>
     <p:extLst>
       <p:ext uri="{BB962C8B-B14F-4D97-AF65-F5344CB8AC3E}">
-        <p14:creationId xmlns:p14="http://schemas.microsoft.com/office/powerpoint/2010/main" val="2438516563"/>
+        <p14:creationId xmlns:p14="http://schemas.microsoft.com/office/powerpoint/2010/main" xmlns="" val="2438516563"/>
       </p:ext>
     </p:extLst>
   </p:cSld>
@@ -3304,8 +3359,8 @@
         </p:nvSpPr>
         <p:spPr>
           <a:xfrm>
-            <a:off x="0" y="1563638"/>
-            <a:ext cx="9144000" cy="1803647"/>
+            <a:off x="0" y="714362"/>
+            <a:ext cx="9144000" cy="3929090"/>
           </a:xfrm>
         </p:spPr>
         <p:txBody>
@@ -3325,7 +3380,7 @@
                 <a:latin typeface="微軟正黑體" pitchFamily="34" charset="-120"/>
                 <a:ea typeface="微軟正黑體" pitchFamily="34" charset="-120"/>
               </a:rPr>
-              <a:t>神的愛擁抱著我們</a:t>
+              <a:t>當稱謝進入祂的門</a:t>
             </a:r>
             <a:endParaRPr lang="en-US" altLang="zh-TW" sz="4800" b="1" dirty="0">
               <a:solidFill>
@@ -3347,9 +3402,19 @@
                 <a:latin typeface="微軟正黑體" pitchFamily="34" charset="-120"/>
                 <a:ea typeface="微軟正黑體" pitchFamily="34" charset="-120"/>
               </a:rPr>
-              <a:t>神的靈充滿這地</a:t>
-            </a:r>
-            <a:endParaRPr lang="zh-TW" altLang="en-US" sz="4800" b="1" dirty="0">
+              <a:t>當讚美進入祂的</a:t>
+            </a:r>
+            <a:r>
+              <a:rPr lang="zh-TW" altLang="en-US" sz="4800" b="1" dirty="0" smtClean="0">
+                <a:solidFill>
+                  <a:srgbClr val="000066"/>
+                </a:solidFill>
+                <a:latin typeface="微軟正黑體" pitchFamily="34" charset="-120"/>
+                <a:ea typeface="微軟正黑體" pitchFamily="34" charset="-120"/>
+              </a:rPr>
+              <a:t>院</a:t>
+            </a:r>
+            <a:endParaRPr lang="en-US" altLang="zh-TW" sz="4800" b="1" dirty="0" smtClean="0">
               <a:solidFill>
                 <a:srgbClr val="000066"/>
               </a:solidFill>
@@ -3357,12 +3422,61 @@
               <a:ea typeface="微軟正黑體" pitchFamily="34" charset="-120"/>
             </a:endParaRPr>
           </a:p>
+          <a:p>
+            <a:pPr algn="ctr">
+              <a:buNone/>
+            </a:pPr>
+            <a:r>
+              <a:rPr lang="zh-TW" altLang="en-US" sz="4800" b="1" dirty="0" smtClean="0">
+                <a:solidFill>
+                  <a:srgbClr val="000066"/>
+                </a:solidFill>
+                <a:latin typeface="微軟正黑體" pitchFamily="34" charset="-120"/>
+                <a:ea typeface="微軟正黑體" pitchFamily="34" charset="-120"/>
+              </a:rPr>
+              <a:t>擊鼓跳舞揚聲歡呼</a:t>
+            </a:r>
+            <a:endParaRPr lang="en-US" altLang="zh-TW" sz="4800" b="1" dirty="0" smtClean="0">
+              <a:solidFill>
+                <a:srgbClr val="000066"/>
+              </a:solidFill>
+              <a:latin typeface="微軟正黑體" pitchFamily="34" charset="-120"/>
+              <a:ea typeface="微軟正黑體" pitchFamily="34" charset="-120"/>
+            </a:endParaRPr>
+          </a:p>
+          <a:p>
+            <a:pPr algn="ctr">
+              <a:buNone/>
+            </a:pPr>
+            <a:r>
+              <a:rPr lang="zh-TW" altLang="en-US" sz="4800" b="1" dirty="0" smtClean="0">
+                <a:solidFill>
+                  <a:srgbClr val="000066"/>
+                </a:solidFill>
+                <a:latin typeface="微軟正黑體" pitchFamily="34" charset="-120"/>
+                <a:ea typeface="微軟正黑體" pitchFamily="34" charset="-120"/>
+              </a:rPr>
+              <a:t>凡有氣息都要讚美祂</a:t>
+            </a:r>
+          </a:p>
+          <a:p>
+            <a:pPr algn="ctr">
+              <a:buNone/>
+            </a:pPr>
+            <a:endParaRPr lang="en-US" altLang="zh-TW" sz="4800" b="1" dirty="0">
+              <a:solidFill>
+                <a:srgbClr val="000066"/>
+              </a:solidFill>
+              <a:latin typeface="微軟正黑體" pitchFamily="34" charset="-120"/>
+              <a:ea typeface="微軟正黑體" pitchFamily="34" charset="-120"/>
+            </a:endParaRPr>
+          </a:p>
         </p:txBody>
       </p:sp>
     </p:spTree>
     <p:extLst>
       <p:ext uri="{BB962C8B-B14F-4D97-AF65-F5344CB8AC3E}">
-        <p14:creationId xmlns:p14="http://schemas.microsoft.com/office/powerpoint/2010/main" val="2837122969"/>
+        <p14:creationId xmlns:p14="http://schemas.microsoft.com/office/powerpoint/2010/main" xmlns="" val="728952996"/>
       </p:ext>
     </p:extLst>
   </p:cSld>
@@ -3401,8 +3515,8 @@
         </p:nvSpPr>
         <p:spPr>
           <a:xfrm>
-            <a:off x="0" y="1563638"/>
-            <a:ext cx="9144000" cy="1803647"/>
+            <a:off x="0" y="928676"/>
+            <a:ext cx="9001156" cy="3071834"/>
           </a:xfrm>
         </p:spPr>
         <p:txBody>
@@ -3422,7 +3536,7 @@
                 <a:latin typeface="微軟正黑體" pitchFamily="34" charset="-120"/>
                 <a:ea typeface="微軟正黑體" pitchFamily="34" charset="-120"/>
               </a:rPr>
-              <a:t>當稱謝進入祂的門</a:t>
+              <a:t>讓讚美從四處響起</a:t>
             </a:r>
             <a:endParaRPr lang="en-US" altLang="zh-TW" sz="4800" b="1" dirty="0">
               <a:solidFill>
@@ -3444,8 +3558,52 @@
                 <a:latin typeface="微軟正黑體" pitchFamily="34" charset="-120"/>
                 <a:ea typeface="微軟正黑體" pitchFamily="34" charset="-120"/>
               </a:rPr>
-              <a:t>當讚美進入祂的院</a:t>
-            </a:r>
+              <a:t>讓音符在空中</a:t>
+            </a:r>
+            <a:r>
+              <a:rPr lang="zh-TW" altLang="en-US" sz="4800" b="1" dirty="0" smtClean="0">
+                <a:solidFill>
+                  <a:srgbClr val="000066"/>
+                </a:solidFill>
+                <a:latin typeface="微軟正黑體" pitchFamily="34" charset="-120"/>
+                <a:ea typeface="微軟正黑體" pitchFamily="34" charset="-120"/>
+              </a:rPr>
+              <a:t>飛舞</a:t>
+            </a:r>
+            <a:endParaRPr lang="en-US" altLang="zh-TW" sz="4800" b="1" dirty="0" smtClean="0">
+              <a:solidFill>
+                <a:srgbClr val="000066"/>
+              </a:solidFill>
+              <a:latin typeface="微軟正黑體" pitchFamily="34" charset="-120"/>
+              <a:ea typeface="微軟正黑體" pitchFamily="34" charset="-120"/>
+            </a:endParaRPr>
+          </a:p>
+          <a:p>
+            <a:pPr algn="ctr">
+              <a:buNone/>
+            </a:pPr>
+            <a:r>
+              <a:rPr lang="zh-TW" altLang="en-US" sz="4800" b="1" dirty="0" smtClean="0">
+                <a:solidFill>
+                  <a:srgbClr val="000066"/>
+                </a:solidFill>
+                <a:latin typeface="微軟正黑體" pitchFamily="34" charset="-120"/>
+                <a:ea typeface="微軟正黑體" pitchFamily="34" charset="-120"/>
+              </a:rPr>
+              <a:t>讓我們的心向神敞開</a:t>
+            </a:r>
+            <a:endParaRPr lang="en-US" altLang="zh-TW" sz="4800" b="1" dirty="0" smtClean="0">
+              <a:solidFill>
+                <a:srgbClr val="000066"/>
+              </a:solidFill>
+              <a:latin typeface="微軟正黑體" pitchFamily="34" charset="-120"/>
+              <a:ea typeface="微軟正黑體" pitchFamily="34" charset="-120"/>
+            </a:endParaRPr>
+          </a:p>
+          <a:p>
+            <a:pPr algn="ctr">
+              <a:buNone/>
+            </a:pPr>
             <a:endParaRPr lang="en-US" altLang="zh-TW" sz="4800" b="1" dirty="0">
               <a:solidFill>
                 <a:srgbClr val="000066"/>
@@ -3459,7 +3617,7 @@
     </p:spTree>
     <p:extLst>
       <p:ext uri="{BB962C8B-B14F-4D97-AF65-F5344CB8AC3E}">
-        <p14:creationId xmlns:p14="http://schemas.microsoft.com/office/powerpoint/2010/main" val="728952996"/>
+        <p14:creationId xmlns:p14="http://schemas.microsoft.com/office/powerpoint/2010/main" xmlns="" val="1386078957"/>
       </p:ext>
     </p:extLst>
   </p:cSld>
@@ -3498,8 +3656,8 @@
         </p:nvSpPr>
         <p:spPr>
           <a:xfrm>
-            <a:off x="0" y="1563638"/>
-            <a:ext cx="9144000" cy="1803647"/>
+            <a:off x="0" y="857238"/>
+            <a:ext cx="9144000" cy="3357586"/>
           </a:xfrm>
         </p:spPr>
         <p:txBody>
@@ -3519,7 +3677,7 @@
                 <a:latin typeface="微軟正黑體" pitchFamily="34" charset="-120"/>
                 <a:ea typeface="微軟正黑體" pitchFamily="34" charset="-120"/>
               </a:rPr>
-              <a:t>擊鼓跳舞揚聲歡呼</a:t>
+              <a:t>讓讚美從四處響起</a:t>
             </a:r>
             <a:endParaRPr lang="en-US" altLang="zh-TW" sz="4800" b="1" dirty="0">
               <a:solidFill>
@@ -3541,9 +3699,19 @@
                 <a:latin typeface="微軟正黑體" pitchFamily="34" charset="-120"/>
                 <a:ea typeface="微軟正黑體" pitchFamily="34" charset="-120"/>
               </a:rPr>
-              <a:t>凡有氣息都要讚美祂</a:t>
-            </a:r>
-            <a:endParaRPr lang="zh-TW" altLang="en-US" sz="4800" b="1" dirty="0">
+              <a:t>讓音符在空中</a:t>
+            </a:r>
+            <a:r>
+              <a:rPr lang="zh-TW" altLang="en-US" sz="4800" b="1" dirty="0" smtClean="0">
+                <a:solidFill>
+                  <a:srgbClr val="000066"/>
+                </a:solidFill>
+                <a:latin typeface="微軟正黑體" pitchFamily="34" charset="-120"/>
+                <a:ea typeface="微軟正黑體" pitchFamily="34" charset="-120"/>
+              </a:rPr>
+              <a:t>飛舞</a:t>
+            </a:r>
+            <a:endParaRPr lang="en-US" altLang="zh-TW" sz="4800" b="1" dirty="0" smtClean="0">
               <a:solidFill>
                 <a:srgbClr val="000066"/>
               </a:solidFill>
@@ -3551,74 +3719,31 @@
               <a:ea typeface="微軟正黑體" pitchFamily="34" charset="-120"/>
             </a:endParaRPr>
           </a:p>
-        </p:txBody>
-      </p:sp>
-    </p:spTree>
-    <p:extLst>
-      <p:ext uri="{BB962C8B-B14F-4D97-AF65-F5344CB8AC3E}">
-        <p14:creationId xmlns:p14="http://schemas.microsoft.com/office/powerpoint/2010/main" val="783601854"/>
-      </p:ext>
-    </p:extLst>
-  </p:cSld>
-  <p:clrMapOvr>
-    <a:masterClrMapping/>
-  </p:clrMapOvr>
-</p:sld>
-</file>
-
-<file path=ppt/slides/slide6.xml><?xml version="1.0" encoding="utf-8"?>
-<p:sld xmlns:a="http://schemas.openxmlformats.org/drawingml/2006/main" xmlns:r="http://schemas.openxmlformats.org/officeDocument/2006/relationships" xmlns:p="http://schemas.openxmlformats.org/presentationml/2006/main">
-  <p:cSld>
-    <p:spTree>
-      <p:nvGrpSpPr>
-        <p:cNvPr id="1" name=""/>
-        <p:cNvGrpSpPr/>
-        <p:nvPr/>
-      </p:nvGrpSpPr>
-      <p:grpSpPr>
-        <a:xfrm>
-          <a:off x="0" y="0"/>
-          <a:ext cx="0" cy="0"/>
-          <a:chOff x="0" y="0"/>
-          <a:chExt cx="0" cy="0"/>
-        </a:xfrm>
-      </p:grpSpPr>
-      <p:sp>
-        <p:nvSpPr>
-          <p:cNvPr id="5" name="內容版面配置區 4"/>
-          <p:cNvSpPr>
-            <a:spLocks noGrp="1"/>
-          </p:cNvSpPr>
-          <p:nvPr>
-            <p:ph idx="1"/>
-          </p:nvPr>
-        </p:nvSpPr>
-        <p:spPr>
-          <a:xfrm>
-            <a:off x="0" y="1563638"/>
-            <a:ext cx="9144000" cy="1803647"/>
-          </a:xfrm>
-        </p:spPr>
-        <p:txBody>
-          <a:bodyPr anchor="ctr">
-            <a:normAutofit/>
-          </a:bodyPr>
-          <a:lstStyle/>
           <a:p>
             <a:pPr algn="ctr">
               <a:buNone/>
             </a:pPr>
             <a:r>
-              <a:rPr lang="zh-TW" altLang="en-US" sz="4800" b="1" dirty="0">
+              <a:rPr lang="zh-TW" altLang="en-US" sz="4800" b="1" dirty="0" smtClean="0">
                 <a:solidFill>
                   <a:srgbClr val="000066"/>
                 </a:solidFill>
                 <a:latin typeface="微軟正黑體" pitchFamily="34" charset="-120"/>
                 <a:ea typeface="微軟正黑體" pitchFamily="34" charset="-120"/>
               </a:rPr>
-              <a:t>讓讚美從四處響起</a:t>
-            </a:r>
-            <a:endParaRPr lang="en-US" altLang="zh-TW" sz="4800" b="1" dirty="0">
+              <a:t>讓我們的心向神</a:t>
+            </a:r>
+            <a:r>
+              <a:rPr lang="zh-TW" altLang="en-US" sz="4800" b="1" dirty="0" smtClean="0">
+                <a:solidFill>
+                  <a:srgbClr val="000066"/>
+                </a:solidFill>
+                <a:latin typeface="微軟正黑體" pitchFamily="34" charset="-120"/>
+                <a:ea typeface="微軟正黑體" pitchFamily="34" charset="-120"/>
+              </a:rPr>
+              <a:t>敞開</a:t>
+            </a:r>
+            <a:endParaRPr lang="en-US" altLang="zh-TW" sz="4800" b="1" dirty="0" smtClean="0">
               <a:solidFill>
                 <a:srgbClr val="000066"/>
               </a:solidFill>
@@ -3626,281 +3751,12 @@
               <a:ea typeface="微軟正黑體" pitchFamily="34" charset="-120"/>
             </a:endParaRPr>
           </a:p>
-          <a:p>
-            <a:pPr algn="ctr">
-              <a:buNone/>
-            </a:pPr>
-            <a:r>
-              <a:rPr lang="zh-TW" altLang="en-US" sz="4800" b="1" dirty="0">
-                <a:solidFill>
-                  <a:srgbClr val="000066"/>
-                </a:solidFill>
-                <a:latin typeface="微軟正黑體" pitchFamily="34" charset="-120"/>
-                <a:ea typeface="微軟正黑體" pitchFamily="34" charset="-120"/>
-              </a:rPr>
-              <a:t>讓音符在空中飛舞</a:t>
-            </a:r>
-            <a:endParaRPr lang="en-US" altLang="zh-TW" sz="4800" b="1" dirty="0">
-              <a:solidFill>
-                <a:srgbClr val="000066"/>
-              </a:solidFill>
-              <a:latin typeface="微軟正黑體" pitchFamily="34" charset="-120"/>
-              <a:ea typeface="微軟正黑體" pitchFamily="34" charset="-120"/>
-            </a:endParaRPr>
-          </a:p>
         </p:txBody>
       </p:sp>
     </p:spTree>
     <p:extLst>
       <p:ext uri="{BB962C8B-B14F-4D97-AF65-F5344CB8AC3E}">
-        <p14:creationId xmlns:p14="http://schemas.microsoft.com/office/powerpoint/2010/main" val="1386078957"/>
-      </p:ext>
-    </p:extLst>
-  </p:cSld>
-  <p:clrMapOvr>
-    <a:masterClrMapping/>
-  </p:clrMapOvr>
-</p:sld>
-</file>
-
-<file path=ppt/slides/slide7.xml><?xml version="1.0" encoding="utf-8"?>
-<p:sld xmlns:a="http://schemas.openxmlformats.org/drawingml/2006/main" xmlns:r="http://schemas.openxmlformats.org/officeDocument/2006/relationships" xmlns:p="http://schemas.openxmlformats.org/presentationml/2006/main">
-  <p:cSld>
-    <p:spTree>
-      <p:nvGrpSpPr>
-        <p:cNvPr id="1" name=""/>
-        <p:cNvGrpSpPr/>
-        <p:nvPr/>
-      </p:nvGrpSpPr>
-      <p:grpSpPr>
-        <a:xfrm>
-          <a:off x="0" y="0"/>
-          <a:ext cx="0" cy="0"/>
-          <a:chOff x="0" y="0"/>
-          <a:chExt cx="0" cy="0"/>
-        </a:xfrm>
-      </p:grpSpPr>
-      <p:sp>
-        <p:nvSpPr>
-          <p:cNvPr id="5" name="內容版面配置區 4"/>
-          <p:cNvSpPr>
-            <a:spLocks noGrp="1"/>
-          </p:cNvSpPr>
-          <p:nvPr>
-            <p:ph idx="1"/>
-          </p:nvPr>
-        </p:nvSpPr>
-        <p:spPr>
-          <a:xfrm>
-            <a:off x="0" y="1563638"/>
-            <a:ext cx="9144000" cy="1803647"/>
-          </a:xfrm>
-        </p:spPr>
-        <p:txBody>
-          <a:bodyPr anchor="ctr">
-            <a:normAutofit/>
-          </a:bodyPr>
-          <a:lstStyle/>
-          <a:p>
-            <a:pPr algn="ctr">
-              <a:buNone/>
-            </a:pPr>
-            <a:r>
-              <a:rPr lang="zh-TW" altLang="en-US" sz="4800" b="1" dirty="0">
-                <a:solidFill>
-                  <a:srgbClr val="000066"/>
-                </a:solidFill>
-                <a:latin typeface="微軟正黑體" pitchFamily="34" charset="-120"/>
-                <a:ea typeface="微軟正黑體" pitchFamily="34" charset="-120"/>
-              </a:rPr>
-              <a:t>讓我們的心向神敞開</a:t>
-            </a:r>
-            <a:endParaRPr lang="en-US" altLang="zh-TW" sz="4800" b="1" dirty="0">
-              <a:solidFill>
-                <a:srgbClr val="000066"/>
-              </a:solidFill>
-              <a:latin typeface="微軟正黑體" pitchFamily="34" charset="-120"/>
-              <a:ea typeface="微軟正黑體" pitchFamily="34" charset="-120"/>
-            </a:endParaRPr>
-          </a:p>
-        </p:txBody>
-      </p:sp>
-    </p:spTree>
-    <p:extLst>
-      <p:ext uri="{BB962C8B-B14F-4D97-AF65-F5344CB8AC3E}">
-        <p14:creationId xmlns:p14="http://schemas.microsoft.com/office/powerpoint/2010/main" val="1101409115"/>
-      </p:ext>
-    </p:extLst>
-  </p:cSld>
-  <p:clrMapOvr>
-    <a:masterClrMapping/>
-  </p:clrMapOvr>
-</p:sld>
-</file>
-
-<file path=ppt/slides/slide8.xml><?xml version="1.0" encoding="utf-8"?>
-<p:sld xmlns:a="http://schemas.openxmlformats.org/drawingml/2006/main" xmlns:r="http://schemas.openxmlformats.org/officeDocument/2006/relationships" xmlns:p="http://schemas.openxmlformats.org/presentationml/2006/main">
-  <p:cSld>
-    <p:spTree>
-      <p:nvGrpSpPr>
-        <p:cNvPr id="1" name=""/>
-        <p:cNvGrpSpPr/>
-        <p:nvPr/>
-      </p:nvGrpSpPr>
-      <p:grpSpPr>
-        <a:xfrm>
-          <a:off x="0" y="0"/>
-          <a:ext cx="0" cy="0"/>
-          <a:chOff x="0" y="0"/>
-          <a:chExt cx="0" cy="0"/>
-        </a:xfrm>
-      </p:grpSpPr>
-      <p:sp>
-        <p:nvSpPr>
-          <p:cNvPr id="5" name="內容版面配置區 4"/>
-          <p:cNvSpPr>
-            <a:spLocks noGrp="1"/>
-          </p:cNvSpPr>
-          <p:nvPr>
-            <p:ph idx="1"/>
-          </p:nvPr>
-        </p:nvSpPr>
-        <p:spPr>
-          <a:xfrm>
-            <a:off x="0" y="1563638"/>
-            <a:ext cx="9144000" cy="1803647"/>
-          </a:xfrm>
-        </p:spPr>
-        <p:txBody>
-          <a:bodyPr anchor="ctr">
-            <a:normAutofit/>
-          </a:bodyPr>
-          <a:lstStyle/>
-          <a:p>
-            <a:pPr algn="ctr">
-              <a:buNone/>
-            </a:pPr>
-            <a:r>
-              <a:rPr lang="zh-TW" altLang="en-US" sz="4800" b="1" dirty="0">
-                <a:solidFill>
-                  <a:srgbClr val="000066"/>
-                </a:solidFill>
-                <a:latin typeface="微軟正黑體" pitchFamily="34" charset="-120"/>
-                <a:ea typeface="微軟正黑體" pitchFamily="34" charset="-120"/>
-              </a:rPr>
-              <a:t>讓讚美從四處響起</a:t>
-            </a:r>
-            <a:endParaRPr lang="en-US" altLang="zh-TW" sz="4800" b="1" dirty="0">
-              <a:solidFill>
-                <a:srgbClr val="000066"/>
-              </a:solidFill>
-              <a:latin typeface="微軟正黑體" pitchFamily="34" charset="-120"/>
-              <a:ea typeface="微軟正黑體" pitchFamily="34" charset="-120"/>
-            </a:endParaRPr>
-          </a:p>
-          <a:p>
-            <a:pPr algn="ctr">
-              <a:buNone/>
-            </a:pPr>
-            <a:r>
-              <a:rPr lang="zh-TW" altLang="en-US" sz="4800" b="1" dirty="0">
-                <a:solidFill>
-                  <a:srgbClr val="000066"/>
-                </a:solidFill>
-                <a:latin typeface="微軟正黑體" pitchFamily="34" charset="-120"/>
-                <a:ea typeface="微軟正黑體" pitchFamily="34" charset="-120"/>
-              </a:rPr>
-              <a:t>讓音符在空中飛舞</a:t>
-            </a:r>
-            <a:endParaRPr lang="en-US" altLang="zh-TW" sz="4800" b="1" dirty="0">
-              <a:solidFill>
-                <a:srgbClr val="000066"/>
-              </a:solidFill>
-              <a:latin typeface="微軟正黑體" pitchFamily="34" charset="-120"/>
-              <a:ea typeface="微軟正黑體" pitchFamily="34" charset="-120"/>
-            </a:endParaRPr>
-          </a:p>
-        </p:txBody>
-      </p:sp>
-    </p:spTree>
-    <p:extLst>
-      <p:ext uri="{BB962C8B-B14F-4D97-AF65-F5344CB8AC3E}">
-        <p14:creationId xmlns:p14="http://schemas.microsoft.com/office/powerpoint/2010/main" val="505638012"/>
-      </p:ext>
-    </p:extLst>
-  </p:cSld>
-  <p:clrMapOvr>
-    <a:masterClrMapping/>
-  </p:clrMapOvr>
-</p:sld>
-</file>
-
-<file path=ppt/slides/slide9.xml><?xml version="1.0" encoding="utf-8"?>
-<p:sld xmlns:a="http://schemas.openxmlformats.org/drawingml/2006/main" xmlns:r="http://schemas.openxmlformats.org/officeDocument/2006/relationships" xmlns:p="http://schemas.openxmlformats.org/presentationml/2006/main">
-  <p:cSld>
-    <p:spTree>
-      <p:nvGrpSpPr>
-        <p:cNvPr id="1" name=""/>
-        <p:cNvGrpSpPr/>
-        <p:nvPr/>
-      </p:nvGrpSpPr>
-      <p:grpSpPr>
-        <a:xfrm>
-          <a:off x="0" y="0"/>
-          <a:ext cx="0" cy="0"/>
-          <a:chOff x="0" y="0"/>
-          <a:chExt cx="0" cy="0"/>
-        </a:xfrm>
-      </p:grpSpPr>
-      <p:sp>
-        <p:nvSpPr>
-          <p:cNvPr id="5" name="內容版面配置區 4"/>
-          <p:cNvSpPr>
-            <a:spLocks noGrp="1"/>
-          </p:cNvSpPr>
-          <p:nvPr>
-            <p:ph idx="1"/>
-          </p:nvPr>
-        </p:nvSpPr>
-        <p:spPr>
-          <a:xfrm>
-            <a:off x="0" y="1563638"/>
-            <a:ext cx="9144000" cy="1803647"/>
-          </a:xfrm>
-        </p:spPr>
-        <p:txBody>
-          <a:bodyPr anchor="ctr">
-            <a:normAutofit/>
-          </a:bodyPr>
-          <a:lstStyle/>
-          <a:p>
-            <a:pPr algn="ctr">
-              <a:buNone/>
-            </a:pPr>
-            <a:r>
-              <a:rPr lang="zh-TW" altLang="en-US" sz="4800" b="1" dirty="0">
-                <a:solidFill>
-                  <a:srgbClr val="000066"/>
-                </a:solidFill>
-                <a:latin typeface="微軟正黑體" pitchFamily="34" charset="-120"/>
-                <a:ea typeface="微軟正黑體" pitchFamily="34" charset="-120"/>
-              </a:rPr>
-              <a:t>讓我們的心向神敞開</a:t>
-            </a:r>
-            <a:endParaRPr lang="en-US" altLang="zh-TW" sz="4800" b="1" dirty="0">
-              <a:solidFill>
-                <a:srgbClr val="000066"/>
-              </a:solidFill>
-              <a:latin typeface="微軟正黑體" pitchFamily="34" charset="-120"/>
-              <a:ea typeface="微軟正黑體" pitchFamily="34" charset="-120"/>
-            </a:endParaRPr>
-          </a:p>
-        </p:txBody>
-      </p:sp>
-    </p:spTree>
-    <p:extLst>
-      <p:ext uri="{BB962C8B-B14F-4D97-AF65-F5344CB8AC3E}">
-        <p14:creationId xmlns:p14="http://schemas.microsoft.com/office/powerpoint/2010/main" val="3573239987"/>
+        <p14:creationId xmlns:p14="http://schemas.microsoft.com/office/powerpoint/2010/main" xmlns="" val="505638012"/>
       </p:ext>
     </p:extLst>
   </p:cSld>

--- a/讓讚美飛揚(崇拜版).pptx
+++ b/讓讚美飛揚(崇拜版).pptx
@@ -5,11 +5,15 @@
     <p:sldMasterId id="2147483660" r:id="rId1"/>
   </p:sldMasterIdLst>
   <p:sldIdLst>
-    <p:sldId id="261" r:id="rId2"/>
-    <p:sldId id="262" r:id="rId3"/>
-    <p:sldId id="264" r:id="rId4"/>
-    <p:sldId id="266" r:id="rId5"/>
-    <p:sldId id="268" r:id="rId6"/>
+    <p:sldId id="269" r:id="rId2"/>
+    <p:sldId id="270" r:id="rId3"/>
+    <p:sldId id="271" r:id="rId4"/>
+    <p:sldId id="272" r:id="rId5"/>
+    <p:sldId id="273" r:id="rId6"/>
+    <p:sldId id="274" r:id="rId7"/>
+    <p:sldId id="275" r:id="rId8"/>
+    <p:sldId id="276" r:id="rId9"/>
+    <p:sldId id="277" r:id="rId10"/>
   </p:sldIdLst>
   <p:sldSz cx="9144000" cy="5143500" type="screen16x9"/>
   <p:notesSz cx="6858000" cy="9144000"/>
@@ -110,7 +114,7 @@
   </p:defaultTextStyle>
   <p:extLst>
     <p:ext uri="{EFAFB233-063F-42B5-8137-9DF3F51BA10A}">
-      <p15:sldGuideLst xmlns:p15="http://schemas.microsoft.com/office/powerpoint/2012/main" xmlns="">
+      <p15:sldGuideLst xmlns:p15="http://schemas.microsoft.com/office/powerpoint/2012/main">
         <p15:guide id="1" orient="horz" pos="1620">
           <p15:clr>
             <a:srgbClr val="A4A3A4"/>
@@ -309,7 +313,7 @@
             <a:fld id="{43378F8F-BD94-40A7-8263-902CAD390152}" type="datetimeFigureOut">
               <a:rPr lang="zh-TW" altLang="en-US" smtClean="0"/>
               <a:pPr/>
-              <a:t>2021/4/27</a:t>
+              <a:t>2021/10/9</a:t>
             </a:fld>
             <a:endParaRPr lang="zh-TW" altLang="en-US"/>
           </a:p>
@@ -476,7 +480,7 @@
             <a:fld id="{43378F8F-BD94-40A7-8263-902CAD390152}" type="datetimeFigureOut">
               <a:rPr lang="zh-TW" altLang="en-US" smtClean="0"/>
               <a:pPr/>
-              <a:t>2021/4/27</a:t>
+              <a:t>2021/10/9</a:t>
             </a:fld>
             <a:endParaRPr lang="zh-TW" altLang="en-US"/>
           </a:p>
@@ -653,7 +657,7 @@
             <a:fld id="{43378F8F-BD94-40A7-8263-902CAD390152}" type="datetimeFigureOut">
               <a:rPr lang="zh-TW" altLang="en-US" smtClean="0"/>
               <a:pPr/>
-              <a:t>2021/4/27</a:t>
+              <a:t>2021/10/9</a:t>
             </a:fld>
             <a:endParaRPr lang="zh-TW" altLang="en-US"/>
           </a:p>
@@ -820,7 +824,7 @@
             <a:fld id="{43378F8F-BD94-40A7-8263-902CAD390152}" type="datetimeFigureOut">
               <a:rPr lang="zh-TW" altLang="en-US" smtClean="0"/>
               <a:pPr/>
-              <a:t>2021/4/27</a:t>
+              <a:t>2021/10/9</a:t>
             </a:fld>
             <a:endParaRPr lang="zh-TW" altLang="en-US"/>
           </a:p>
@@ -1063,7 +1067,7 @@
             <a:fld id="{43378F8F-BD94-40A7-8263-902CAD390152}" type="datetimeFigureOut">
               <a:rPr lang="zh-TW" altLang="en-US" smtClean="0"/>
               <a:pPr/>
-              <a:t>2021/4/27</a:t>
+              <a:t>2021/10/9</a:t>
             </a:fld>
             <a:endParaRPr lang="zh-TW" altLang="en-US"/>
           </a:p>
@@ -1348,7 +1352,7 @@
             <a:fld id="{43378F8F-BD94-40A7-8263-902CAD390152}" type="datetimeFigureOut">
               <a:rPr lang="zh-TW" altLang="en-US" smtClean="0"/>
               <a:pPr/>
-              <a:t>2021/4/27</a:t>
+              <a:t>2021/10/9</a:t>
             </a:fld>
             <a:endParaRPr lang="zh-TW" altLang="en-US"/>
           </a:p>
@@ -1767,7 +1771,7 @@
             <a:fld id="{43378F8F-BD94-40A7-8263-902CAD390152}" type="datetimeFigureOut">
               <a:rPr lang="zh-TW" altLang="en-US" smtClean="0"/>
               <a:pPr/>
-              <a:t>2021/4/27</a:t>
+              <a:t>2021/10/9</a:t>
             </a:fld>
             <a:endParaRPr lang="zh-TW" altLang="en-US"/>
           </a:p>
@@ -1882,7 +1886,7 @@
             <a:fld id="{43378F8F-BD94-40A7-8263-902CAD390152}" type="datetimeFigureOut">
               <a:rPr lang="zh-TW" altLang="en-US" smtClean="0"/>
               <a:pPr/>
-              <a:t>2021/4/27</a:t>
+              <a:t>2021/10/9</a:t>
             </a:fld>
             <a:endParaRPr lang="zh-TW" altLang="en-US"/>
           </a:p>
@@ -1974,7 +1978,7 @@
             <a:fld id="{43378F8F-BD94-40A7-8263-902CAD390152}" type="datetimeFigureOut">
               <a:rPr lang="zh-TW" altLang="en-US" smtClean="0"/>
               <a:pPr/>
-              <a:t>2021/4/27</a:t>
+              <a:t>2021/10/9</a:t>
             </a:fld>
             <a:endParaRPr lang="zh-TW" altLang="en-US"/>
           </a:p>
@@ -2248,7 +2252,7 @@
             <a:fld id="{43378F8F-BD94-40A7-8263-902CAD390152}" type="datetimeFigureOut">
               <a:rPr lang="zh-TW" altLang="en-US" smtClean="0"/>
               <a:pPr/>
-              <a:t>2021/4/27</a:t>
+              <a:t>2021/10/9</a:t>
             </a:fld>
             <a:endParaRPr lang="zh-TW" altLang="en-US"/>
           </a:p>
@@ -2502,7 +2506,7 @@
             <a:fld id="{43378F8F-BD94-40A7-8263-902CAD390152}" type="datetimeFigureOut">
               <a:rPr lang="zh-TW" altLang="en-US" smtClean="0"/>
               <a:pPr/>
-              <a:t>2021/4/27</a:t>
+              <a:t>2021/10/9</a:t>
             </a:fld>
             <a:endParaRPr lang="zh-TW" altLang="en-US"/>
           </a:p>
@@ -2717,7 +2721,7 @@
             <a:fld id="{43378F8F-BD94-40A7-8263-902CAD390152}" type="datetimeFigureOut">
               <a:rPr lang="zh-TW" altLang="en-US" smtClean="0"/>
               <a:pPr/>
-              <a:t>2021/4/27</a:t>
+              <a:t>2021/10/9</a:t>
             </a:fld>
             <a:endParaRPr lang="zh-TW" altLang="en-US"/>
           </a:p>
@@ -3100,7 +3104,7 @@
         </p:nvSpPr>
         <p:spPr>
           <a:xfrm>
-            <a:off x="0" y="2143135"/>
+            <a:off x="0" y="1995686"/>
             <a:ext cx="9144000" cy="857250"/>
           </a:xfrm>
         </p:spPr>
@@ -3113,7 +3117,7 @@
             <a:r>
               <a:rPr lang="zh-CN" altLang="en-US" sz="5400" b="1" i="1" dirty="0" smtClean="0">
                 <a:solidFill>
-                  <a:srgbClr val="000066"/>
+                  <a:srgbClr val="660033"/>
                 </a:solidFill>
                 <a:effectLst>
                   <a:outerShdw blurRad="38100" dist="38100" dir="2700000" algn="tl">
@@ -3130,7 +3134,7 @@
             <a:r>
               <a:rPr lang="zh-CN" altLang="en-US" sz="5400" b="1" i="1" dirty="0">
                 <a:solidFill>
-                  <a:srgbClr val="000066"/>
+                  <a:srgbClr val="660033"/>
                 </a:solidFill>
                 <a:effectLst>
                   <a:outerShdw blurRad="38100" dist="38100" dir="2700000" algn="tl">
@@ -3146,7 +3150,7 @@
             </a:r>
             <a:endParaRPr lang="zh-TW" altLang="en-US" sz="5400" b="1" i="1" dirty="0">
               <a:solidFill>
-                <a:srgbClr val="000066"/>
+                <a:srgbClr val="660033"/>
               </a:solidFill>
               <a:effectLst>
                 <a:outerShdw blurRad="38100" dist="38100" dir="2700000" algn="tl">
@@ -3164,7 +3168,7 @@
     </p:spTree>
     <p:extLst>
       <p:ext uri="{BB962C8B-B14F-4D97-AF65-F5344CB8AC3E}">
-        <p14:creationId xmlns:p14="http://schemas.microsoft.com/office/powerpoint/2010/main" xmlns="" val="920810360"/>
+        <p14:creationId xmlns:p14="http://schemas.microsoft.com/office/powerpoint/2010/main" val="2266652200"/>
       </p:ext>
     </p:extLst>
   </p:cSld>
@@ -3203,8 +3207,8 @@
         </p:nvSpPr>
         <p:spPr>
           <a:xfrm>
-            <a:off x="0" y="857238"/>
-            <a:ext cx="9144000" cy="3857652"/>
+            <a:off x="0" y="1563638"/>
+            <a:ext cx="9144000" cy="1803647"/>
           </a:xfrm>
         </p:spPr>
         <p:txBody>
@@ -3219,7 +3223,7 @@
             <a:r>
               <a:rPr lang="zh-TW" altLang="en-US" sz="4800" b="1" dirty="0">
                 <a:solidFill>
-                  <a:srgbClr val="000066"/>
+                  <a:srgbClr val="660033"/>
                 </a:solidFill>
                 <a:latin typeface="微軟正黑體" pitchFamily="34" charset="-120"/>
                 <a:ea typeface="微軟正黑體" pitchFamily="34" charset="-120"/>
@@ -3228,7 +3232,7 @@
             </a:r>
             <a:endParaRPr lang="en-US" altLang="zh-TW" sz="4800" b="1" dirty="0">
               <a:solidFill>
-                <a:srgbClr val="000066"/>
+                <a:srgbClr val="660033"/>
               </a:solidFill>
               <a:latin typeface="微軟正黑體" pitchFamily="34" charset="-120"/>
               <a:ea typeface="微軟正黑體" pitchFamily="34" charset="-120"/>
@@ -3241,86 +3245,27 @@
             <a:r>
               <a:rPr lang="zh-TW" altLang="en-US" sz="4800" b="1" dirty="0">
                 <a:solidFill>
-                  <a:srgbClr val="000066"/>
+                  <a:srgbClr val="660033"/>
                 </a:solidFill>
                 <a:latin typeface="微軟正黑體" pitchFamily="34" charset="-120"/>
                 <a:ea typeface="微軟正黑體" pitchFamily="34" charset="-120"/>
               </a:rPr>
-              <a:t>我們相</a:t>
-            </a:r>
-            <a:r>
-              <a:rPr lang="zh-TW" altLang="en-US" sz="4800" b="1" dirty="0" smtClean="0">
-                <a:solidFill>
-                  <a:srgbClr val="000066"/>
-                </a:solidFill>
-                <a:latin typeface="微軟正黑體" pitchFamily="34" charset="-120"/>
-                <a:ea typeface="微軟正黑體" pitchFamily="34" charset="-120"/>
-              </a:rPr>
-              <a:t>聚在一起</a:t>
-            </a:r>
-            <a:endParaRPr lang="en-US" altLang="zh-TW" sz="4800" b="1" dirty="0" smtClean="0">
+              <a:t>我們相聚在一起</a:t>
+            </a:r>
+            <a:endParaRPr lang="en-US" altLang="zh-TW" sz="4800" b="1" dirty="0">
               <a:solidFill>
-                <a:srgbClr val="000066"/>
+                <a:srgbClr val="660033"/>
               </a:solidFill>
               <a:latin typeface="微軟正黑體" pitchFamily="34" charset="-120"/>
               <a:ea typeface="微軟正黑體" pitchFamily="34" charset="-120"/>
             </a:endParaRPr>
           </a:p>
-          <a:p>
-            <a:pPr algn="ctr">
-              <a:buNone/>
-            </a:pPr>
-            <a:r>
-              <a:rPr lang="zh-TW" altLang="en-US" sz="4800" b="1" dirty="0" smtClean="0">
-                <a:solidFill>
-                  <a:srgbClr val="000066"/>
-                </a:solidFill>
-                <a:latin typeface="微軟正黑體" pitchFamily="34" charset="-120"/>
-                <a:ea typeface="微軟正黑體" pitchFamily="34" charset="-120"/>
-              </a:rPr>
-              <a:t>神的愛擁抱著我們</a:t>
-            </a:r>
-            <a:endParaRPr lang="en-US" altLang="zh-TW" sz="4800" b="1" dirty="0" smtClean="0">
-              <a:solidFill>
-                <a:srgbClr val="000066"/>
-              </a:solidFill>
-              <a:latin typeface="微軟正黑體" pitchFamily="34" charset="-120"/>
-              <a:ea typeface="微軟正黑體" pitchFamily="34" charset="-120"/>
-            </a:endParaRPr>
-          </a:p>
-          <a:p>
-            <a:pPr algn="ctr">
-              <a:buNone/>
-            </a:pPr>
-            <a:r>
-              <a:rPr lang="zh-TW" altLang="en-US" sz="4800" b="1" dirty="0" smtClean="0">
-                <a:solidFill>
-                  <a:srgbClr val="000066"/>
-                </a:solidFill>
-                <a:latin typeface="微軟正黑體" pitchFamily="34" charset="-120"/>
-                <a:ea typeface="微軟正黑體" pitchFamily="34" charset="-120"/>
-              </a:rPr>
-              <a:t>神的靈充滿這地</a:t>
-            </a:r>
-          </a:p>
-          <a:p>
-            <a:pPr algn="ctr">
-              <a:buNone/>
-            </a:pPr>
-            <a:endParaRPr lang="en-US" altLang="zh-TW" sz="4800" b="1" dirty="0">
-              <a:solidFill>
-                <a:srgbClr val="000066"/>
-              </a:solidFill>
-              <a:latin typeface="微軟正黑體" pitchFamily="34" charset="-120"/>
-              <a:ea typeface="微軟正黑體" pitchFamily="34" charset="-120"/>
-            </a:endParaRPr>
-          </a:p>
         </p:txBody>
       </p:sp>
     </p:spTree>
     <p:extLst>
       <p:ext uri="{BB962C8B-B14F-4D97-AF65-F5344CB8AC3E}">
-        <p14:creationId xmlns:p14="http://schemas.microsoft.com/office/powerpoint/2010/main" xmlns="" val="2438516563"/>
+        <p14:creationId xmlns:p14="http://schemas.microsoft.com/office/powerpoint/2010/main" val="1585967728"/>
       </p:ext>
     </p:extLst>
   </p:cSld>
@@ -3359,8 +3304,8 @@
         </p:nvSpPr>
         <p:spPr>
           <a:xfrm>
-            <a:off x="0" y="714362"/>
-            <a:ext cx="9144000" cy="3929090"/>
+            <a:off x="0" y="1563638"/>
+            <a:ext cx="9144000" cy="1803647"/>
           </a:xfrm>
         </p:spPr>
         <p:txBody>
@@ -3375,16 +3320,16 @@
             <a:r>
               <a:rPr lang="zh-TW" altLang="en-US" sz="4800" b="1" dirty="0">
                 <a:solidFill>
-                  <a:srgbClr val="000066"/>
+                  <a:srgbClr val="660033"/>
                 </a:solidFill>
                 <a:latin typeface="微軟正黑體" pitchFamily="34" charset="-120"/>
                 <a:ea typeface="微軟正黑體" pitchFamily="34" charset="-120"/>
               </a:rPr>
-              <a:t>當稱謝進入祂的門</a:t>
+              <a:t>神的愛擁抱著我們</a:t>
             </a:r>
             <a:endParaRPr lang="en-US" altLang="zh-TW" sz="4800" b="1" dirty="0">
               <a:solidFill>
-                <a:srgbClr val="000066"/>
+                <a:srgbClr val="660033"/>
               </a:solidFill>
               <a:latin typeface="微軟正黑體" pitchFamily="34" charset="-120"/>
               <a:ea typeface="微軟正黑體" pitchFamily="34" charset="-120"/>
@@ -3397,86 +3342,20 @@
             <a:r>
               <a:rPr lang="zh-TW" altLang="en-US" sz="4800" b="1" dirty="0">
                 <a:solidFill>
-                  <a:srgbClr val="000066"/>
+                  <a:srgbClr val="660033"/>
                 </a:solidFill>
                 <a:latin typeface="微軟正黑體" pitchFamily="34" charset="-120"/>
                 <a:ea typeface="微軟正黑體" pitchFamily="34" charset="-120"/>
               </a:rPr>
-              <a:t>當讚美進入祂的</a:t>
-            </a:r>
-            <a:r>
-              <a:rPr lang="zh-TW" altLang="en-US" sz="4800" b="1" dirty="0" smtClean="0">
-                <a:solidFill>
-                  <a:srgbClr val="000066"/>
-                </a:solidFill>
-                <a:latin typeface="微軟正黑體" pitchFamily="34" charset="-120"/>
-                <a:ea typeface="微軟正黑體" pitchFamily="34" charset="-120"/>
-              </a:rPr>
-              <a:t>院</a:t>
-            </a:r>
-            <a:endParaRPr lang="en-US" altLang="zh-TW" sz="4800" b="1" dirty="0" smtClean="0">
-              <a:solidFill>
-                <a:srgbClr val="000066"/>
-              </a:solidFill>
-              <a:latin typeface="微軟正黑體" pitchFamily="34" charset="-120"/>
-              <a:ea typeface="微軟正黑體" pitchFamily="34" charset="-120"/>
-            </a:endParaRPr>
-          </a:p>
-          <a:p>
-            <a:pPr algn="ctr">
-              <a:buNone/>
-            </a:pPr>
-            <a:r>
-              <a:rPr lang="zh-TW" altLang="en-US" sz="4800" b="1" dirty="0" smtClean="0">
-                <a:solidFill>
-                  <a:srgbClr val="000066"/>
-                </a:solidFill>
-                <a:latin typeface="微軟正黑體" pitchFamily="34" charset="-120"/>
-                <a:ea typeface="微軟正黑體" pitchFamily="34" charset="-120"/>
-              </a:rPr>
-              <a:t>擊鼓跳舞揚聲歡呼</a:t>
-            </a:r>
-            <a:endParaRPr lang="en-US" altLang="zh-TW" sz="4800" b="1" dirty="0" smtClean="0">
-              <a:solidFill>
-                <a:srgbClr val="000066"/>
-              </a:solidFill>
-              <a:latin typeface="微軟正黑體" pitchFamily="34" charset="-120"/>
-              <a:ea typeface="微軟正黑體" pitchFamily="34" charset="-120"/>
-            </a:endParaRPr>
-          </a:p>
-          <a:p>
-            <a:pPr algn="ctr">
-              <a:buNone/>
-            </a:pPr>
-            <a:r>
-              <a:rPr lang="zh-TW" altLang="en-US" sz="4800" b="1" dirty="0" smtClean="0">
-                <a:solidFill>
-                  <a:srgbClr val="000066"/>
-                </a:solidFill>
-                <a:latin typeface="微軟正黑體" pitchFamily="34" charset="-120"/>
-                <a:ea typeface="微軟正黑體" pitchFamily="34" charset="-120"/>
-              </a:rPr>
-              <a:t>凡有氣息都要讚美祂</a:t>
-            </a:r>
-          </a:p>
-          <a:p>
-            <a:pPr algn="ctr">
-              <a:buNone/>
-            </a:pPr>
-            <a:endParaRPr lang="en-US" altLang="zh-TW" sz="4800" b="1" dirty="0">
-              <a:solidFill>
-                <a:srgbClr val="000066"/>
-              </a:solidFill>
-              <a:latin typeface="微軟正黑體" pitchFamily="34" charset="-120"/>
-              <a:ea typeface="微軟正黑體" pitchFamily="34" charset="-120"/>
-            </a:endParaRPr>
+              <a:t>神的靈充滿這地</a:t>
+            </a:r>
           </a:p>
         </p:txBody>
       </p:sp>
     </p:spTree>
     <p:extLst>
       <p:ext uri="{BB962C8B-B14F-4D97-AF65-F5344CB8AC3E}">
-        <p14:creationId xmlns:p14="http://schemas.microsoft.com/office/powerpoint/2010/main" xmlns="" val="728952996"/>
+        <p14:creationId xmlns:p14="http://schemas.microsoft.com/office/powerpoint/2010/main" val="3823502468"/>
       </p:ext>
     </p:extLst>
   </p:cSld>
@@ -3515,8 +3394,8 @@
         </p:nvSpPr>
         <p:spPr>
           <a:xfrm>
-            <a:off x="0" y="928676"/>
-            <a:ext cx="9001156" cy="3071834"/>
+            <a:off x="0" y="1563638"/>
+            <a:ext cx="9144000" cy="1803647"/>
           </a:xfrm>
         </p:spPr>
         <p:txBody>
@@ -3531,16 +3410,16 @@
             <a:r>
               <a:rPr lang="zh-TW" altLang="en-US" sz="4800" b="1" dirty="0">
                 <a:solidFill>
-                  <a:srgbClr val="000066"/>
+                  <a:srgbClr val="660033"/>
                 </a:solidFill>
                 <a:latin typeface="微軟正黑體" pitchFamily="34" charset="-120"/>
                 <a:ea typeface="微軟正黑體" pitchFamily="34" charset="-120"/>
               </a:rPr>
-              <a:t>讓讚美從四處響起</a:t>
+              <a:t>當稱謝進入祂的門</a:t>
             </a:r>
             <a:endParaRPr lang="en-US" altLang="zh-TW" sz="4800" b="1" dirty="0">
               <a:solidFill>
-                <a:srgbClr val="000066"/>
+                <a:srgbClr val="660033"/>
               </a:solidFill>
               <a:latin typeface="微軟正黑體" pitchFamily="34" charset="-120"/>
               <a:ea typeface="微軟正黑體" pitchFamily="34" charset="-120"/>
@@ -3553,71 +3432,27 @@
             <a:r>
               <a:rPr lang="zh-TW" altLang="en-US" sz="4800" b="1" dirty="0">
                 <a:solidFill>
-                  <a:srgbClr val="000066"/>
+                  <a:srgbClr val="660033"/>
                 </a:solidFill>
                 <a:latin typeface="微軟正黑體" pitchFamily="34" charset="-120"/>
                 <a:ea typeface="微軟正黑體" pitchFamily="34" charset="-120"/>
               </a:rPr>
-              <a:t>讓音符在空中</a:t>
-            </a:r>
-            <a:r>
-              <a:rPr lang="zh-TW" altLang="en-US" sz="4800" b="1" dirty="0" smtClean="0">
-                <a:solidFill>
-                  <a:srgbClr val="000066"/>
-                </a:solidFill>
-                <a:latin typeface="微軟正黑體" pitchFamily="34" charset="-120"/>
-                <a:ea typeface="微軟正黑體" pitchFamily="34" charset="-120"/>
-              </a:rPr>
-              <a:t>飛舞</a:t>
-            </a:r>
-            <a:endParaRPr lang="en-US" altLang="zh-TW" sz="4800" b="1" dirty="0" smtClean="0">
+              <a:t>當讚美進入祂的院</a:t>
+            </a:r>
+            <a:endParaRPr lang="en-US" altLang="zh-TW" sz="4800" b="1" dirty="0">
               <a:solidFill>
-                <a:srgbClr val="000066"/>
+                <a:srgbClr val="660033"/>
               </a:solidFill>
               <a:latin typeface="微軟正黑體" pitchFamily="34" charset="-120"/>
               <a:ea typeface="微軟正黑體" pitchFamily="34" charset="-120"/>
             </a:endParaRPr>
           </a:p>
-          <a:p>
-            <a:pPr algn="ctr">
-              <a:buNone/>
-            </a:pPr>
-            <a:r>
-              <a:rPr lang="zh-TW" altLang="en-US" sz="4800" b="1" dirty="0" smtClean="0">
-                <a:solidFill>
-                  <a:srgbClr val="000066"/>
-                </a:solidFill>
-                <a:latin typeface="微軟正黑體" pitchFamily="34" charset="-120"/>
-                <a:ea typeface="微軟正黑體" pitchFamily="34" charset="-120"/>
-              </a:rPr>
-              <a:t>讓我們的心向神敞開</a:t>
-            </a:r>
-            <a:endParaRPr lang="en-US" altLang="zh-TW" sz="4800" b="1" dirty="0" smtClean="0">
-              <a:solidFill>
-                <a:srgbClr val="000066"/>
-              </a:solidFill>
-              <a:latin typeface="微軟正黑體" pitchFamily="34" charset="-120"/>
-              <a:ea typeface="微軟正黑體" pitchFamily="34" charset="-120"/>
-            </a:endParaRPr>
-          </a:p>
-          <a:p>
-            <a:pPr algn="ctr">
-              <a:buNone/>
-            </a:pPr>
-            <a:endParaRPr lang="en-US" altLang="zh-TW" sz="4800" b="1" dirty="0">
-              <a:solidFill>
-                <a:srgbClr val="000066"/>
-              </a:solidFill>
-              <a:latin typeface="微軟正黑體" pitchFamily="34" charset="-120"/>
-              <a:ea typeface="微軟正黑體" pitchFamily="34" charset="-120"/>
-            </a:endParaRPr>
-          </a:p>
         </p:txBody>
       </p:sp>
     </p:spTree>
     <p:extLst>
       <p:ext uri="{BB962C8B-B14F-4D97-AF65-F5344CB8AC3E}">
-        <p14:creationId xmlns:p14="http://schemas.microsoft.com/office/powerpoint/2010/main" xmlns="" val="1386078957"/>
+        <p14:creationId xmlns:p14="http://schemas.microsoft.com/office/powerpoint/2010/main" val="1435718244"/>
       </p:ext>
     </p:extLst>
   </p:cSld>
@@ -3656,8 +3491,8 @@
         </p:nvSpPr>
         <p:spPr>
           <a:xfrm>
-            <a:off x="0" y="857238"/>
-            <a:ext cx="9144000" cy="3357586"/>
+            <a:off x="0" y="1563638"/>
+            <a:ext cx="9144000" cy="1803647"/>
           </a:xfrm>
         </p:spPr>
         <p:txBody>
@@ -3672,7 +3507,97 @@
             <a:r>
               <a:rPr lang="zh-TW" altLang="en-US" sz="4800" b="1" dirty="0">
                 <a:solidFill>
-                  <a:srgbClr val="000066"/>
+                  <a:srgbClr val="660033"/>
+                </a:solidFill>
+                <a:latin typeface="微軟正黑體" pitchFamily="34" charset="-120"/>
+                <a:ea typeface="微軟正黑體" pitchFamily="34" charset="-120"/>
+              </a:rPr>
+              <a:t>擊鼓跳舞揚聲歡呼</a:t>
+            </a:r>
+            <a:endParaRPr lang="en-US" altLang="zh-TW" sz="4800" b="1" dirty="0">
+              <a:solidFill>
+                <a:srgbClr val="660033"/>
+              </a:solidFill>
+              <a:latin typeface="微軟正黑體" pitchFamily="34" charset="-120"/>
+              <a:ea typeface="微軟正黑體" pitchFamily="34" charset="-120"/>
+            </a:endParaRPr>
+          </a:p>
+          <a:p>
+            <a:pPr algn="ctr">
+              <a:buNone/>
+            </a:pPr>
+            <a:r>
+              <a:rPr lang="zh-TW" altLang="en-US" sz="4800" b="1" dirty="0">
+                <a:solidFill>
+                  <a:srgbClr val="660033"/>
+                </a:solidFill>
+                <a:latin typeface="微軟正黑體" pitchFamily="34" charset="-120"/>
+                <a:ea typeface="微軟正黑體" pitchFamily="34" charset="-120"/>
+              </a:rPr>
+              <a:t>凡有氣息都要讚美祂</a:t>
+            </a:r>
+          </a:p>
+        </p:txBody>
+      </p:sp>
+    </p:spTree>
+    <p:extLst>
+      <p:ext uri="{BB962C8B-B14F-4D97-AF65-F5344CB8AC3E}">
+        <p14:creationId xmlns:p14="http://schemas.microsoft.com/office/powerpoint/2010/main" val="1395929355"/>
+      </p:ext>
+    </p:extLst>
+  </p:cSld>
+  <p:clrMapOvr>
+    <a:masterClrMapping/>
+  </p:clrMapOvr>
+</p:sld>
+</file>
+
+<file path=ppt/slides/slide6.xml><?xml version="1.0" encoding="utf-8"?>
+<p:sld xmlns:a="http://schemas.openxmlformats.org/drawingml/2006/main" xmlns:r="http://schemas.openxmlformats.org/officeDocument/2006/relationships" xmlns:p="http://schemas.openxmlformats.org/presentationml/2006/main">
+  <p:cSld>
+    <p:spTree>
+      <p:nvGrpSpPr>
+        <p:cNvPr id="1" name=""/>
+        <p:cNvGrpSpPr/>
+        <p:nvPr/>
+      </p:nvGrpSpPr>
+      <p:grpSpPr>
+        <a:xfrm>
+          <a:off x="0" y="0"/>
+          <a:ext cx="0" cy="0"/>
+          <a:chOff x="0" y="0"/>
+          <a:chExt cx="0" cy="0"/>
+        </a:xfrm>
+      </p:grpSpPr>
+      <p:sp>
+        <p:nvSpPr>
+          <p:cNvPr id="5" name="內容版面配置區 4"/>
+          <p:cNvSpPr>
+            <a:spLocks noGrp="1"/>
+          </p:cNvSpPr>
+          <p:nvPr>
+            <p:ph idx="1"/>
+          </p:nvPr>
+        </p:nvSpPr>
+        <p:spPr>
+          <a:xfrm>
+            <a:off x="0" y="1563638"/>
+            <a:ext cx="9144000" cy="1803647"/>
+          </a:xfrm>
+        </p:spPr>
+        <p:txBody>
+          <a:bodyPr anchor="ctr">
+            <a:normAutofit/>
+          </a:bodyPr>
+          <a:lstStyle/>
+          <a:p>
+            <a:pPr algn="ctr">
+              <a:buNone/>
+            </a:pPr>
+            <a:r>
+              <a:rPr lang="zh-TW" altLang="en-US" sz="4800" b="1" dirty="0">
+                <a:solidFill>
+                  <a:srgbClr val="660033"/>
                 </a:solidFill>
                 <a:latin typeface="微軟正黑體" pitchFamily="34" charset="-120"/>
                 <a:ea typeface="微軟正黑體" pitchFamily="34" charset="-120"/>
@@ -3681,7 +3606,7 @@
             </a:r>
             <a:endParaRPr lang="en-US" altLang="zh-TW" sz="4800" b="1" dirty="0">
               <a:solidFill>
-                <a:srgbClr val="000066"/>
+                <a:srgbClr val="660033"/>
               </a:solidFill>
               <a:latin typeface="微軟正黑體" pitchFamily="34" charset="-120"/>
               <a:ea typeface="微軟正黑體" pitchFamily="34" charset="-120"/>
@@ -3694,58 +3619,188 @@
             <a:r>
               <a:rPr lang="zh-TW" altLang="en-US" sz="4800" b="1" dirty="0">
                 <a:solidFill>
-                  <a:srgbClr val="000066"/>
+                  <a:srgbClr val="660033"/>
                 </a:solidFill>
                 <a:latin typeface="微軟正黑體" pitchFamily="34" charset="-120"/>
                 <a:ea typeface="微軟正黑體" pitchFamily="34" charset="-120"/>
               </a:rPr>
-              <a:t>讓音符在空中</a:t>
-            </a:r>
-            <a:r>
-              <a:rPr lang="zh-TW" altLang="en-US" sz="4800" b="1" dirty="0" smtClean="0">
+              <a:t>讓音符在空中飛舞</a:t>
+            </a:r>
+            <a:endParaRPr lang="en-US" altLang="zh-TW" sz="4800" b="1" dirty="0">
+              <a:solidFill>
+                <a:srgbClr val="660033"/>
+              </a:solidFill>
+              <a:latin typeface="微軟正黑體" pitchFamily="34" charset="-120"/>
+              <a:ea typeface="微軟正黑體" pitchFamily="34" charset="-120"/>
+            </a:endParaRPr>
+          </a:p>
+        </p:txBody>
+      </p:sp>
+    </p:spTree>
+    <p:extLst>
+      <p:ext uri="{BB962C8B-B14F-4D97-AF65-F5344CB8AC3E}">
+        <p14:creationId xmlns:p14="http://schemas.microsoft.com/office/powerpoint/2010/main" val="1890492494"/>
+      </p:ext>
+    </p:extLst>
+  </p:cSld>
+  <p:clrMapOvr>
+    <a:masterClrMapping/>
+  </p:clrMapOvr>
+</p:sld>
+</file>
+
+<file path=ppt/slides/slide7.xml><?xml version="1.0" encoding="utf-8"?>
+<p:sld xmlns:a="http://schemas.openxmlformats.org/drawingml/2006/main" xmlns:r="http://schemas.openxmlformats.org/officeDocument/2006/relationships" xmlns:p="http://schemas.openxmlformats.org/presentationml/2006/main">
+  <p:cSld>
+    <p:spTree>
+      <p:nvGrpSpPr>
+        <p:cNvPr id="1" name=""/>
+        <p:cNvGrpSpPr/>
+        <p:nvPr/>
+      </p:nvGrpSpPr>
+      <p:grpSpPr>
+        <a:xfrm>
+          <a:off x="0" y="0"/>
+          <a:ext cx="0" cy="0"/>
+          <a:chOff x="0" y="0"/>
+          <a:chExt cx="0" cy="0"/>
+        </a:xfrm>
+      </p:grpSpPr>
+      <p:sp>
+        <p:nvSpPr>
+          <p:cNvPr id="5" name="內容版面配置區 4"/>
+          <p:cNvSpPr>
+            <a:spLocks noGrp="1"/>
+          </p:cNvSpPr>
+          <p:nvPr>
+            <p:ph idx="1"/>
+          </p:nvPr>
+        </p:nvSpPr>
+        <p:spPr>
+          <a:xfrm>
+            <a:off x="0" y="1563638"/>
+            <a:ext cx="9144000" cy="1803647"/>
+          </a:xfrm>
+        </p:spPr>
+        <p:txBody>
+          <a:bodyPr anchor="ctr">
+            <a:normAutofit/>
+          </a:bodyPr>
+          <a:lstStyle/>
+          <a:p>
+            <a:pPr algn="ctr">
+              <a:buNone/>
+            </a:pPr>
+            <a:r>
+              <a:rPr lang="zh-TW" altLang="en-US" sz="4800" b="1" dirty="0">
                 <a:solidFill>
-                  <a:srgbClr val="000066"/>
+                  <a:srgbClr val="660033"/>
                 </a:solidFill>
                 <a:latin typeface="微軟正黑體" pitchFamily="34" charset="-120"/>
                 <a:ea typeface="微軟正黑體" pitchFamily="34" charset="-120"/>
               </a:rPr>
-              <a:t>飛舞</a:t>
-            </a:r>
-            <a:endParaRPr lang="en-US" altLang="zh-TW" sz="4800" b="1" dirty="0" smtClean="0">
+              <a:t>讓我們的心向神敞開</a:t>
+            </a:r>
+            <a:endParaRPr lang="en-US" altLang="zh-TW" sz="4800" b="1" dirty="0">
               <a:solidFill>
-                <a:srgbClr val="000066"/>
+                <a:srgbClr val="660033"/>
               </a:solidFill>
               <a:latin typeface="微軟正黑體" pitchFamily="34" charset="-120"/>
               <a:ea typeface="微軟正黑體" pitchFamily="34" charset="-120"/>
             </a:endParaRPr>
           </a:p>
+        </p:txBody>
+      </p:sp>
+    </p:spTree>
+    <p:extLst>
+      <p:ext uri="{BB962C8B-B14F-4D97-AF65-F5344CB8AC3E}">
+        <p14:creationId xmlns:p14="http://schemas.microsoft.com/office/powerpoint/2010/main" val="4021098404"/>
+      </p:ext>
+    </p:extLst>
+  </p:cSld>
+  <p:clrMapOvr>
+    <a:masterClrMapping/>
+  </p:clrMapOvr>
+</p:sld>
+</file>
+
+<file path=ppt/slides/slide8.xml><?xml version="1.0" encoding="utf-8"?>
+<p:sld xmlns:a="http://schemas.openxmlformats.org/drawingml/2006/main" xmlns:r="http://schemas.openxmlformats.org/officeDocument/2006/relationships" xmlns:p="http://schemas.openxmlformats.org/presentationml/2006/main">
+  <p:cSld>
+    <p:spTree>
+      <p:nvGrpSpPr>
+        <p:cNvPr id="1" name=""/>
+        <p:cNvGrpSpPr/>
+        <p:nvPr/>
+      </p:nvGrpSpPr>
+      <p:grpSpPr>
+        <a:xfrm>
+          <a:off x="0" y="0"/>
+          <a:ext cx="0" cy="0"/>
+          <a:chOff x="0" y="0"/>
+          <a:chExt cx="0" cy="0"/>
+        </a:xfrm>
+      </p:grpSpPr>
+      <p:sp>
+        <p:nvSpPr>
+          <p:cNvPr id="5" name="內容版面配置區 4"/>
+          <p:cNvSpPr>
+            <a:spLocks noGrp="1"/>
+          </p:cNvSpPr>
+          <p:nvPr>
+            <p:ph idx="1"/>
+          </p:nvPr>
+        </p:nvSpPr>
+        <p:spPr>
+          <a:xfrm>
+            <a:off x="0" y="1563638"/>
+            <a:ext cx="9144000" cy="1803647"/>
+          </a:xfrm>
+        </p:spPr>
+        <p:txBody>
+          <a:bodyPr anchor="ctr">
+            <a:normAutofit/>
+          </a:bodyPr>
+          <a:lstStyle/>
           <a:p>
             <a:pPr algn="ctr">
               <a:buNone/>
             </a:pPr>
             <a:r>
-              <a:rPr lang="zh-TW" altLang="en-US" sz="4800" b="1" dirty="0" smtClean="0">
+              <a:rPr lang="zh-TW" altLang="en-US" sz="4800" b="1" dirty="0">
                 <a:solidFill>
-                  <a:srgbClr val="000066"/>
+                  <a:srgbClr val="660033"/>
                 </a:solidFill>
                 <a:latin typeface="微軟正黑體" pitchFamily="34" charset="-120"/>
                 <a:ea typeface="微軟正黑體" pitchFamily="34" charset="-120"/>
               </a:rPr>
-              <a:t>讓我們的心向神</a:t>
-            </a:r>
-            <a:r>
-              <a:rPr lang="zh-TW" altLang="en-US" sz="4800" b="1" dirty="0" smtClean="0">
+              <a:t>讓讚美從四處響起</a:t>
+            </a:r>
+            <a:endParaRPr lang="en-US" altLang="zh-TW" sz="4800" b="1" dirty="0">
+              <a:solidFill>
+                <a:srgbClr val="660033"/>
+              </a:solidFill>
+              <a:latin typeface="微軟正黑體" pitchFamily="34" charset="-120"/>
+              <a:ea typeface="微軟正黑體" pitchFamily="34" charset="-120"/>
+            </a:endParaRPr>
+          </a:p>
+          <a:p>
+            <a:pPr algn="ctr">
+              <a:buNone/>
+            </a:pPr>
+            <a:r>
+              <a:rPr lang="zh-TW" altLang="en-US" sz="4800" b="1" dirty="0">
                 <a:solidFill>
-                  <a:srgbClr val="000066"/>
+                  <a:srgbClr val="660033"/>
                 </a:solidFill>
                 <a:latin typeface="微軟正黑體" pitchFamily="34" charset="-120"/>
                 <a:ea typeface="微軟正黑體" pitchFamily="34" charset="-120"/>
               </a:rPr>
-              <a:t>敞開</a:t>
-            </a:r>
-            <a:endParaRPr lang="en-US" altLang="zh-TW" sz="4800" b="1" dirty="0" smtClean="0">
+              <a:t>讓音符在空中飛舞</a:t>
+            </a:r>
+            <a:endParaRPr lang="en-US" altLang="zh-TW" sz="4800" b="1" dirty="0">
               <a:solidFill>
-                <a:srgbClr val="000066"/>
+                <a:srgbClr val="660033"/>
               </a:solidFill>
               <a:latin typeface="微軟正黑體" pitchFamily="34" charset="-120"/>
               <a:ea typeface="微軟正黑體" pitchFamily="34" charset="-120"/>
@@ -3756,7 +3811,82 @@
     </p:spTree>
     <p:extLst>
       <p:ext uri="{BB962C8B-B14F-4D97-AF65-F5344CB8AC3E}">
-        <p14:creationId xmlns:p14="http://schemas.microsoft.com/office/powerpoint/2010/main" xmlns="" val="505638012"/>
+        <p14:creationId xmlns:p14="http://schemas.microsoft.com/office/powerpoint/2010/main" val="1871160852"/>
+      </p:ext>
+    </p:extLst>
+  </p:cSld>
+  <p:clrMapOvr>
+    <a:masterClrMapping/>
+  </p:clrMapOvr>
+</p:sld>
+</file>
+
+<file path=ppt/slides/slide9.xml><?xml version="1.0" encoding="utf-8"?>
+<p:sld xmlns:a="http://schemas.openxmlformats.org/drawingml/2006/main" xmlns:r="http://schemas.openxmlformats.org/officeDocument/2006/relationships" xmlns:p="http://schemas.openxmlformats.org/presentationml/2006/main">
+  <p:cSld>
+    <p:spTree>
+      <p:nvGrpSpPr>
+        <p:cNvPr id="1" name=""/>
+        <p:cNvGrpSpPr/>
+        <p:nvPr/>
+      </p:nvGrpSpPr>
+      <p:grpSpPr>
+        <a:xfrm>
+          <a:off x="0" y="0"/>
+          <a:ext cx="0" cy="0"/>
+          <a:chOff x="0" y="0"/>
+          <a:chExt cx="0" cy="0"/>
+        </a:xfrm>
+      </p:grpSpPr>
+      <p:sp>
+        <p:nvSpPr>
+          <p:cNvPr id="5" name="內容版面配置區 4"/>
+          <p:cNvSpPr>
+            <a:spLocks noGrp="1"/>
+          </p:cNvSpPr>
+          <p:nvPr>
+            <p:ph idx="1"/>
+          </p:nvPr>
+        </p:nvSpPr>
+        <p:spPr>
+          <a:xfrm>
+            <a:off x="0" y="1563638"/>
+            <a:ext cx="9144000" cy="1803647"/>
+          </a:xfrm>
+        </p:spPr>
+        <p:txBody>
+          <a:bodyPr anchor="ctr">
+            <a:normAutofit/>
+          </a:bodyPr>
+          <a:lstStyle/>
+          <a:p>
+            <a:pPr algn="ctr">
+              <a:buNone/>
+            </a:pPr>
+            <a:r>
+              <a:rPr lang="zh-TW" altLang="en-US" sz="4800" b="1" dirty="0">
+                <a:solidFill>
+                  <a:srgbClr val="660033"/>
+                </a:solidFill>
+                <a:latin typeface="微軟正黑體" pitchFamily="34" charset="-120"/>
+                <a:ea typeface="微軟正黑體" pitchFamily="34" charset="-120"/>
+              </a:rPr>
+              <a:t>讓我們的心向神敞開</a:t>
+            </a:r>
+            <a:endParaRPr lang="en-US" altLang="zh-TW" sz="4800" b="1" dirty="0">
+              <a:solidFill>
+                <a:srgbClr val="660033"/>
+              </a:solidFill>
+              <a:latin typeface="微軟正黑體" pitchFamily="34" charset="-120"/>
+              <a:ea typeface="微軟正黑體" pitchFamily="34" charset="-120"/>
+            </a:endParaRPr>
+          </a:p>
+        </p:txBody>
+      </p:sp>
+    </p:spTree>
+    <p:extLst>
+      <p:ext uri="{BB962C8B-B14F-4D97-AF65-F5344CB8AC3E}">
+        <p14:creationId xmlns:p14="http://schemas.microsoft.com/office/powerpoint/2010/main" val="635508089"/>
       </p:ext>
     </p:extLst>
   </p:cSld>

--- a/讓讚美飛揚(崇拜版).pptx
+++ b/讓讚美飛揚(崇拜版).pptx
@@ -313,7 +313,7 @@
             <a:fld id="{43378F8F-BD94-40A7-8263-902CAD390152}" type="datetimeFigureOut">
               <a:rPr lang="zh-TW" altLang="en-US" smtClean="0"/>
               <a:pPr/>
-              <a:t>2021/10/9</a:t>
+              <a:t>2022/7/16</a:t>
             </a:fld>
             <a:endParaRPr lang="zh-TW" altLang="en-US"/>
           </a:p>
@@ -480,7 +480,7 @@
             <a:fld id="{43378F8F-BD94-40A7-8263-902CAD390152}" type="datetimeFigureOut">
               <a:rPr lang="zh-TW" altLang="en-US" smtClean="0"/>
               <a:pPr/>
-              <a:t>2021/10/9</a:t>
+              <a:t>2022/7/16</a:t>
             </a:fld>
             <a:endParaRPr lang="zh-TW" altLang="en-US"/>
           </a:p>
@@ -657,7 +657,7 @@
             <a:fld id="{43378F8F-BD94-40A7-8263-902CAD390152}" type="datetimeFigureOut">
               <a:rPr lang="zh-TW" altLang="en-US" smtClean="0"/>
               <a:pPr/>
-              <a:t>2021/10/9</a:t>
+              <a:t>2022/7/16</a:t>
             </a:fld>
             <a:endParaRPr lang="zh-TW" altLang="en-US"/>
           </a:p>
@@ -824,7 +824,7 @@
             <a:fld id="{43378F8F-BD94-40A7-8263-902CAD390152}" type="datetimeFigureOut">
               <a:rPr lang="zh-TW" altLang="en-US" smtClean="0"/>
               <a:pPr/>
-              <a:t>2021/10/9</a:t>
+              <a:t>2022/7/16</a:t>
             </a:fld>
             <a:endParaRPr lang="zh-TW" altLang="en-US"/>
           </a:p>
@@ -1067,7 +1067,7 @@
             <a:fld id="{43378F8F-BD94-40A7-8263-902CAD390152}" type="datetimeFigureOut">
               <a:rPr lang="zh-TW" altLang="en-US" smtClean="0"/>
               <a:pPr/>
-              <a:t>2021/10/9</a:t>
+              <a:t>2022/7/16</a:t>
             </a:fld>
             <a:endParaRPr lang="zh-TW" altLang="en-US"/>
           </a:p>
@@ -1352,7 +1352,7 @@
             <a:fld id="{43378F8F-BD94-40A7-8263-902CAD390152}" type="datetimeFigureOut">
               <a:rPr lang="zh-TW" altLang="en-US" smtClean="0"/>
               <a:pPr/>
-              <a:t>2021/10/9</a:t>
+              <a:t>2022/7/16</a:t>
             </a:fld>
             <a:endParaRPr lang="zh-TW" altLang="en-US"/>
           </a:p>
@@ -1771,7 +1771,7 @@
             <a:fld id="{43378F8F-BD94-40A7-8263-902CAD390152}" type="datetimeFigureOut">
               <a:rPr lang="zh-TW" altLang="en-US" smtClean="0"/>
               <a:pPr/>
-              <a:t>2021/10/9</a:t>
+              <a:t>2022/7/16</a:t>
             </a:fld>
             <a:endParaRPr lang="zh-TW" altLang="en-US"/>
           </a:p>
@@ -1886,7 +1886,7 @@
             <a:fld id="{43378F8F-BD94-40A7-8263-902CAD390152}" type="datetimeFigureOut">
               <a:rPr lang="zh-TW" altLang="en-US" smtClean="0"/>
               <a:pPr/>
-              <a:t>2021/10/9</a:t>
+              <a:t>2022/7/16</a:t>
             </a:fld>
             <a:endParaRPr lang="zh-TW" altLang="en-US"/>
           </a:p>
@@ -1978,7 +1978,7 @@
             <a:fld id="{43378F8F-BD94-40A7-8263-902CAD390152}" type="datetimeFigureOut">
               <a:rPr lang="zh-TW" altLang="en-US" smtClean="0"/>
               <a:pPr/>
-              <a:t>2021/10/9</a:t>
+              <a:t>2022/7/16</a:t>
             </a:fld>
             <a:endParaRPr lang="zh-TW" altLang="en-US"/>
           </a:p>
@@ -2252,7 +2252,7 @@
             <a:fld id="{43378F8F-BD94-40A7-8263-902CAD390152}" type="datetimeFigureOut">
               <a:rPr lang="zh-TW" altLang="en-US" smtClean="0"/>
               <a:pPr/>
-              <a:t>2021/10/9</a:t>
+              <a:t>2022/7/16</a:t>
             </a:fld>
             <a:endParaRPr lang="zh-TW" altLang="en-US"/>
           </a:p>
@@ -2506,7 +2506,7 @@
             <a:fld id="{43378F8F-BD94-40A7-8263-902CAD390152}" type="datetimeFigureOut">
               <a:rPr lang="zh-TW" altLang="en-US" smtClean="0"/>
               <a:pPr/>
-              <a:t>2021/10/9</a:t>
+              <a:t>2022/7/16</a:t>
             </a:fld>
             <a:endParaRPr lang="zh-TW" altLang="en-US"/>
           </a:p>
@@ -2721,7 +2721,7 @@
             <a:fld id="{43378F8F-BD94-40A7-8263-902CAD390152}" type="datetimeFigureOut">
               <a:rPr lang="zh-TW" altLang="en-US" smtClean="0"/>
               <a:pPr/>
-              <a:t>2021/10/9</a:t>
+              <a:t>2022/7/16</a:t>
             </a:fld>
             <a:endParaRPr lang="zh-TW" altLang="en-US"/>
           </a:p>
@@ -3262,6 +3262,68 @@
           </a:p>
         </p:txBody>
       </p:sp>
+      <p:sp>
+        <p:nvSpPr>
+          <p:cNvPr id="3" name="TextBox 2"/>
+          <p:cNvSpPr txBox="1"/>
+          <p:nvPr/>
+        </p:nvSpPr>
+        <p:spPr>
+          <a:xfrm>
+            <a:off x="0" y="3867894"/>
+            <a:ext cx="9144000" cy="584775"/>
+          </a:xfrm>
+          <a:prstGeom prst="rect">
+            <a:avLst/>
+          </a:prstGeom>
+          <a:noFill/>
+        </p:spPr>
+        <p:txBody>
+          <a:bodyPr wrap="square" rtlCol="0">
+            <a:spAutoFit/>
+          </a:bodyPr>
+          <a:lstStyle/>
+          <a:p>
+            <a:pPr algn="ctr"/>
+            <a:r>
+              <a:rPr lang="en-US" sz="3200" b="1" dirty="0" smtClean="0">
+                <a:solidFill>
+                  <a:srgbClr val="660033"/>
+                </a:solidFill>
+                <a:latin typeface="Microsoft JhengHei" panose="020B0604030504040204" pitchFamily="34" charset="-120"/>
+                <a:ea typeface="Microsoft JhengHei" panose="020B0604030504040204" pitchFamily="34" charset="-120"/>
+              </a:rPr>
+              <a:t>( </a:t>
+            </a:r>
+            <a:r>
+              <a:rPr lang="zh-CN" altLang="en-US" sz="3200" b="1" dirty="0" smtClean="0">
+                <a:solidFill>
+                  <a:srgbClr val="660033"/>
+                </a:solidFill>
+                <a:latin typeface="Microsoft JhengHei" panose="020B0604030504040204" pitchFamily="34" charset="-120"/>
+                <a:ea typeface="Microsoft JhengHei" panose="020B0604030504040204" pitchFamily="34" charset="-120"/>
+              </a:rPr>
+              <a:t>正</a:t>
+            </a:r>
+            <a:r>
+              <a:rPr lang="en-US" sz="3200" b="1" dirty="0" smtClean="0">
+                <a:solidFill>
+                  <a:srgbClr val="660033"/>
+                </a:solidFill>
+                <a:latin typeface="Microsoft JhengHei" panose="020B0604030504040204" pitchFamily="34" charset="-120"/>
+                <a:ea typeface="Microsoft JhengHei" panose="020B0604030504040204" pitchFamily="34" charset="-120"/>
+              </a:rPr>
+              <a:t> )</a:t>
+            </a:r>
+            <a:endParaRPr lang="vi-VN" sz="3200" b="1" dirty="0">
+              <a:solidFill>
+                <a:srgbClr val="660033"/>
+              </a:solidFill>
+              <a:ea typeface="Microsoft JhengHei" panose="020B0604030504040204" pitchFamily="34" charset="-120"/>
+            </a:endParaRPr>
+          </a:p>
+        </p:txBody>
+      </p:sp>
     </p:spTree>
     <p:extLst>
       <p:ext uri="{BB962C8B-B14F-4D97-AF65-F5344CB8AC3E}">
@@ -3352,6 +3414,68 @@
           </a:p>
         </p:txBody>
       </p:sp>
+      <p:sp>
+        <p:nvSpPr>
+          <p:cNvPr id="3" name="TextBox 2"/>
+          <p:cNvSpPr txBox="1"/>
+          <p:nvPr/>
+        </p:nvSpPr>
+        <p:spPr>
+          <a:xfrm>
+            <a:off x="0" y="3867894"/>
+            <a:ext cx="9144000" cy="584775"/>
+          </a:xfrm>
+          <a:prstGeom prst="rect">
+            <a:avLst/>
+          </a:prstGeom>
+          <a:noFill/>
+        </p:spPr>
+        <p:txBody>
+          <a:bodyPr wrap="square" rtlCol="0">
+            <a:spAutoFit/>
+          </a:bodyPr>
+          <a:lstStyle/>
+          <a:p>
+            <a:pPr algn="ctr"/>
+            <a:r>
+              <a:rPr lang="en-US" sz="3200" b="1" dirty="0" smtClean="0">
+                <a:solidFill>
+                  <a:srgbClr val="660033"/>
+                </a:solidFill>
+                <a:latin typeface="Microsoft JhengHei" panose="020B0604030504040204" pitchFamily="34" charset="-120"/>
+                <a:ea typeface="Microsoft JhengHei" panose="020B0604030504040204" pitchFamily="34" charset="-120"/>
+              </a:rPr>
+              <a:t>( </a:t>
+            </a:r>
+            <a:r>
+              <a:rPr lang="zh-CN" altLang="en-US" sz="3200" b="1" dirty="0" smtClean="0">
+                <a:solidFill>
+                  <a:srgbClr val="660033"/>
+                </a:solidFill>
+                <a:latin typeface="Microsoft JhengHei" panose="020B0604030504040204" pitchFamily="34" charset="-120"/>
+                <a:ea typeface="Microsoft JhengHei" panose="020B0604030504040204" pitchFamily="34" charset="-120"/>
+              </a:rPr>
+              <a:t>正</a:t>
+            </a:r>
+            <a:r>
+              <a:rPr lang="en-US" sz="3200" b="1" dirty="0" smtClean="0">
+                <a:solidFill>
+                  <a:srgbClr val="660033"/>
+                </a:solidFill>
+                <a:latin typeface="Microsoft JhengHei" panose="020B0604030504040204" pitchFamily="34" charset="-120"/>
+                <a:ea typeface="Microsoft JhengHei" panose="020B0604030504040204" pitchFamily="34" charset="-120"/>
+              </a:rPr>
+              <a:t> )</a:t>
+            </a:r>
+            <a:endParaRPr lang="vi-VN" sz="3200" b="1" dirty="0">
+              <a:solidFill>
+                <a:srgbClr val="660033"/>
+              </a:solidFill>
+              <a:ea typeface="Microsoft JhengHei" panose="020B0604030504040204" pitchFamily="34" charset="-120"/>
+            </a:endParaRPr>
+          </a:p>
+        </p:txBody>
+      </p:sp>
     </p:spTree>
     <p:extLst>
       <p:ext uri="{BB962C8B-B14F-4D97-AF65-F5344CB8AC3E}">
@@ -3449,6 +3573,68 @@
           </a:p>
         </p:txBody>
       </p:sp>
+      <p:sp>
+        <p:nvSpPr>
+          <p:cNvPr id="3" name="TextBox 2"/>
+          <p:cNvSpPr txBox="1"/>
+          <p:nvPr/>
+        </p:nvSpPr>
+        <p:spPr>
+          <a:xfrm>
+            <a:off x="0" y="3867894"/>
+            <a:ext cx="9144000" cy="584775"/>
+          </a:xfrm>
+          <a:prstGeom prst="rect">
+            <a:avLst/>
+          </a:prstGeom>
+          <a:noFill/>
+        </p:spPr>
+        <p:txBody>
+          <a:bodyPr wrap="square" rtlCol="0">
+            <a:spAutoFit/>
+          </a:bodyPr>
+          <a:lstStyle/>
+          <a:p>
+            <a:pPr algn="ctr"/>
+            <a:r>
+              <a:rPr lang="en-US" sz="3200" b="1" dirty="0" smtClean="0">
+                <a:solidFill>
+                  <a:srgbClr val="660033"/>
+                </a:solidFill>
+                <a:latin typeface="Microsoft JhengHei" panose="020B0604030504040204" pitchFamily="34" charset="-120"/>
+                <a:ea typeface="Microsoft JhengHei" panose="020B0604030504040204" pitchFamily="34" charset="-120"/>
+              </a:rPr>
+              <a:t>( </a:t>
+            </a:r>
+            <a:r>
+              <a:rPr lang="zh-CN" altLang="en-US" sz="3200" b="1" dirty="0" smtClean="0">
+                <a:solidFill>
+                  <a:srgbClr val="660033"/>
+                </a:solidFill>
+                <a:latin typeface="Microsoft JhengHei" panose="020B0604030504040204" pitchFamily="34" charset="-120"/>
+                <a:ea typeface="Microsoft JhengHei" panose="020B0604030504040204" pitchFamily="34" charset="-120"/>
+              </a:rPr>
+              <a:t>正</a:t>
+            </a:r>
+            <a:r>
+              <a:rPr lang="en-US" sz="3200" b="1" dirty="0" smtClean="0">
+                <a:solidFill>
+                  <a:srgbClr val="660033"/>
+                </a:solidFill>
+                <a:latin typeface="Microsoft JhengHei" panose="020B0604030504040204" pitchFamily="34" charset="-120"/>
+                <a:ea typeface="Microsoft JhengHei" panose="020B0604030504040204" pitchFamily="34" charset="-120"/>
+              </a:rPr>
+              <a:t> )</a:t>
+            </a:r>
+            <a:endParaRPr lang="vi-VN" sz="3200" b="1" dirty="0">
+              <a:solidFill>
+                <a:srgbClr val="660033"/>
+              </a:solidFill>
+              <a:ea typeface="Microsoft JhengHei" panose="020B0604030504040204" pitchFamily="34" charset="-120"/>
+            </a:endParaRPr>
+          </a:p>
+        </p:txBody>
+      </p:sp>
     </p:spTree>
     <p:extLst>
       <p:ext uri="{BB962C8B-B14F-4D97-AF65-F5344CB8AC3E}">
@@ -3539,6 +3725,68 @@
           </a:p>
         </p:txBody>
       </p:sp>
+      <p:sp>
+        <p:nvSpPr>
+          <p:cNvPr id="3" name="TextBox 2"/>
+          <p:cNvSpPr txBox="1"/>
+          <p:nvPr/>
+        </p:nvSpPr>
+        <p:spPr>
+          <a:xfrm>
+            <a:off x="0" y="3867894"/>
+            <a:ext cx="9144000" cy="584775"/>
+          </a:xfrm>
+          <a:prstGeom prst="rect">
+            <a:avLst/>
+          </a:prstGeom>
+          <a:noFill/>
+        </p:spPr>
+        <p:txBody>
+          <a:bodyPr wrap="square" rtlCol="0">
+            <a:spAutoFit/>
+          </a:bodyPr>
+          <a:lstStyle/>
+          <a:p>
+            <a:pPr algn="ctr"/>
+            <a:r>
+              <a:rPr lang="en-US" sz="3200" b="1" dirty="0" smtClean="0">
+                <a:solidFill>
+                  <a:srgbClr val="660033"/>
+                </a:solidFill>
+                <a:latin typeface="Microsoft JhengHei" panose="020B0604030504040204" pitchFamily="34" charset="-120"/>
+                <a:ea typeface="Microsoft JhengHei" panose="020B0604030504040204" pitchFamily="34" charset="-120"/>
+              </a:rPr>
+              <a:t>( </a:t>
+            </a:r>
+            <a:r>
+              <a:rPr lang="zh-CN" altLang="en-US" sz="3200" b="1" dirty="0" smtClean="0">
+                <a:solidFill>
+                  <a:srgbClr val="660033"/>
+                </a:solidFill>
+                <a:latin typeface="Microsoft JhengHei" panose="020B0604030504040204" pitchFamily="34" charset="-120"/>
+                <a:ea typeface="Microsoft JhengHei" panose="020B0604030504040204" pitchFamily="34" charset="-120"/>
+              </a:rPr>
+              <a:t>正</a:t>
+            </a:r>
+            <a:r>
+              <a:rPr lang="en-US" sz="3200" b="1" dirty="0" smtClean="0">
+                <a:solidFill>
+                  <a:srgbClr val="660033"/>
+                </a:solidFill>
+                <a:latin typeface="Microsoft JhengHei" panose="020B0604030504040204" pitchFamily="34" charset="-120"/>
+                <a:ea typeface="Microsoft JhengHei" panose="020B0604030504040204" pitchFamily="34" charset="-120"/>
+              </a:rPr>
+              <a:t> )</a:t>
+            </a:r>
+            <a:endParaRPr lang="vi-VN" sz="3200" b="1" dirty="0">
+              <a:solidFill>
+                <a:srgbClr val="660033"/>
+              </a:solidFill>
+              <a:ea typeface="Microsoft JhengHei" panose="020B0604030504040204" pitchFamily="34" charset="-120"/>
+            </a:endParaRPr>
+          </a:p>
+        </p:txBody>
+      </p:sp>
     </p:spTree>
     <p:extLst>
       <p:ext uri="{BB962C8B-B14F-4D97-AF65-F5344CB8AC3E}">
@@ -3636,6 +3884,78 @@
           </a:p>
         </p:txBody>
       </p:sp>
+      <p:sp>
+        <p:nvSpPr>
+          <p:cNvPr id="3" name="TextBox 2"/>
+          <p:cNvSpPr txBox="1"/>
+          <p:nvPr/>
+        </p:nvSpPr>
+        <p:spPr>
+          <a:xfrm>
+            <a:off x="0" y="3867894"/>
+            <a:ext cx="9144000" cy="584775"/>
+          </a:xfrm>
+          <a:prstGeom prst="rect">
+            <a:avLst/>
+          </a:prstGeom>
+          <a:noFill/>
+        </p:spPr>
+        <p:txBody>
+          <a:bodyPr wrap="square" rtlCol="0">
+            <a:spAutoFit/>
+          </a:bodyPr>
+          <a:lstStyle/>
+          <a:p>
+            <a:pPr algn="ctr"/>
+            <a:r>
+              <a:rPr lang="en-US" sz="3200" b="1" dirty="0" smtClean="0">
+                <a:solidFill>
+                  <a:srgbClr val="660033"/>
+                </a:solidFill>
+                <a:latin typeface="Microsoft JhengHei" panose="020B0604030504040204" pitchFamily="34" charset="-120"/>
+                <a:ea typeface="Microsoft JhengHei" panose="020B0604030504040204" pitchFamily="34" charset="-120"/>
+              </a:rPr>
+              <a:t>( </a:t>
+            </a:r>
+            <a:r>
+              <a:rPr lang="zh-CN" altLang="en-US" sz="3200" b="1" dirty="0" smtClean="0">
+                <a:solidFill>
+                  <a:srgbClr val="660033"/>
+                </a:solidFill>
+                <a:latin typeface="Microsoft JhengHei" panose="020B0604030504040204" pitchFamily="34" charset="-120"/>
+                <a:ea typeface="Microsoft JhengHei" panose="020B0604030504040204" pitchFamily="34" charset="-120"/>
+              </a:rPr>
+              <a:t>副</a:t>
+            </a:r>
+            <a:r>
+              <a:rPr lang="en-US" sz="3200" b="1" dirty="0" smtClean="0">
+                <a:solidFill>
+                  <a:srgbClr val="660033"/>
+                </a:solidFill>
+                <a:latin typeface="Microsoft JhengHei" panose="020B0604030504040204" pitchFamily="34" charset="-120"/>
+                <a:ea typeface="Microsoft JhengHei" panose="020B0604030504040204" pitchFamily="34" charset="-120"/>
+              </a:rPr>
+              <a:t> </a:t>
+            </a:r>
+            <a:r>
+              <a:rPr lang="en-US" sz="3200" b="1" dirty="0" smtClean="0">
+                <a:solidFill>
+                  <a:srgbClr val="660033"/>
+                </a:solidFill>
+                <a:latin typeface="Microsoft JhengHei" panose="020B0604030504040204" pitchFamily="34" charset="-120"/>
+                <a:ea typeface="Microsoft JhengHei" panose="020B0604030504040204" pitchFamily="34" charset="-120"/>
+              </a:rPr>
+              <a:t>)</a:t>
+            </a:r>
+            <a:endParaRPr lang="vi-VN" sz="3200" b="1" dirty="0">
+              <a:solidFill>
+                <a:srgbClr val="660033"/>
+              </a:solidFill>
+              <a:ea typeface="Microsoft JhengHei" panose="020B0604030504040204" pitchFamily="34" charset="-120"/>
+            </a:endParaRPr>
+          </a:p>
+        </p:txBody>
+      </p:sp>
     </p:spTree>
     <p:extLst>
       <p:ext uri="{BB962C8B-B14F-4D97-AF65-F5344CB8AC3E}">
@@ -3711,6 +4031,78 @@
           </a:p>
         </p:txBody>
       </p:sp>
+      <p:sp>
+        <p:nvSpPr>
+          <p:cNvPr id="3" name="TextBox 2"/>
+          <p:cNvSpPr txBox="1"/>
+          <p:nvPr/>
+        </p:nvSpPr>
+        <p:spPr>
+          <a:xfrm>
+            <a:off x="0" y="3867894"/>
+            <a:ext cx="9144000" cy="584775"/>
+          </a:xfrm>
+          <a:prstGeom prst="rect">
+            <a:avLst/>
+          </a:prstGeom>
+          <a:noFill/>
+        </p:spPr>
+        <p:txBody>
+          <a:bodyPr wrap="square" rtlCol="0">
+            <a:spAutoFit/>
+          </a:bodyPr>
+          <a:lstStyle/>
+          <a:p>
+            <a:pPr algn="ctr"/>
+            <a:r>
+              <a:rPr lang="en-US" sz="3200" b="1" dirty="0" smtClean="0">
+                <a:solidFill>
+                  <a:srgbClr val="660033"/>
+                </a:solidFill>
+                <a:latin typeface="Microsoft JhengHei" panose="020B0604030504040204" pitchFamily="34" charset="-120"/>
+                <a:ea typeface="Microsoft JhengHei" panose="020B0604030504040204" pitchFamily="34" charset="-120"/>
+              </a:rPr>
+              <a:t>( </a:t>
+            </a:r>
+            <a:r>
+              <a:rPr lang="zh-CN" altLang="en-US" sz="3200" b="1" dirty="0" smtClean="0">
+                <a:solidFill>
+                  <a:srgbClr val="660033"/>
+                </a:solidFill>
+                <a:latin typeface="Microsoft JhengHei" panose="020B0604030504040204" pitchFamily="34" charset="-120"/>
+                <a:ea typeface="Microsoft JhengHei" panose="020B0604030504040204" pitchFamily="34" charset="-120"/>
+              </a:rPr>
+              <a:t>副</a:t>
+            </a:r>
+            <a:r>
+              <a:rPr lang="en-US" sz="3200" b="1" dirty="0" smtClean="0">
+                <a:solidFill>
+                  <a:srgbClr val="660033"/>
+                </a:solidFill>
+                <a:latin typeface="Microsoft JhengHei" panose="020B0604030504040204" pitchFamily="34" charset="-120"/>
+                <a:ea typeface="Microsoft JhengHei" panose="020B0604030504040204" pitchFamily="34" charset="-120"/>
+              </a:rPr>
+              <a:t> </a:t>
+            </a:r>
+            <a:r>
+              <a:rPr lang="en-US" sz="3200" b="1" dirty="0" smtClean="0">
+                <a:solidFill>
+                  <a:srgbClr val="660033"/>
+                </a:solidFill>
+                <a:latin typeface="Microsoft JhengHei" panose="020B0604030504040204" pitchFamily="34" charset="-120"/>
+                <a:ea typeface="Microsoft JhengHei" panose="020B0604030504040204" pitchFamily="34" charset="-120"/>
+              </a:rPr>
+              <a:t>)</a:t>
+            </a:r>
+            <a:endParaRPr lang="vi-VN" sz="3200" b="1" dirty="0">
+              <a:solidFill>
+                <a:srgbClr val="660033"/>
+              </a:solidFill>
+              <a:ea typeface="Microsoft JhengHei" panose="020B0604030504040204" pitchFamily="34" charset="-120"/>
+            </a:endParaRPr>
+          </a:p>
+        </p:txBody>
+      </p:sp>
     </p:spTree>
     <p:extLst>
       <p:ext uri="{BB962C8B-B14F-4D97-AF65-F5344CB8AC3E}">
@@ -3808,6 +4200,78 @@
           </a:p>
         </p:txBody>
       </p:sp>
+      <p:sp>
+        <p:nvSpPr>
+          <p:cNvPr id="3" name="TextBox 2"/>
+          <p:cNvSpPr txBox="1"/>
+          <p:nvPr/>
+        </p:nvSpPr>
+        <p:spPr>
+          <a:xfrm>
+            <a:off x="0" y="3867894"/>
+            <a:ext cx="9144000" cy="584775"/>
+          </a:xfrm>
+          <a:prstGeom prst="rect">
+            <a:avLst/>
+          </a:prstGeom>
+          <a:noFill/>
+        </p:spPr>
+        <p:txBody>
+          <a:bodyPr wrap="square" rtlCol="0">
+            <a:spAutoFit/>
+          </a:bodyPr>
+          <a:lstStyle/>
+          <a:p>
+            <a:pPr algn="ctr"/>
+            <a:r>
+              <a:rPr lang="en-US" sz="3200" b="1" dirty="0" smtClean="0">
+                <a:solidFill>
+                  <a:srgbClr val="660033"/>
+                </a:solidFill>
+                <a:latin typeface="Microsoft JhengHei" panose="020B0604030504040204" pitchFamily="34" charset="-120"/>
+                <a:ea typeface="Microsoft JhengHei" panose="020B0604030504040204" pitchFamily="34" charset="-120"/>
+              </a:rPr>
+              <a:t>( </a:t>
+            </a:r>
+            <a:r>
+              <a:rPr lang="zh-CN" altLang="en-US" sz="3200" b="1" dirty="0" smtClean="0">
+                <a:solidFill>
+                  <a:srgbClr val="660033"/>
+                </a:solidFill>
+                <a:latin typeface="Microsoft JhengHei" panose="020B0604030504040204" pitchFamily="34" charset="-120"/>
+                <a:ea typeface="Microsoft JhengHei" panose="020B0604030504040204" pitchFamily="34" charset="-120"/>
+              </a:rPr>
+              <a:t>副</a:t>
+            </a:r>
+            <a:r>
+              <a:rPr lang="en-US" sz="3200" b="1" dirty="0" smtClean="0">
+                <a:solidFill>
+                  <a:srgbClr val="660033"/>
+                </a:solidFill>
+                <a:latin typeface="Microsoft JhengHei" panose="020B0604030504040204" pitchFamily="34" charset="-120"/>
+                <a:ea typeface="Microsoft JhengHei" panose="020B0604030504040204" pitchFamily="34" charset="-120"/>
+              </a:rPr>
+              <a:t> </a:t>
+            </a:r>
+            <a:r>
+              <a:rPr lang="en-US" sz="3200" b="1" dirty="0" smtClean="0">
+                <a:solidFill>
+                  <a:srgbClr val="660033"/>
+                </a:solidFill>
+                <a:latin typeface="Microsoft JhengHei" panose="020B0604030504040204" pitchFamily="34" charset="-120"/>
+                <a:ea typeface="Microsoft JhengHei" panose="020B0604030504040204" pitchFamily="34" charset="-120"/>
+              </a:rPr>
+              <a:t>)</a:t>
+            </a:r>
+            <a:endParaRPr lang="vi-VN" sz="3200" b="1" dirty="0">
+              <a:solidFill>
+                <a:srgbClr val="660033"/>
+              </a:solidFill>
+              <a:ea typeface="Microsoft JhengHei" panose="020B0604030504040204" pitchFamily="34" charset="-120"/>
+            </a:endParaRPr>
+          </a:p>
+        </p:txBody>
+      </p:sp>
     </p:spTree>
     <p:extLst>
       <p:ext uri="{BB962C8B-B14F-4D97-AF65-F5344CB8AC3E}">
@@ -3879,6 +4343,78 @@
               </a:solidFill>
               <a:latin typeface="微軟正黑體" pitchFamily="34" charset="-120"/>
               <a:ea typeface="微軟正黑體" pitchFamily="34" charset="-120"/>
+            </a:endParaRPr>
+          </a:p>
+        </p:txBody>
+      </p:sp>
+      <p:sp>
+        <p:nvSpPr>
+          <p:cNvPr id="3" name="TextBox 2"/>
+          <p:cNvSpPr txBox="1"/>
+          <p:nvPr/>
+        </p:nvSpPr>
+        <p:spPr>
+          <a:xfrm>
+            <a:off x="0" y="3867894"/>
+            <a:ext cx="9144000" cy="584775"/>
+          </a:xfrm>
+          <a:prstGeom prst="rect">
+            <a:avLst/>
+          </a:prstGeom>
+          <a:noFill/>
+        </p:spPr>
+        <p:txBody>
+          <a:bodyPr wrap="square" rtlCol="0">
+            <a:spAutoFit/>
+          </a:bodyPr>
+          <a:lstStyle/>
+          <a:p>
+            <a:pPr algn="ctr"/>
+            <a:r>
+              <a:rPr lang="en-US" sz="3200" b="1" dirty="0" smtClean="0">
+                <a:solidFill>
+                  <a:srgbClr val="660033"/>
+                </a:solidFill>
+                <a:latin typeface="Microsoft JhengHei" panose="020B0604030504040204" pitchFamily="34" charset="-120"/>
+                <a:ea typeface="Microsoft JhengHei" panose="020B0604030504040204" pitchFamily="34" charset="-120"/>
+              </a:rPr>
+              <a:t>( </a:t>
+            </a:r>
+            <a:r>
+              <a:rPr lang="zh-CN" altLang="en-US" sz="3200" b="1" dirty="0" smtClean="0">
+                <a:solidFill>
+                  <a:srgbClr val="660033"/>
+                </a:solidFill>
+                <a:latin typeface="Microsoft JhengHei" panose="020B0604030504040204" pitchFamily="34" charset="-120"/>
+                <a:ea typeface="Microsoft JhengHei" panose="020B0604030504040204" pitchFamily="34" charset="-120"/>
+              </a:rPr>
+              <a:t>副</a:t>
+            </a:r>
+            <a:r>
+              <a:rPr lang="en-US" sz="3200" b="1" dirty="0" smtClean="0">
+                <a:solidFill>
+                  <a:srgbClr val="660033"/>
+                </a:solidFill>
+                <a:latin typeface="Microsoft JhengHei" panose="020B0604030504040204" pitchFamily="34" charset="-120"/>
+                <a:ea typeface="Microsoft JhengHei" panose="020B0604030504040204" pitchFamily="34" charset="-120"/>
+              </a:rPr>
+              <a:t> </a:t>
+            </a:r>
+            <a:r>
+              <a:rPr lang="en-US" sz="3200" b="1" dirty="0" smtClean="0">
+                <a:solidFill>
+                  <a:srgbClr val="660033"/>
+                </a:solidFill>
+                <a:latin typeface="Microsoft JhengHei" panose="020B0604030504040204" pitchFamily="34" charset="-120"/>
+                <a:ea typeface="Microsoft JhengHei" panose="020B0604030504040204" pitchFamily="34" charset="-120"/>
+              </a:rPr>
+              <a:t>)</a:t>
+            </a:r>
+            <a:endParaRPr lang="vi-VN" sz="3200" b="1" dirty="0">
+              <a:solidFill>
+                <a:srgbClr val="660033"/>
+              </a:solidFill>
+              <a:ea typeface="Microsoft JhengHei" panose="020B0604030504040204" pitchFamily="34" charset="-120"/>
             </a:endParaRPr>
           </a:p>
         </p:txBody>

--- a/讓讚美飛揚(崇拜版).pptx
+++ b/讓讚美飛揚(崇拜版).pptx
@@ -313,7 +313,7 @@
             <a:fld id="{43378F8F-BD94-40A7-8263-902CAD390152}" type="datetimeFigureOut">
               <a:rPr lang="zh-TW" altLang="en-US" smtClean="0"/>
               <a:pPr/>
-              <a:t>2022/7/16</a:t>
+              <a:t>2023/2/4</a:t>
             </a:fld>
             <a:endParaRPr lang="zh-TW" altLang="en-US"/>
           </a:p>
@@ -480,7 +480,7 @@
             <a:fld id="{43378F8F-BD94-40A7-8263-902CAD390152}" type="datetimeFigureOut">
               <a:rPr lang="zh-TW" altLang="en-US" smtClean="0"/>
               <a:pPr/>
-              <a:t>2022/7/16</a:t>
+              <a:t>2023/2/4</a:t>
             </a:fld>
             <a:endParaRPr lang="zh-TW" altLang="en-US"/>
           </a:p>
@@ -657,7 +657,7 @@
             <a:fld id="{43378F8F-BD94-40A7-8263-902CAD390152}" type="datetimeFigureOut">
               <a:rPr lang="zh-TW" altLang="en-US" smtClean="0"/>
               <a:pPr/>
-              <a:t>2022/7/16</a:t>
+              <a:t>2023/2/4</a:t>
             </a:fld>
             <a:endParaRPr lang="zh-TW" altLang="en-US"/>
           </a:p>
@@ -824,7 +824,7 @@
             <a:fld id="{43378F8F-BD94-40A7-8263-902CAD390152}" type="datetimeFigureOut">
               <a:rPr lang="zh-TW" altLang="en-US" smtClean="0"/>
               <a:pPr/>
-              <a:t>2022/7/16</a:t>
+              <a:t>2023/2/4</a:t>
             </a:fld>
             <a:endParaRPr lang="zh-TW" altLang="en-US"/>
           </a:p>
@@ -1067,7 +1067,7 @@
             <a:fld id="{43378F8F-BD94-40A7-8263-902CAD390152}" type="datetimeFigureOut">
               <a:rPr lang="zh-TW" altLang="en-US" smtClean="0"/>
               <a:pPr/>
-              <a:t>2022/7/16</a:t>
+              <a:t>2023/2/4</a:t>
             </a:fld>
             <a:endParaRPr lang="zh-TW" altLang="en-US"/>
           </a:p>
@@ -1352,7 +1352,7 @@
             <a:fld id="{43378F8F-BD94-40A7-8263-902CAD390152}" type="datetimeFigureOut">
               <a:rPr lang="zh-TW" altLang="en-US" smtClean="0"/>
               <a:pPr/>
-              <a:t>2022/7/16</a:t>
+              <a:t>2023/2/4</a:t>
             </a:fld>
             <a:endParaRPr lang="zh-TW" altLang="en-US"/>
           </a:p>
@@ -1771,7 +1771,7 @@
             <a:fld id="{43378F8F-BD94-40A7-8263-902CAD390152}" type="datetimeFigureOut">
               <a:rPr lang="zh-TW" altLang="en-US" smtClean="0"/>
               <a:pPr/>
-              <a:t>2022/7/16</a:t>
+              <a:t>2023/2/4</a:t>
             </a:fld>
             <a:endParaRPr lang="zh-TW" altLang="en-US"/>
           </a:p>
@@ -1886,7 +1886,7 @@
             <a:fld id="{43378F8F-BD94-40A7-8263-902CAD390152}" type="datetimeFigureOut">
               <a:rPr lang="zh-TW" altLang="en-US" smtClean="0"/>
               <a:pPr/>
-              <a:t>2022/7/16</a:t>
+              <a:t>2023/2/4</a:t>
             </a:fld>
             <a:endParaRPr lang="zh-TW" altLang="en-US"/>
           </a:p>
@@ -1978,7 +1978,7 @@
             <a:fld id="{43378F8F-BD94-40A7-8263-902CAD390152}" type="datetimeFigureOut">
               <a:rPr lang="zh-TW" altLang="en-US" smtClean="0"/>
               <a:pPr/>
-              <a:t>2022/7/16</a:t>
+              <a:t>2023/2/4</a:t>
             </a:fld>
             <a:endParaRPr lang="zh-TW" altLang="en-US"/>
           </a:p>
@@ -2252,7 +2252,7 @@
             <a:fld id="{43378F8F-BD94-40A7-8263-902CAD390152}" type="datetimeFigureOut">
               <a:rPr lang="zh-TW" altLang="en-US" smtClean="0"/>
               <a:pPr/>
-              <a:t>2022/7/16</a:t>
+              <a:t>2023/2/4</a:t>
             </a:fld>
             <a:endParaRPr lang="zh-TW" altLang="en-US"/>
           </a:p>
@@ -2506,7 +2506,7 @@
             <a:fld id="{43378F8F-BD94-40A7-8263-902CAD390152}" type="datetimeFigureOut">
               <a:rPr lang="zh-TW" altLang="en-US" smtClean="0"/>
               <a:pPr/>
-              <a:t>2022/7/16</a:t>
+              <a:t>2023/2/4</a:t>
             </a:fld>
             <a:endParaRPr lang="zh-TW" altLang="en-US"/>
           </a:p>
@@ -2721,7 +2721,7 @@
             <a:fld id="{43378F8F-BD94-40A7-8263-902CAD390152}" type="datetimeFigureOut">
               <a:rPr lang="zh-TW" altLang="en-US" smtClean="0"/>
               <a:pPr/>
-              <a:t>2022/7/16</a:t>
+              <a:t>2023/2/4</a:t>
             </a:fld>
             <a:endParaRPr lang="zh-TW" altLang="en-US"/>
           </a:p>
@@ -3271,7 +3271,7 @@
         <p:spPr>
           <a:xfrm>
             <a:off x="0" y="3867894"/>
-            <a:ext cx="9144000" cy="584775"/>
+            <a:ext cx="9144000" cy="461665"/>
           </a:xfrm>
           <a:prstGeom prst="rect">
             <a:avLst/>
@@ -3286,7 +3286,7 @@
           <a:p>
             <a:pPr algn="ctr"/>
             <a:r>
-              <a:rPr lang="en-US" sz="3200" b="1" dirty="0" smtClean="0">
+              <a:rPr lang="en-US" sz="2400" b="1" dirty="0" smtClean="0">
                 <a:solidFill>
                   <a:srgbClr val="660033"/>
                 </a:solidFill>
@@ -3296,26 +3296,36 @@
               <a:t>( </a:t>
             </a:r>
             <a:r>
-              <a:rPr lang="zh-CN" altLang="en-US" sz="3200" b="1" dirty="0" smtClean="0">
+              <a:rPr lang="zh-CN" altLang="en-US" sz="2400" b="1" dirty="0" smtClean="0">
                 <a:solidFill>
                   <a:srgbClr val="660033"/>
                 </a:solidFill>
                 <a:latin typeface="Microsoft JhengHei" panose="020B0604030504040204" pitchFamily="34" charset="-120"/>
                 <a:ea typeface="Microsoft JhengHei" panose="020B0604030504040204" pitchFamily="34" charset="-120"/>
               </a:rPr>
-              <a:t>正</a:t>
-            </a:r>
-            <a:r>
-              <a:rPr lang="en-US" sz="3200" b="1" dirty="0" smtClean="0">
+              <a:t>正歌</a:t>
+            </a:r>
+            <a:r>
+              <a:rPr lang="en-US" sz="2400" b="1" dirty="0" smtClean="0">
                 <a:solidFill>
                   <a:srgbClr val="660033"/>
                 </a:solidFill>
                 <a:latin typeface="Microsoft JhengHei" panose="020B0604030504040204" pitchFamily="34" charset="-120"/>
                 <a:ea typeface="Microsoft JhengHei" panose="020B0604030504040204" pitchFamily="34" charset="-120"/>
               </a:rPr>
-              <a:t> )</a:t>
-            </a:r>
-            <a:endParaRPr lang="vi-VN" sz="3200" b="1" dirty="0">
+              <a:t> </a:t>
+            </a:r>
+            <a:r>
+              <a:rPr lang="en-US" sz="2400" b="1" dirty="0" smtClean="0">
+                <a:solidFill>
+                  <a:srgbClr val="660033"/>
+                </a:solidFill>
+                <a:latin typeface="Microsoft JhengHei" panose="020B0604030504040204" pitchFamily="34" charset="-120"/>
+                <a:ea typeface="Microsoft JhengHei" panose="020B0604030504040204" pitchFamily="34" charset="-120"/>
+              </a:rPr>
+              <a:t>)</a:t>
+            </a:r>
+            <a:endParaRPr lang="vi-VN" sz="2400" b="1" dirty="0">
               <a:solidFill>
                 <a:srgbClr val="660033"/>
               </a:solidFill>
@@ -3423,7 +3433,7 @@
         <p:spPr>
           <a:xfrm>
             <a:off x="0" y="3867894"/>
-            <a:ext cx="9144000" cy="584775"/>
+            <a:ext cx="9144000" cy="461665"/>
           </a:xfrm>
           <a:prstGeom prst="rect">
             <a:avLst/>
@@ -3438,7 +3448,7 @@
           <a:p>
             <a:pPr algn="ctr"/>
             <a:r>
-              <a:rPr lang="en-US" sz="3200" b="1" dirty="0" smtClean="0">
+              <a:rPr lang="en-US" sz="2400" b="1" dirty="0">
                 <a:solidFill>
                   <a:srgbClr val="660033"/>
                 </a:solidFill>
@@ -3448,17 +3458,17 @@
               <a:t>( </a:t>
             </a:r>
             <a:r>
-              <a:rPr lang="zh-CN" altLang="en-US" sz="3200" b="1" dirty="0" smtClean="0">
+              <a:rPr lang="zh-CN" altLang="en-US" sz="2400" b="1" dirty="0">
                 <a:solidFill>
                   <a:srgbClr val="660033"/>
                 </a:solidFill>
                 <a:latin typeface="Microsoft JhengHei" panose="020B0604030504040204" pitchFamily="34" charset="-120"/>
                 <a:ea typeface="Microsoft JhengHei" panose="020B0604030504040204" pitchFamily="34" charset="-120"/>
               </a:rPr>
-              <a:t>正</a:t>
-            </a:r>
-            <a:r>
-              <a:rPr lang="en-US" sz="3200" b="1" dirty="0" smtClean="0">
+              <a:t>正歌</a:t>
+            </a:r>
+            <a:r>
+              <a:rPr lang="en-US" sz="2400" b="1" dirty="0">
                 <a:solidFill>
                   <a:srgbClr val="660033"/>
                 </a:solidFill>
@@ -3467,10 +3477,11 @@
               </a:rPr>
               <a:t> )</a:t>
             </a:r>
-            <a:endParaRPr lang="vi-VN" sz="3200" b="1" dirty="0">
+            <a:endParaRPr lang="vi-VN" sz="2400" b="1" dirty="0">
               <a:solidFill>
                 <a:srgbClr val="660033"/>
               </a:solidFill>
+              <a:latin typeface="Microsoft JhengHei" panose="020B0604030504040204" pitchFamily="34" charset="-120"/>
               <a:ea typeface="Microsoft JhengHei" panose="020B0604030504040204" pitchFamily="34" charset="-120"/>
             </a:endParaRPr>
           </a:p>
@@ -3582,7 +3593,7 @@
         <p:spPr>
           <a:xfrm>
             <a:off x="0" y="3867894"/>
-            <a:ext cx="9144000" cy="584775"/>
+            <a:ext cx="9144000" cy="461665"/>
           </a:xfrm>
           <a:prstGeom prst="rect">
             <a:avLst/>
@@ -3597,7 +3608,7 @@
           <a:p>
             <a:pPr algn="ctr"/>
             <a:r>
-              <a:rPr lang="en-US" sz="3200" b="1" dirty="0" smtClean="0">
+              <a:rPr lang="en-US" sz="2400" b="1" dirty="0">
                 <a:solidFill>
                   <a:srgbClr val="660033"/>
                 </a:solidFill>
@@ -3607,17 +3618,17 @@
               <a:t>( </a:t>
             </a:r>
             <a:r>
-              <a:rPr lang="zh-CN" altLang="en-US" sz="3200" b="1" dirty="0" smtClean="0">
+              <a:rPr lang="zh-CN" altLang="en-US" sz="2400" b="1" dirty="0">
                 <a:solidFill>
                   <a:srgbClr val="660033"/>
                 </a:solidFill>
                 <a:latin typeface="Microsoft JhengHei" panose="020B0604030504040204" pitchFamily="34" charset="-120"/>
                 <a:ea typeface="Microsoft JhengHei" panose="020B0604030504040204" pitchFamily="34" charset="-120"/>
               </a:rPr>
-              <a:t>正</a:t>
-            </a:r>
-            <a:r>
-              <a:rPr lang="en-US" sz="3200" b="1" dirty="0" smtClean="0">
+              <a:t>正歌</a:t>
+            </a:r>
+            <a:r>
+              <a:rPr lang="en-US" sz="2400" b="1" dirty="0">
                 <a:solidFill>
                   <a:srgbClr val="660033"/>
                 </a:solidFill>
@@ -3626,10 +3637,11 @@
               </a:rPr>
               <a:t> )</a:t>
             </a:r>
-            <a:endParaRPr lang="vi-VN" sz="3200" b="1" dirty="0">
+            <a:endParaRPr lang="vi-VN" sz="2400" b="1" dirty="0">
               <a:solidFill>
                 <a:srgbClr val="660033"/>
               </a:solidFill>
+              <a:latin typeface="Microsoft JhengHei" panose="020B0604030504040204" pitchFamily="34" charset="-120"/>
               <a:ea typeface="Microsoft JhengHei" panose="020B0604030504040204" pitchFamily="34" charset="-120"/>
             </a:endParaRPr>
           </a:p>
@@ -3734,7 +3746,7 @@
         <p:spPr>
           <a:xfrm>
             <a:off x="0" y="3867894"/>
-            <a:ext cx="9144000" cy="584775"/>
+            <a:ext cx="9144000" cy="461665"/>
           </a:xfrm>
           <a:prstGeom prst="rect">
             <a:avLst/>
@@ -3749,7 +3761,7 @@
           <a:p>
             <a:pPr algn="ctr"/>
             <a:r>
-              <a:rPr lang="en-US" sz="3200" b="1" dirty="0" smtClean="0">
+              <a:rPr lang="en-US" sz="2400" b="1" dirty="0">
                 <a:solidFill>
                   <a:srgbClr val="660033"/>
                 </a:solidFill>
@@ -3759,17 +3771,17 @@
               <a:t>( </a:t>
             </a:r>
             <a:r>
-              <a:rPr lang="zh-CN" altLang="en-US" sz="3200" b="1" dirty="0" smtClean="0">
+              <a:rPr lang="zh-CN" altLang="en-US" sz="2400" b="1" dirty="0">
                 <a:solidFill>
                   <a:srgbClr val="660033"/>
                 </a:solidFill>
                 <a:latin typeface="Microsoft JhengHei" panose="020B0604030504040204" pitchFamily="34" charset="-120"/>
                 <a:ea typeface="Microsoft JhengHei" panose="020B0604030504040204" pitchFamily="34" charset="-120"/>
               </a:rPr>
-              <a:t>正</a:t>
-            </a:r>
-            <a:r>
-              <a:rPr lang="en-US" sz="3200" b="1" dirty="0" smtClean="0">
+              <a:t>正歌</a:t>
+            </a:r>
+            <a:r>
+              <a:rPr lang="en-US" sz="2400" b="1" dirty="0">
                 <a:solidFill>
                   <a:srgbClr val="660033"/>
                 </a:solidFill>
@@ -3778,10 +3790,11 @@
               </a:rPr>
               <a:t> )</a:t>
             </a:r>
-            <a:endParaRPr lang="vi-VN" sz="3200" b="1" dirty="0">
+            <a:endParaRPr lang="vi-VN" sz="2400" b="1" dirty="0">
               <a:solidFill>
                 <a:srgbClr val="660033"/>
               </a:solidFill>
+              <a:latin typeface="Microsoft JhengHei" panose="020B0604030504040204" pitchFamily="34" charset="-120"/>
               <a:ea typeface="Microsoft JhengHei" panose="020B0604030504040204" pitchFamily="34" charset="-120"/>
             </a:endParaRPr>
           </a:p>
@@ -3893,7 +3906,7 @@
         <p:spPr>
           <a:xfrm>
             <a:off x="0" y="3867894"/>
-            <a:ext cx="9144000" cy="584775"/>
+            <a:ext cx="9144000" cy="461665"/>
           </a:xfrm>
           <a:prstGeom prst="rect">
             <a:avLst/>
@@ -3908,7 +3921,7 @@
           <a:p>
             <a:pPr algn="ctr"/>
             <a:r>
-              <a:rPr lang="en-US" sz="3200" b="1" dirty="0" smtClean="0">
+              <a:rPr lang="en-US" sz="2400" b="1" dirty="0">
                 <a:solidFill>
                   <a:srgbClr val="660033"/>
                 </a:solidFill>
@@ -3918,17 +3931,17 @@
               <a:t>( </a:t>
             </a:r>
             <a:r>
-              <a:rPr lang="zh-CN" altLang="en-US" sz="3200" b="1" dirty="0" smtClean="0">
+              <a:rPr lang="zh-CN" altLang="en-US" sz="2400" b="1" dirty="0">
                 <a:solidFill>
                   <a:srgbClr val="660033"/>
                 </a:solidFill>
                 <a:latin typeface="Microsoft JhengHei" panose="020B0604030504040204" pitchFamily="34" charset="-120"/>
                 <a:ea typeface="Microsoft JhengHei" panose="020B0604030504040204" pitchFamily="34" charset="-120"/>
               </a:rPr>
-              <a:t>副</a:t>
-            </a:r>
-            <a:r>
-              <a:rPr lang="en-US" sz="3200" b="1" dirty="0" smtClean="0">
+              <a:t>副歌</a:t>
+            </a:r>
+            <a:r>
+              <a:rPr lang="en-US" sz="2400" b="1" dirty="0">
                 <a:solidFill>
                   <a:srgbClr val="660033"/>
                 </a:solidFill>
@@ -3938,7 +3951,7 @@
               <a:t> </a:t>
             </a:r>
             <a:r>
-              <a:rPr lang="en-US" sz="3200" b="1" dirty="0" smtClean="0">
+              <a:rPr lang="en-US" sz="2400" b="1" dirty="0">
                 <a:solidFill>
                   <a:srgbClr val="660033"/>
                 </a:solidFill>
@@ -3947,10 +3960,11 @@
               </a:rPr>
               <a:t>)</a:t>
             </a:r>
-            <a:endParaRPr lang="vi-VN" sz="3200" b="1" dirty="0">
+            <a:endParaRPr lang="vi-VN" sz="2400" b="1" dirty="0">
               <a:solidFill>
                 <a:srgbClr val="660033"/>
               </a:solidFill>
+              <a:latin typeface="Microsoft JhengHei" panose="020B0604030504040204" pitchFamily="34" charset="-120"/>
               <a:ea typeface="Microsoft JhengHei" panose="020B0604030504040204" pitchFamily="34" charset="-120"/>
             </a:endParaRPr>
           </a:p>
@@ -4040,7 +4054,7 @@
         <p:spPr>
           <a:xfrm>
             <a:off x="0" y="3867894"/>
-            <a:ext cx="9144000" cy="584775"/>
+            <a:ext cx="9144000" cy="461665"/>
           </a:xfrm>
           <a:prstGeom prst="rect">
             <a:avLst/>
@@ -4055,7 +4069,7 @@
           <a:p>
             <a:pPr algn="ctr"/>
             <a:r>
-              <a:rPr lang="en-US" sz="3200" b="1" dirty="0" smtClean="0">
+              <a:rPr lang="en-US" sz="2400" b="1" dirty="0">
                 <a:solidFill>
                   <a:srgbClr val="660033"/>
                 </a:solidFill>
@@ -4065,39 +4079,30 @@
               <a:t>( </a:t>
             </a:r>
             <a:r>
-              <a:rPr lang="zh-CN" altLang="en-US" sz="3200" b="1" dirty="0" smtClean="0">
+              <a:rPr lang="zh-CN" altLang="en-US" sz="2400" b="1" dirty="0">
                 <a:solidFill>
                   <a:srgbClr val="660033"/>
                 </a:solidFill>
                 <a:latin typeface="Microsoft JhengHei" panose="020B0604030504040204" pitchFamily="34" charset="-120"/>
                 <a:ea typeface="Microsoft JhengHei" panose="020B0604030504040204" pitchFamily="34" charset="-120"/>
               </a:rPr>
-              <a:t>副</a:t>
-            </a:r>
-            <a:r>
-              <a:rPr lang="en-US" sz="3200" b="1" dirty="0" smtClean="0">
+              <a:t>副歌</a:t>
+            </a:r>
+            <a:r>
+              <a:rPr lang="en-US" sz="2400" b="1" dirty="0">
                 <a:solidFill>
                   <a:srgbClr val="660033"/>
                 </a:solidFill>
                 <a:latin typeface="Microsoft JhengHei" panose="020B0604030504040204" pitchFamily="34" charset="-120"/>
                 <a:ea typeface="Microsoft JhengHei" panose="020B0604030504040204" pitchFamily="34" charset="-120"/>
               </a:rPr>
-              <a:t> </a:t>
-            </a:r>
-            <a:r>
-              <a:rPr lang="en-US" sz="3200" b="1" dirty="0" smtClean="0">
-                <a:solidFill>
-                  <a:srgbClr val="660033"/>
-                </a:solidFill>
-                <a:latin typeface="Microsoft JhengHei" panose="020B0604030504040204" pitchFamily="34" charset="-120"/>
-                <a:ea typeface="Microsoft JhengHei" panose="020B0604030504040204" pitchFamily="34" charset="-120"/>
-              </a:rPr>
-              <a:t>)</a:t>
-            </a:r>
-            <a:endParaRPr lang="vi-VN" sz="3200" b="1" dirty="0">
+              <a:t> )</a:t>
+            </a:r>
+            <a:endParaRPr lang="vi-VN" sz="2400" b="1" dirty="0">
               <a:solidFill>
                 <a:srgbClr val="660033"/>
               </a:solidFill>
+              <a:latin typeface="Microsoft JhengHei" panose="020B0604030504040204" pitchFamily="34" charset="-120"/>
               <a:ea typeface="Microsoft JhengHei" panose="020B0604030504040204" pitchFamily="34" charset="-120"/>
             </a:endParaRPr>
           </a:p>
@@ -4209,7 +4214,7 @@
         <p:spPr>
           <a:xfrm>
             <a:off x="0" y="3867894"/>
-            <a:ext cx="9144000" cy="584775"/>
+            <a:ext cx="9144000" cy="461665"/>
           </a:xfrm>
           <a:prstGeom prst="rect">
             <a:avLst/>
@@ -4224,7 +4229,7 @@
           <a:p>
             <a:pPr algn="ctr"/>
             <a:r>
-              <a:rPr lang="en-US" sz="3200" b="1" dirty="0" smtClean="0">
+              <a:rPr lang="en-US" sz="2400" b="1" dirty="0">
                 <a:solidFill>
                   <a:srgbClr val="660033"/>
                 </a:solidFill>
@@ -4234,39 +4239,30 @@
               <a:t>( </a:t>
             </a:r>
             <a:r>
-              <a:rPr lang="zh-CN" altLang="en-US" sz="3200" b="1" dirty="0" smtClean="0">
+              <a:rPr lang="zh-CN" altLang="en-US" sz="2400" b="1" dirty="0">
                 <a:solidFill>
                   <a:srgbClr val="660033"/>
                 </a:solidFill>
                 <a:latin typeface="Microsoft JhengHei" panose="020B0604030504040204" pitchFamily="34" charset="-120"/>
                 <a:ea typeface="Microsoft JhengHei" panose="020B0604030504040204" pitchFamily="34" charset="-120"/>
               </a:rPr>
-              <a:t>副</a:t>
-            </a:r>
-            <a:r>
-              <a:rPr lang="en-US" sz="3200" b="1" dirty="0" smtClean="0">
+              <a:t>副歌</a:t>
+            </a:r>
+            <a:r>
+              <a:rPr lang="en-US" sz="2400" b="1" dirty="0">
                 <a:solidFill>
                   <a:srgbClr val="660033"/>
                 </a:solidFill>
                 <a:latin typeface="Microsoft JhengHei" panose="020B0604030504040204" pitchFamily="34" charset="-120"/>
                 <a:ea typeface="Microsoft JhengHei" panose="020B0604030504040204" pitchFamily="34" charset="-120"/>
               </a:rPr>
-              <a:t> </a:t>
-            </a:r>
-            <a:r>
-              <a:rPr lang="en-US" sz="3200" b="1" dirty="0" smtClean="0">
-                <a:solidFill>
-                  <a:srgbClr val="660033"/>
-                </a:solidFill>
-                <a:latin typeface="Microsoft JhengHei" panose="020B0604030504040204" pitchFamily="34" charset="-120"/>
-                <a:ea typeface="Microsoft JhengHei" panose="020B0604030504040204" pitchFamily="34" charset="-120"/>
-              </a:rPr>
-              <a:t>)</a:t>
-            </a:r>
-            <a:endParaRPr lang="vi-VN" sz="3200" b="1" dirty="0">
+              <a:t> )</a:t>
+            </a:r>
+            <a:endParaRPr lang="vi-VN" sz="2400" b="1" dirty="0">
               <a:solidFill>
                 <a:srgbClr val="660033"/>
               </a:solidFill>
+              <a:latin typeface="Microsoft JhengHei" panose="020B0604030504040204" pitchFamily="34" charset="-120"/>
               <a:ea typeface="Microsoft JhengHei" panose="020B0604030504040204" pitchFamily="34" charset="-120"/>
             </a:endParaRPr>
           </a:p>
@@ -4371,7 +4367,7 @@
           <a:p>
             <a:pPr algn="ctr"/>
             <a:r>
-              <a:rPr lang="en-US" sz="3200" b="1" dirty="0" smtClean="0">
+              <a:rPr lang="en-US" sz="3200" b="1" dirty="0">
                 <a:solidFill>
                   <a:srgbClr val="660033"/>
                 </a:solidFill>
@@ -4381,34 +4377,24 @@
               <a:t>( </a:t>
             </a:r>
             <a:r>
-              <a:rPr lang="zh-CN" altLang="en-US" sz="3200" b="1" dirty="0" smtClean="0">
+              <a:rPr lang="zh-CN" altLang="en-US" sz="3200" b="1" dirty="0">
                 <a:solidFill>
                   <a:srgbClr val="660033"/>
                 </a:solidFill>
                 <a:latin typeface="Microsoft JhengHei" panose="020B0604030504040204" pitchFamily="34" charset="-120"/>
                 <a:ea typeface="Microsoft JhengHei" panose="020B0604030504040204" pitchFamily="34" charset="-120"/>
               </a:rPr>
-              <a:t>副</a:t>
-            </a:r>
-            <a:r>
-              <a:rPr lang="en-US" sz="3200" b="1" dirty="0" smtClean="0">
+              <a:t>副歌</a:t>
+            </a:r>
+            <a:r>
+              <a:rPr lang="en-US" sz="3200" b="1" dirty="0">
                 <a:solidFill>
                   <a:srgbClr val="660033"/>
                 </a:solidFill>
                 <a:latin typeface="Microsoft JhengHei" panose="020B0604030504040204" pitchFamily="34" charset="-120"/>
                 <a:ea typeface="Microsoft JhengHei" panose="020B0604030504040204" pitchFamily="34" charset="-120"/>
               </a:rPr>
-              <a:t> </a:t>
-            </a:r>
-            <a:r>
-              <a:rPr lang="en-US" sz="3200" b="1" dirty="0" smtClean="0">
-                <a:solidFill>
-                  <a:srgbClr val="660033"/>
-                </a:solidFill>
-                <a:latin typeface="Microsoft JhengHei" panose="020B0604030504040204" pitchFamily="34" charset="-120"/>
-                <a:ea typeface="Microsoft JhengHei" panose="020B0604030504040204" pitchFamily="34" charset="-120"/>
-              </a:rPr>
-              <a:t>)</a:t>
+              <a:t> )</a:t>
             </a:r>
             <a:endParaRPr lang="vi-VN" sz="3200" b="1" dirty="0">
               <a:solidFill>

--- a/讓讚美飛揚(崇拜版).pptx
+++ b/讓讚美飛揚(崇拜版).pptx
@@ -313,7 +313,7 @@
             <a:fld id="{43378F8F-BD94-40A7-8263-902CAD390152}" type="datetimeFigureOut">
               <a:rPr lang="zh-TW" altLang="en-US" smtClean="0"/>
               <a:pPr/>
-              <a:t>2023/2/4</a:t>
+              <a:t>2023/7/15</a:t>
             </a:fld>
             <a:endParaRPr lang="zh-TW" altLang="en-US"/>
           </a:p>
@@ -480,7 +480,7 @@
             <a:fld id="{43378F8F-BD94-40A7-8263-902CAD390152}" type="datetimeFigureOut">
               <a:rPr lang="zh-TW" altLang="en-US" smtClean="0"/>
               <a:pPr/>
-              <a:t>2023/2/4</a:t>
+              <a:t>2023/7/15</a:t>
             </a:fld>
             <a:endParaRPr lang="zh-TW" altLang="en-US"/>
           </a:p>
@@ -657,7 +657,7 @@
             <a:fld id="{43378F8F-BD94-40A7-8263-902CAD390152}" type="datetimeFigureOut">
               <a:rPr lang="zh-TW" altLang="en-US" smtClean="0"/>
               <a:pPr/>
-              <a:t>2023/2/4</a:t>
+              <a:t>2023/7/15</a:t>
             </a:fld>
             <a:endParaRPr lang="zh-TW" altLang="en-US"/>
           </a:p>
@@ -824,7 +824,7 @@
             <a:fld id="{43378F8F-BD94-40A7-8263-902CAD390152}" type="datetimeFigureOut">
               <a:rPr lang="zh-TW" altLang="en-US" smtClean="0"/>
               <a:pPr/>
-              <a:t>2023/2/4</a:t>
+              <a:t>2023/7/15</a:t>
             </a:fld>
             <a:endParaRPr lang="zh-TW" altLang="en-US"/>
           </a:p>
@@ -1067,7 +1067,7 @@
             <a:fld id="{43378F8F-BD94-40A7-8263-902CAD390152}" type="datetimeFigureOut">
               <a:rPr lang="zh-TW" altLang="en-US" smtClean="0"/>
               <a:pPr/>
-              <a:t>2023/2/4</a:t>
+              <a:t>2023/7/15</a:t>
             </a:fld>
             <a:endParaRPr lang="zh-TW" altLang="en-US"/>
           </a:p>
@@ -1352,7 +1352,7 @@
             <a:fld id="{43378F8F-BD94-40A7-8263-902CAD390152}" type="datetimeFigureOut">
               <a:rPr lang="zh-TW" altLang="en-US" smtClean="0"/>
               <a:pPr/>
-              <a:t>2023/2/4</a:t>
+              <a:t>2023/7/15</a:t>
             </a:fld>
             <a:endParaRPr lang="zh-TW" altLang="en-US"/>
           </a:p>
@@ -1771,7 +1771,7 @@
             <a:fld id="{43378F8F-BD94-40A7-8263-902CAD390152}" type="datetimeFigureOut">
               <a:rPr lang="zh-TW" altLang="en-US" smtClean="0"/>
               <a:pPr/>
-              <a:t>2023/2/4</a:t>
+              <a:t>2023/7/15</a:t>
             </a:fld>
             <a:endParaRPr lang="zh-TW" altLang="en-US"/>
           </a:p>
@@ -1886,7 +1886,7 @@
             <a:fld id="{43378F8F-BD94-40A7-8263-902CAD390152}" type="datetimeFigureOut">
               <a:rPr lang="zh-TW" altLang="en-US" smtClean="0"/>
               <a:pPr/>
-              <a:t>2023/2/4</a:t>
+              <a:t>2023/7/15</a:t>
             </a:fld>
             <a:endParaRPr lang="zh-TW" altLang="en-US"/>
           </a:p>
@@ -1978,7 +1978,7 @@
             <a:fld id="{43378F8F-BD94-40A7-8263-902CAD390152}" type="datetimeFigureOut">
               <a:rPr lang="zh-TW" altLang="en-US" smtClean="0"/>
               <a:pPr/>
-              <a:t>2023/2/4</a:t>
+              <a:t>2023/7/15</a:t>
             </a:fld>
             <a:endParaRPr lang="zh-TW" altLang="en-US"/>
           </a:p>
@@ -2252,7 +2252,7 @@
             <a:fld id="{43378F8F-BD94-40A7-8263-902CAD390152}" type="datetimeFigureOut">
               <a:rPr lang="zh-TW" altLang="en-US" smtClean="0"/>
               <a:pPr/>
-              <a:t>2023/2/4</a:t>
+              <a:t>2023/7/15</a:t>
             </a:fld>
             <a:endParaRPr lang="zh-TW" altLang="en-US"/>
           </a:p>
@@ -2506,7 +2506,7 @@
             <a:fld id="{43378F8F-BD94-40A7-8263-902CAD390152}" type="datetimeFigureOut">
               <a:rPr lang="zh-TW" altLang="en-US" smtClean="0"/>
               <a:pPr/>
-              <a:t>2023/2/4</a:t>
+              <a:t>2023/7/15</a:t>
             </a:fld>
             <a:endParaRPr lang="zh-TW" altLang="en-US"/>
           </a:p>
@@ -2721,7 +2721,7 @@
             <a:fld id="{43378F8F-BD94-40A7-8263-902CAD390152}" type="datetimeFigureOut">
               <a:rPr lang="zh-TW" altLang="en-US" smtClean="0"/>
               <a:pPr/>
-              <a:t>2023/2/4</a:t>
+              <a:t>2023/7/15</a:t>
             </a:fld>
             <a:endParaRPr lang="zh-TW" altLang="en-US"/>
           </a:p>
@@ -3313,17 +3313,7 @@
                 <a:latin typeface="Microsoft JhengHei" panose="020B0604030504040204" pitchFamily="34" charset="-120"/>
                 <a:ea typeface="Microsoft JhengHei" panose="020B0604030504040204" pitchFamily="34" charset="-120"/>
               </a:rPr>
-              <a:t> </a:t>
-            </a:r>
-            <a:r>
-              <a:rPr lang="en-US" sz="2400" b="1" dirty="0" smtClean="0">
-                <a:solidFill>
-                  <a:srgbClr val="660033"/>
-                </a:solidFill>
-                <a:latin typeface="Microsoft JhengHei" panose="020B0604030504040204" pitchFamily="34" charset="-120"/>
-                <a:ea typeface="Microsoft JhengHei" panose="020B0604030504040204" pitchFamily="34" charset="-120"/>
-              </a:rPr>
-              <a:t>)</a:t>
+              <a:t> )</a:t>
             </a:r>
             <a:endParaRPr lang="vi-VN" sz="2400" b="1" dirty="0">
               <a:solidFill>
@@ -3948,17 +3938,7 @@
                 <a:latin typeface="Microsoft JhengHei" panose="020B0604030504040204" pitchFamily="34" charset="-120"/>
                 <a:ea typeface="Microsoft JhengHei" panose="020B0604030504040204" pitchFamily="34" charset="-120"/>
               </a:rPr>
-              <a:t> </a:t>
-            </a:r>
-            <a:r>
-              <a:rPr lang="en-US" sz="2400" b="1" dirty="0">
-                <a:solidFill>
-                  <a:srgbClr val="660033"/>
-                </a:solidFill>
-                <a:latin typeface="Microsoft JhengHei" panose="020B0604030504040204" pitchFamily="34" charset="-120"/>
-                <a:ea typeface="Microsoft JhengHei" panose="020B0604030504040204" pitchFamily="34" charset="-120"/>
-              </a:rPr>
-              <a:t>)</a:t>
+              <a:t> )</a:t>
             </a:r>
             <a:endParaRPr lang="vi-VN" sz="2400" b="1" dirty="0">
               <a:solidFill>
@@ -4352,7 +4332,7 @@
         <p:spPr>
           <a:xfrm>
             <a:off x="0" y="3867894"/>
-            <a:ext cx="9144000" cy="584775"/>
+            <a:ext cx="9144000" cy="461665"/>
           </a:xfrm>
           <a:prstGeom prst="rect">
             <a:avLst/>
@@ -4367,7 +4347,7 @@
           <a:p>
             <a:pPr algn="ctr"/>
             <a:r>
-              <a:rPr lang="en-US" sz="3200" b="1" dirty="0">
+              <a:rPr lang="en-US" sz="2400" b="1" dirty="0">
                 <a:solidFill>
                   <a:srgbClr val="660033"/>
                 </a:solidFill>
@@ -4377,7 +4357,7 @@
               <a:t>( </a:t>
             </a:r>
             <a:r>
-              <a:rPr lang="zh-CN" altLang="en-US" sz="3200" b="1" dirty="0">
+              <a:rPr lang="zh-CN" altLang="en-US" sz="2400" b="1" dirty="0">
                 <a:solidFill>
                   <a:srgbClr val="660033"/>
                 </a:solidFill>
@@ -4387,7 +4367,7 @@
               <a:t>副歌</a:t>
             </a:r>
             <a:r>
-              <a:rPr lang="en-US" sz="3200" b="1" dirty="0">
+              <a:rPr lang="en-US" sz="2400" b="1" dirty="0">
                 <a:solidFill>
                   <a:srgbClr val="660033"/>
                 </a:solidFill>
@@ -4396,10 +4376,11 @@
               </a:rPr>
               <a:t> )</a:t>
             </a:r>
-            <a:endParaRPr lang="vi-VN" sz="3200" b="1" dirty="0">
+            <a:endParaRPr lang="vi-VN" sz="2400" b="1" dirty="0">
               <a:solidFill>
                 <a:srgbClr val="660033"/>
               </a:solidFill>
+              <a:latin typeface="Microsoft JhengHei" panose="020B0604030504040204" pitchFamily="34" charset="-120"/>
               <a:ea typeface="Microsoft JhengHei" panose="020B0604030504040204" pitchFamily="34" charset="-120"/>
             </a:endParaRPr>
           </a:p>
